--- a/Documents/Slide do an tot nghiep.pptx
+++ b/Documents/Slide do an tot nghiep.pptx
@@ -5,7 +5,7 @@
     <p:sldMasterId id="2147483648" r:id="rId1"/>
   </p:sldMasterIdLst>
   <p:notesMasterIdLst>
-    <p:notesMasterId r:id="rId21"/>
+    <p:notesMasterId r:id="rId23"/>
   </p:notesMasterIdLst>
   <p:sldIdLst>
     <p:sldId id="256" r:id="rId2"/>
@@ -14,19 +14,21 @@
     <p:sldId id="260" r:id="rId5"/>
     <p:sldId id="275" r:id="rId6"/>
     <p:sldId id="261" r:id="rId7"/>
-    <p:sldId id="262" r:id="rId8"/>
-    <p:sldId id="263" r:id="rId9"/>
-    <p:sldId id="264" r:id="rId10"/>
-    <p:sldId id="265" r:id="rId11"/>
-    <p:sldId id="266" r:id="rId12"/>
-    <p:sldId id="267" r:id="rId13"/>
-    <p:sldId id="276" r:id="rId14"/>
-    <p:sldId id="277" r:id="rId15"/>
-    <p:sldId id="278" r:id="rId16"/>
-    <p:sldId id="272" r:id="rId17"/>
-    <p:sldId id="279" r:id="rId18"/>
-    <p:sldId id="273" r:id="rId19"/>
-    <p:sldId id="274" r:id="rId20"/>
+    <p:sldId id="281" r:id="rId8"/>
+    <p:sldId id="262" r:id="rId9"/>
+    <p:sldId id="263" r:id="rId10"/>
+    <p:sldId id="264" r:id="rId11"/>
+    <p:sldId id="265" r:id="rId12"/>
+    <p:sldId id="266" r:id="rId13"/>
+    <p:sldId id="267" r:id="rId14"/>
+    <p:sldId id="276" r:id="rId15"/>
+    <p:sldId id="277" r:id="rId16"/>
+    <p:sldId id="278" r:id="rId17"/>
+    <p:sldId id="272" r:id="rId18"/>
+    <p:sldId id="279" r:id="rId19"/>
+    <p:sldId id="273" r:id="rId20"/>
+    <p:sldId id="274" r:id="rId21"/>
+    <p:sldId id="280" r:id="rId22"/>
   </p:sldIdLst>
   <p:sldSz cx="12192000" cy="6858000"/>
   <p:notesSz cx="6858000" cy="9144000"/>
@@ -133,7 +135,7 @@
             <a:srgbClr val="A4A3A4"/>
           </p15:clr>
         </p15:guide>
-        <p15:guide id="2" pos="3864" userDrawn="1">
+        <p15:guide id="2" pos="3840" userDrawn="1">
           <p15:clr>
             <a:srgbClr val="A4A3A4"/>
           </p15:clr>
@@ -226,7 +228,7 @@
           <a:p>
             <a:fld id="{44B3D732-90BE-4B9A-B1A3-42D3B1073987}" type="datetimeFigureOut">
               <a:rPr lang="en-US" smtClean="0"/>
-              <a:t>5/18/2018</a:t>
+              <a:t>5/19/2018</a:t>
             </a:fld>
             <a:endParaRPr lang="en-US"/>
           </a:p>
@@ -539,67 +541,25 @@
           <a:lstStyle/>
           <a:p>
             <a:r>
-              <a:rPr lang="en-US" sz="1200" kern="1200" smtClean="0">
-                <a:solidFill>
-                  <a:schemeClr val="tx1"/>
-                </a:solidFill>
-                <a:effectLst/>
-                <a:latin typeface="+mn-lt"/>
-                <a:ea typeface="+mn-ea"/>
-                <a:cs typeface="+mn-cs"/>
-              </a:rPr>
-              <a:t>Tiêu chí đánh giá:</a:t>
-            </a:r>
-          </a:p>
-          <a:p>
-            <a:pPr lvl="0"/>
-            <a:r>
-              <a:rPr lang="en-US" sz="1200" kern="1200" smtClean="0">
-                <a:solidFill>
-                  <a:schemeClr val="tx1"/>
-                </a:solidFill>
-                <a:effectLst/>
-                <a:latin typeface="+mn-lt"/>
-                <a:ea typeface="+mn-ea"/>
-                <a:cs typeface="+mn-cs"/>
-              </a:rPr>
-              <a:t>Successful (thành công): hoàn thành đúng thời hạn, theo ngân sách, với các chức năng yêu cầu ban đầu.</a:t>
-            </a:r>
-          </a:p>
-          <a:p>
-            <a:pPr lvl="0"/>
-            <a:r>
-              <a:rPr lang="en-US" sz="1200" kern="1200" smtClean="0">
-                <a:solidFill>
-                  <a:schemeClr val="tx1"/>
-                </a:solidFill>
-                <a:effectLst/>
-                <a:latin typeface="+mn-lt"/>
-                <a:ea typeface="+mn-ea"/>
-                <a:cs typeface="+mn-cs"/>
-              </a:rPr>
-              <a:t>Challenged (thách thức): hoàn thành trễ thời hạn, vượt ngân sách hoặc có ít yêu cầu hơn so với yêu cầu ban đầu</a:t>
-            </a:r>
-          </a:p>
-          <a:p>
-            <a:pPr lvl="0"/>
-            <a:r>
-              <a:rPr lang="en-US" sz="1200" kern="1200" smtClean="0">
-                <a:solidFill>
-                  <a:schemeClr val="tx1"/>
-                </a:solidFill>
-                <a:effectLst/>
-                <a:latin typeface="+mn-lt"/>
-                <a:ea typeface="+mn-ea"/>
-                <a:cs typeface="+mn-cs"/>
-              </a:rPr>
-              <a:t>Failed (thất bại): bị hủy bỏ trước khi hoàn thành hoặc chuyển giao, không bao giờ được sử dụng.</a:t>
-            </a:r>
-          </a:p>
-          <a:p>
-            <a:endParaRPr lang="en-US" smtClean="0"/>
-          </a:p>
-          <a:p>
+              <a:rPr lang="en-US" smtClean="0"/>
+              <a:t>- Đây</a:t>
+            </a:r>
+            <a:r>
+              <a:rPr lang="en-US" baseline="0" smtClean="0"/>
+              <a:t> là tam giác của quản lý dự án phần mềm</a:t>
+            </a:r>
+          </a:p>
+          <a:p>
+            <a:r>
+              <a:rPr lang="en-US" baseline="0" smtClean="0"/>
+              <a:t>- Mục tiêu lý tưởng là: tam giác cân </a:t>
+            </a:r>
+            <a:r>
+              <a:rPr lang="en-US" baseline="0" smtClean="0">
+                <a:sym typeface="Wingdings" panose="05000000000000000000" pitchFamily="2" charset="2"/>
+              </a:rPr>
+              <a:t> tức là cân bằng được cả 3</a:t>
+            </a:r>
             <a:endParaRPr lang="en-US"/>
           </a:p>
         </p:txBody>
@@ -621,6 +581,312 @@
           <a:p>
             <a:fld id="{B7AE9840-95C8-43D9-A154-5B20318A511A}" type="slidenum">
               <a:rPr lang="en-US" smtClean="0"/>
+              <a:t>5</a:t>
+            </a:fld>
+            <a:endParaRPr lang="en-US"/>
+          </a:p>
+        </p:txBody>
+      </p:sp>
+    </p:spTree>
+    <p:extLst>
+      <p:ext uri="{BB962C8B-B14F-4D97-AF65-F5344CB8AC3E}">
+        <p14:creationId xmlns:p14="http://schemas.microsoft.com/office/powerpoint/2010/main" val="888694029"/>
+      </p:ext>
+    </p:extLst>
+  </p:cSld>
+  <p:clrMapOvr>
+    <a:masterClrMapping/>
+  </p:clrMapOvr>
+</p:notes>
+</file>
+
+<file path=ppt/notesSlides/notesSlide2.xml><?xml version="1.0" encoding="utf-8"?>
+<p:notes xmlns:a="http://schemas.openxmlformats.org/drawingml/2006/main" xmlns:r="http://schemas.openxmlformats.org/officeDocument/2006/relationships" xmlns:p="http://schemas.openxmlformats.org/presentationml/2006/main">
+  <p:cSld>
+    <p:spTree>
+      <p:nvGrpSpPr>
+        <p:cNvPr id="1" name=""/>
+        <p:cNvGrpSpPr/>
+        <p:nvPr/>
+      </p:nvGrpSpPr>
+      <p:grpSpPr>
+        <a:xfrm>
+          <a:off x="0" y="0"/>
+          <a:ext cx="0" cy="0"/>
+          <a:chOff x="0" y="0"/>
+          <a:chExt cx="0" cy="0"/>
+        </a:xfrm>
+      </p:grpSpPr>
+      <p:sp>
+        <p:nvSpPr>
+          <p:cNvPr id="2" name="Slide Image Placeholder 1"/>
+          <p:cNvSpPr>
+            <a:spLocks noGrp="1" noRot="1" noChangeAspect="1"/>
+          </p:cNvSpPr>
+          <p:nvPr>
+            <p:ph type="sldImg"/>
+          </p:nvPr>
+        </p:nvSpPr>
+        <p:spPr/>
+      </p:sp>
+      <p:sp>
+        <p:nvSpPr>
+          <p:cNvPr id="3" name="Notes Placeholder 2"/>
+          <p:cNvSpPr>
+            <a:spLocks noGrp="1"/>
+          </p:cNvSpPr>
+          <p:nvPr>
+            <p:ph type="body" idx="1"/>
+          </p:nvPr>
+        </p:nvSpPr>
+        <p:spPr/>
+        <p:txBody>
+          <a:bodyPr/>
+          <a:lstStyle/>
+          <a:p>
+            <a:pPr marL="171450" indent="-171450">
+              <a:buFont typeface="Arial" panose="020B0604020202020204" pitchFamily="34" charset="0"/>
+              <a:buChar char="•"/>
+            </a:pPr>
+            <a:r>
+              <a:rPr lang="en-US" sz="1200" kern="1200" smtClean="0">
+                <a:solidFill>
+                  <a:schemeClr val="tx1"/>
+                </a:solidFill>
+                <a:effectLst/>
+                <a:latin typeface="+mn-lt"/>
+                <a:ea typeface="+mn-ea"/>
+                <a:cs typeface="+mn-cs"/>
+              </a:rPr>
+              <a:t>Tiêu chí đánh giá:</a:t>
+            </a:r>
+          </a:p>
+          <a:p>
+            <a:pPr marL="628650" lvl="1" indent="-171450">
+              <a:buFont typeface="Wingdings" panose="05000000000000000000" pitchFamily="2" charset="2"/>
+              <a:buChar char="ü"/>
+            </a:pPr>
+            <a:r>
+              <a:rPr lang="en-US" sz="1200" kern="1200" smtClean="0">
+                <a:solidFill>
+                  <a:schemeClr val="tx1"/>
+                </a:solidFill>
+                <a:effectLst/>
+                <a:latin typeface="+mn-lt"/>
+                <a:ea typeface="+mn-ea"/>
+                <a:cs typeface="+mn-cs"/>
+              </a:rPr>
+              <a:t>Successful (thành công): hoàn thành đúng thời hạn, theo ngân sách, với các chức năng yêu cầu ban </a:t>
+            </a:r>
+            <a:r>
+              <a:rPr lang="en-US" sz="1200" kern="1200" smtClean="0">
+                <a:solidFill>
+                  <a:schemeClr val="tx1"/>
+                </a:solidFill>
+                <a:effectLst/>
+                <a:latin typeface="+mn-lt"/>
+                <a:ea typeface="+mn-ea"/>
+                <a:cs typeface="+mn-cs"/>
+              </a:rPr>
+              <a:t>đầu.</a:t>
+            </a:r>
+          </a:p>
+          <a:p>
+            <a:pPr marL="628650" lvl="1" indent="-171450">
+              <a:buFont typeface="Wingdings" panose="05000000000000000000" pitchFamily="2" charset="2"/>
+              <a:buChar char="ü"/>
+            </a:pPr>
+            <a:r>
+              <a:rPr lang="en-US" sz="1200" kern="1200" smtClean="0">
+                <a:solidFill>
+                  <a:schemeClr val="tx1"/>
+                </a:solidFill>
+                <a:effectLst/>
+                <a:latin typeface="+mn-lt"/>
+                <a:ea typeface="+mn-ea"/>
+                <a:cs typeface="+mn-cs"/>
+              </a:rPr>
+              <a:t>Challenged </a:t>
+            </a:r>
+            <a:r>
+              <a:rPr lang="en-US" sz="1200" kern="1200" smtClean="0">
+                <a:solidFill>
+                  <a:schemeClr val="tx1"/>
+                </a:solidFill>
+                <a:effectLst/>
+                <a:latin typeface="+mn-lt"/>
+                <a:ea typeface="+mn-ea"/>
+                <a:cs typeface="+mn-cs"/>
+              </a:rPr>
+              <a:t>(thách thức): hoàn thành trễ thời hạn, vượt ngân sách hoặc có ít yêu cầu hơn so với yêu cầu ban </a:t>
+            </a:r>
+            <a:r>
+              <a:rPr lang="en-US" sz="1200" kern="1200" smtClean="0">
+                <a:solidFill>
+                  <a:schemeClr val="tx1"/>
+                </a:solidFill>
+                <a:effectLst/>
+                <a:latin typeface="+mn-lt"/>
+                <a:ea typeface="+mn-ea"/>
+                <a:cs typeface="+mn-cs"/>
+              </a:rPr>
+              <a:t>đầu</a:t>
+            </a:r>
+          </a:p>
+          <a:p>
+            <a:pPr marL="628650" lvl="1" indent="-171450">
+              <a:buFont typeface="Wingdings" panose="05000000000000000000" pitchFamily="2" charset="2"/>
+              <a:buChar char="ü"/>
+            </a:pPr>
+            <a:r>
+              <a:rPr lang="en-US" sz="1200" kern="1200" smtClean="0">
+                <a:solidFill>
+                  <a:schemeClr val="tx1"/>
+                </a:solidFill>
+                <a:effectLst/>
+                <a:latin typeface="+mn-lt"/>
+                <a:ea typeface="+mn-ea"/>
+                <a:cs typeface="+mn-cs"/>
+              </a:rPr>
+              <a:t>Failed </a:t>
+            </a:r>
+            <a:r>
+              <a:rPr lang="en-US" sz="1200" kern="1200" smtClean="0">
+                <a:solidFill>
+                  <a:schemeClr val="tx1"/>
+                </a:solidFill>
+                <a:effectLst/>
+                <a:latin typeface="+mn-lt"/>
+                <a:ea typeface="+mn-ea"/>
+                <a:cs typeface="+mn-cs"/>
+              </a:rPr>
+              <a:t>(thất bại): bị hủy bỏ trước khi hoàn thành hoặc chuyển giao, không bao giờ được sử dụng</a:t>
+            </a:r>
+            <a:r>
+              <a:rPr lang="en-US" sz="1200" kern="1200" smtClean="0">
+                <a:solidFill>
+                  <a:schemeClr val="tx1"/>
+                </a:solidFill>
+                <a:effectLst/>
+                <a:latin typeface="+mn-lt"/>
+                <a:ea typeface="+mn-ea"/>
+                <a:cs typeface="+mn-cs"/>
+              </a:rPr>
+              <a:t>.</a:t>
+            </a:r>
+          </a:p>
+          <a:p>
+            <a:pPr marL="171450" lvl="0" indent="-171450">
+              <a:buFont typeface="Arial" panose="020B0604020202020204" pitchFamily="34" charset="0"/>
+              <a:buChar char="•"/>
+            </a:pPr>
+            <a:r>
+              <a:rPr lang="en-US" sz="1200" kern="1200" smtClean="0">
+                <a:solidFill>
+                  <a:schemeClr val="tx1"/>
+                </a:solidFill>
+                <a:effectLst/>
+                <a:latin typeface="+mn-lt"/>
+                <a:ea typeface="+mn-ea"/>
+                <a:cs typeface="+mn-cs"/>
+              </a:rPr>
+              <a:t>Nhận</a:t>
+            </a:r>
+            <a:r>
+              <a:rPr lang="en-US" sz="1200" kern="1200" baseline="0" smtClean="0">
+                <a:solidFill>
+                  <a:schemeClr val="tx1"/>
+                </a:solidFill>
+                <a:effectLst/>
+                <a:latin typeface="+mn-lt"/>
+                <a:ea typeface="+mn-ea"/>
+                <a:cs typeface="+mn-cs"/>
+              </a:rPr>
+              <a:t> thấy:  Tỉ lệ dự án được đánh giá là thành công thấp hơn so với dự án bị thách thức và thất bại</a:t>
+            </a:r>
+          </a:p>
+          <a:p>
+            <a:pPr marL="171450" lvl="0" indent="-171450">
+              <a:buFont typeface="Arial" panose="020B0604020202020204" pitchFamily="34" charset="0"/>
+              <a:buChar char="•"/>
+            </a:pPr>
+            <a:r>
+              <a:rPr lang="en-US" sz="1200" kern="1200" baseline="0" smtClean="0">
+                <a:solidFill>
+                  <a:schemeClr val="tx1"/>
+                </a:solidFill>
+                <a:effectLst/>
+                <a:latin typeface="+mn-lt"/>
+                <a:ea typeface="+mn-ea"/>
+                <a:cs typeface="+mn-cs"/>
+              </a:rPr>
+              <a:t>Nguyên nhân chính đều liên quan đến quản lý dự án phần mềm.</a:t>
+            </a:r>
+          </a:p>
+          <a:p>
+            <a:pPr marL="171450" lvl="0" indent="-171450">
+              <a:buFont typeface="Arial" panose="020B0604020202020204" pitchFamily="34" charset="0"/>
+              <a:buChar char="•"/>
+            </a:pPr>
+            <a:r>
+              <a:rPr lang="vi-VN" sz="1200" kern="1200" smtClean="0">
+                <a:solidFill>
+                  <a:schemeClr val="tx1"/>
+                </a:solidFill>
+                <a:effectLst/>
+                <a:latin typeface="+mn-lt"/>
+                <a:ea typeface="+mn-ea"/>
+                <a:cs typeface="+mn-cs"/>
+              </a:rPr>
+              <a:t>Nếu quản lý tốt thì chưa chắc dự án đã thành công, nhưng nếu quản lý tồi thì chắc chắn dự án sẽ thất bại. </a:t>
+            </a:r>
+            <a:endParaRPr lang="en-US" sz="1200" kern="1200" smtClean="0">
+              <a:solidFill>
+                <a:schemeClr val="tx1"/>
+              </a:solidFill>
+              <a:effectLst/>
+              <a:latin typeface="+mn-lt"/>
+              <a:ea typeface="+mn-ea"/>
+              <a:cs typeface="+mn-cs"/>
+            </a:endParaRPr>
+          </a:p>
+          <a:p>
+            <a:pPr lvl="0"/>
+            <a:endParaRPr lang="en-US" sz="1200" kern="1200" smtClean="0">
+              <a:solidFill>
+                <a:schemeClr val="tx1"/>
+              </a:solidFill>
+              <a:effectLst/>
+              <a:latin typeface="+mn-lt"/>
+              <a:ea typeface="+mn-ea"/>
+              <a:cs typeface="+mn-cs"/>
+            </a:endParaRPr>
+          </a:p>
+          <a:p>
+            <a:endParaRPr lang="en-US" smtClean="0"/>
+          </a:p>
+          <a:p>
+            <a:endParaRPr lang="en-US"/>
+          </a:p>
+        </p:txBody>
+      </p:sp>
+      <p:sp>
+        <p:nvSpPr>
+          <p:cNvPr id="4" name="Slide Number Placeholder 3"/>
+          <p:cNvSpPr>
+            <a:spLocks noGrp="1"/>
+          </p:cNvSpPr>
+          <p:nvPr>
+            <p:ph type="sldNum" sz="quarter" idx="10"/>
+          </p:nvPr>
+        </p:nvSpPr>
+        <p:spPr/>
+        <p:txBody>
+          <a:bodyPr/>
+          <a:lstStyle/>
+          <a:p>
+            <a:fld id="{B7AE9840-95C8-43D9-A154-5B20318A511A}" type="slidenum">
+              <a:rPr lang="en-US" smtClean="0"/>
               <a:t>6</a:t>
             </a:fld>
             <a:endParaRPr lang="en-US"/>
@@ -631,6 +897,209 @@
     <p:extLst>
       <p:ext uri="{BB962C8B-B14F-4D97-AF65-F5344CB8AC3E}">
         <p14:creationId xmlns:p14="http://schemas.microsoft.com/office/powerpoint/2010/main" val="3441040829"/>
+      </p:ext>
+    </p:extLst>
+  </p:cSld>
+  <p:clrMapOvr>
+    <a:masterClrMapping/>
+  </p:clrMapOvr>
+</p:notes>
+</file>
+
+<file path=ppt/notesSlides/notesSlide3.xml><?xml version="1.0" encoding="utf-8"?>
+<p:notes xmlns:a="http://schemas.openxmlformats.org/drawingml/2006/main" xmlns:r="http://schemas.openxmlformats.org/officeDocument/2006/relationships" xmlns:p="http://schemas.openxmlformats.org/presentationml/2006/main">
+  <p:cSld>
+    <p:spTree>
+      <p:nvGrpSpPr>
+        <p:cNvPr id="1" name=""/>
+        <p:cNvGrpSpPr/>
+        <p:nvPr/>
+      </p:nvGrpSpPr>
+      <p:grpSpPr>
+        <a:xfrm>
+          <a:off x="0" y="0"/>
+          <a:ext cx="0" cy="0"/>
+          <a:chOff x="0" y="0"/>
+          <a:chExt cx="0" cy="0"/>
+        </a:xfrm>
+      </p:grpSpPr>
+      <p:sp>
+        <p:nvSpPr>
+          <p:cNvPr id="2" name="Slide Image Placeholder 1"/>
+          <p:cNvSpPr>
+            <a:spLocks noGrp="1" noRot="1" noChangeAspect="1"/>
+          </p:cNvSpPr>
+          <p:nvPr>
+            <p:ph type="sldImg"/>
+          </p:nvPr>
+        </p:nvSpPr>
+        <p:spPr/>
+      </p:sp>
+      <p:sp>
+        <p:nvSpPr>
+          <p:cNvPr id="3" name="Notes Placeholder 2"/>
+          <p:cNvSpPr>
+            <a:spLocks noGrp="1"/>
+          </p:cNvSpPr>
+          <p:nvPr>
+            <p:ph type="body" idx="1"/>
+          </p:nvPr>
+        </p:nvSpPr>
+        <p:spPr/>
+        <p:txBody>
+          <a:bodyPr/>
+          <a:lstStyle/>
+          <a:p>
+            <a:r>
+              <a:rPr lang="en-US" smtClean="0"/>
+              <a:t>Khi Project</a:t>
+            </a:r>
+            <a:r>
+              <a:rPr lang="en-US" baseline="0" smtClean="0"/>
+              <a:t> Manager nhận được 1 dự án.</a:t>
+            </a:r>
+          </a:p>
+          <a:p>
+            <a:r>
+              <a:rPr lang="en-US" baseline="0" smtClean="0"/>
+              <a:t>Có 3 vấn đề người đó cần được quan tâm.</a:t>
+            </a:r>
+          </a:p>
+          <a:p>
+            <a:r>
+              <a:rPr lang="en-US" baseline="0" smtClean="0"/>
+              <a:t>Để quản lý tốt thì phải chia nhỏ thành các giai đoạn, các nhóm công việc</a:t>
+            </a:r>
+          </a:p>
+          <a:p>
+            <a:r>
+              <a:rPr lang="en-US" baseline="0" smtClean="0"/>
+              <a:t>Và có những mốc thời gian cụ thể cho từng giai đoạn, nhóm công việc đó.</a:t>
+            </a:r>
+          </a:p>
+          <a:p>
+            <a:r>
+              <a:rPr lang="en-US" baseline="0" smtClean="0"/>
+              <a:t>Tương tự, đối với yếu tố con người, cũng cần chia thành các nhóm, thực hiện các công việc khác nhau.</a:t>
+            </a:r>
+            <a:endParaRPr lang="en-US"/>
+          </a:p>
+        </p:txBody>
+      </p:sp>
+      <p:sp>
+        <p:nvSpPr>
+          <p:cNvPr id="4" name="Slide Number Placeholder 3"/>
+          <p:cNvSpPr>
+            <a:spLocks noGrp="1"/>
+          </p:cNvSpPr>
+          <p:nvPr>
+            <p:ph type="sldNum" sz="quarter" idx="10"/>
+          </p:nvPr>
+        </p:nvSpPr>
+        <p:spPr/>
+        <p:txBody>
+          <a:bodyPr/>
+          <a:lstStyle/>
+          <a:p>
+            <a:fld id="{B7AE9840-95C8-43D9-A154-5B20318A511A}" type="slidenum">
+              <a:rPr lang="en-US" smtClean="0"/>
+              <a:t>7</a:t>
+            </a:fld>
+            <a:endParaRPr lang="en-US"/>
+          </a:p>
+        </p:txBody>
+      </p:sp>
+    </p:spTree>
+    <p:extLst>
+      <p:ext uri="{BB962C8B-B14F-4D97-AF65-F5344CB8AC3E}">
+        <p14:creationId xmlns:p14="http://schemas.microsoft.com/office/powerpoint/2010/main" val="3110033180"/>
+      </p:ext>
+    </p:extLst>
+  </p:cSld>
+  <p:clrMapOvr>
+    <a:masterClrMapping/>
+  </p:clrMapOvr>
+</p:notes>
+</file>
+
+<file path=ppt/notesSlides/notesSlide4.xml><?xml version="1.0" encoding="utf-8"?>
+<p:notes xmlns:a="http://schemas.openxmlformats.org/drawingml/2006/main" xmlns:r="http://schemas.openxmlformats.org/officeDocument/2006/relationships" xmlns:p="http://schemas.openxmlformats.org/presentationml/2006/main">
+  <p:cSld>
+    <p:spTree>
+      <p:nvGrpSpPr>
+        <p:cNvPr id="1" name=""/>
+        <p:cNvGrpSpPr/>
+        <p:nvPr/>
+      </p:nvGrpSpPr>
+      <p:grpSpPr>
+        <a:xfrm>
+          <a:off x="0" y="0"/>
+          <a:ext cx="0" cy="0"/>
+          <a:chOff x="0" y="0"/>
+          <a:chExt cx="0" cy="0"/>
+        </a:xfrm>
+      </p:grpSpPr>
+      <p:sp>
+        <p:nvSpPr>
+          <p:cNvPr id="2" name="Slide Image Placeholder 1"/>
+          <p:cNvSpPr>
+            <a:spLocks noGrp="1" noRot="1" noChangeAspect="1"/>
+          </p:cNvSpPr>
+          <p:nvPr>
+            <p:ph type="sldImg"/>
+          </p:nvPr>
+        </p:nvSpPr>
+        <p:spPr/>
+      </p:sp>
+      <p:sp>
+        <p:nvSpPr>
+          <p:cNvPr id="3" name="Notes Placeholder 2"/>
+          <p:cNvSpPr>
+            <a:spLocks noGrp="1"/>
+          </p:cNvSpPr>
+          <p:nvPr>
+            <p:ph type="body" idx="1"/>
+          </p:nvPr>
+        </p:nvSpPr>
+        <p:spPr/>
+        <p:txBody>
+          <a:bodyPr/>
+          <a:lstStyle/>
+          <a:p>
+            <a:endParaRPr lang="en-US" baseline="0" smtClean="0"/>
+          </a:p>
+          <a:p>
+            <a:endParaRPr lang="en-US"/>
+          </a:p>
+        </p:txBody>
+      </p:sp>
+      <p:sp>
+        <p:nvSpPr>
+          <p:cNvPr id="4" name="Slide Number Placeholder 3"/>
+          <p:cNvSpPr>
+            <a:spLocks noGrp="1"/>
+          </p:cNvSpPr>
+          <p:nvPr>
+            <p:ph type="sldNum" sz="quarter" idx="10"/>
+          </p:nvPr>
+        </p:nvSpPr>
+        <p:spPr/>
+        <p:txBody>
+          <a:bodyPr/>
+          <a:lstStyle/>
+          <a:p>
+            <a:fld id="{B7AE9840-95C8-43D9-A154-5B20318A511A}" type="slidenum">
+              <a:rPr lang="en-US" smtClean="0"/>
+              <a:t>17</a:t>
+            </a:fld>
+            <a:endParaRPr lang="en-US"/>
+          </a:p>
+        </p:txBody>
+      </p:sp>
+    </p:spTree>
+    <p:extLst>
+      <p:ext uri="{BB962C8B-B14F-4D97-AF65-F5344CB8AC3E}">
+        <p14:creationId xmlns:p14="http://schemas.microsoft.com/office/powerpoint/2010/main" val="2537574442"/>
       </p:ext>
     </p:extLst>
   </p:cSld>
@@ -4916,7 +5385,7 @@
           <a:p>
             <a:fld id="{48A87A34-81AB-432B-8DAE-1953F412C126}" type="datetimeFigureOut">
               <a:rPr lang="en-US" dirty="0"/>
-              <a:t>5/18/2018</a:t>
+              <a:t>5/19/2018</a:t>
             </a:fld>
             <a:endParaRPr lang="en-US" dirty="0"/>
           </a:p>
@@ -5178,7 +5647,7 @@
           <a:p>
             <a:fld id="{48A87A34-81AB-432B-8DAE-1953F412C126}" type="datetimeFigureOut">
               <a:rPr lang="en-US" dirty="0"/>
-              <a:t>5/18/2018</a:t>
+              <a:t>5/19/2018</a:t>
             </a:fld>
             <a:endParaRPr lang="en-US" dirty="0"/>
           </a:p>
@@ -5369,7 +5838,7 @@
           <a:p>
             <a:fld id="{48A87A34-81AB-432B-8DAE-1953F412C126}" type="datetimeFigureOut">
               <a:rPr lang="en-US" dirty="0"/>
-              <a:t>5/18/2018</a:t>
+              <a:t>5/19/2018</a:t>
             </a:fld>
             <a:endParaRPr lang="en-US" dirty="0"/>
           </a:p>
@@ -5627,7 +6096,7 @@
           <a:p>
             <a:fld id="{48A87A34-81AB-432B-8DAE-1953F412C126}" type="datetimeFigureOut">
               <a:rPr lang="en-US" dirty="0"/>
-              <a:t>5/18/2018</a:t>
+              <a:t>5/19/2018</a:t>
             </a:fld>
             <a:endParaRPr lang="en-US" dirty="0"/>
           </a:p>
@@ -6056,7 +6525,7 @@
           <a:p>
             <a:fld id="{48A87A34-81AB-432B-8DAE-1953F412C126}" type="datetimeFigureOut">
               <a:rPr lang="en-US" dirty="0"/>
-              <a:t>5/18/2018</a:t>
+              <a:t>5/19/2018</a:t>
             </a:fld>
             <a:endParaRPr lang="en-US" dirty="0"/>
           </a:p>
@@ -6597,7 +7066,7 @@
           <a:p>
             <a:fld id="{48A87A34-81AB-432B-8DAE-1953F412C126}" type="datetimeFigureOut">
               <a:rPr lang="en-US" dirty="0"/>
-              <a:t>5/18/2018</a:t>
+              <a:t>5/19/2018</a:t>
             </a:fld>
             <a:endParaRPr lang="en-US" dirty="0"/>
           </a:p>
@@ -7312,7 +7781,7 @@
           <a:p>
             <a:fld id="{48A87A34-81AB-432B-8DAE-1953F412C126}" type="datetimeFigureOut">
               <a:rPr lang="en-US" dirty="0"/>
-              <a:t>5/18/2018</a:t>
+              <a:t>5/19/2018</a:t>
             </a:fld>
             <a:endParaRPr lang="en-US" dirty="0"/>
           </a:p>
@@ -7477,7 +7946,7 @@
           <a:p>
             <a:fld id="{48A87A34-81AB-432B-8DAE-1953F412C126}" type="datetimeFigureOut">
               <a:rPr lang="en-US" dirty="0"/>
-              <a:t>5/18/2018</a:t>
+              <a:t>5/19/2018</a:t>
             </a:fld>
             <a:endParaRPr lang="en-US" dirty="0"/>
           </a:p>
@@ -7652,7 +8121,7 @@
           <a:p>
             <a:fld id="{48A87A34-81AB-432B-8DAE-1953F412C126}" type="datetimeFigureOut">
               <a:rPr lang="en-US" dirty="0"/>
-              <a:t>5/18/2018</a:t>
+              <a:t>5/19/2018</a:t>
             </a:fld>
             <a:endParaRPr lang="en-US" dirty="0"/>
           </a:p>
@@ -7817,7 +8286,7 @@
           <a:p>
             <a:fld id="{48A87A34-81AB-432B-8DAE-1953F412C126}" type="datetimeFigureOut">
               <a:rPr lang="en-US" dirty="0"/>
-              <a:t>5/18/2018</a:t>
+              <a:t>5/19/2018</a:t>
             </a:fld>
             <a:endParaRPr lang="en-US" dirty="0"/>
           </a:p>
@@ -8062,7 +8531,7 @@
           <a:p>
             <a:fld id="{48A87A34-81AB-432B-8DAE-1953F412C126}" type="datetimeFigureOut">
               <a:rPr lang="en-US" dirty="0"/>
-              <a:t>5/18/2018</a:t>
+              <a:t>5/19/2018</a:t>
             </a:fld>
             <a:endParaRPr lang="en-US" dirty="0"/>
           </a:p>
@@ -8289,7 +8758,7 @@
           <a:p>
             <a:fld id="{48A87A34-81AB-432B-8DAE-1953F412C126}" type="datetimeFigureOut">
               <a:rPr lang="en-US" dirty="0"/>
-              <a:t>5/18/2018</a:t>
+              <a:t>5/19/2018</a:t>
             </a:fld>
             <a:endParaRPr lang="en-US" dirty="0"/>
           </a:p>
@@ -8665,7 +9134,7 @@
           <a:p>
             <a:fld id="{48A87A34-81AB-432B-8DAE-1953F412C126}" type="datetimeFigureOut">
               <a:rPr lang="en-US" dirty="0"/>
-              <a:t>5/18/2018</a:t>
+              <a:t>5/19/2018</a:t>
             </a:fld>
             <a:endParaRPr lang="en-US" dirty="0"/>
           </a:p>
@@ -8778,7 +9247,7 @@
           <a:p>
             <a:fld id="{48A87A34-81AB-432B-8DAE-1953F412C126}" type="datetimeFigureOut">
               <a:rPr lang="en-US" dirty="0"/>
-              <a:t>5/18/2018</a:t>
+              <a:t>5/19/2018</a:t>
             </a:fld>
             <a:endParaRPr lang="en-US" dirty="0"/>
           </a:p>
@@ -8868,7 +9337,7 @@
           <a:p>
             <a:fld id="{48A87A34-81AB-432B-8DAE-1953F412C126}" type="datetimeFigureOut">
               <a:rPr lang="en-US" dirty="0"/>
-              <a:t>5/18/2018</a:t>
+              <a:t>5/19/2018</a:t>
             </a:fld>
             <a:endParaRPr lang="en-US" dirty="0"/>
           </a:p>
@@ -9112,7 +9581,7 @@
           <a:p>
             <a:fld id="{48A87A34-81AB-432B-8DAE-1953F412C126}" type="datetimeFigureOut">
               <a:rPr lang="en-US" dirty="0"/>
-              <a:t>5/18/2018</a:t>
+              <a:t>5/19/2018</a:t>
             </a:fld>
             <a:endParaRPr lang="en-US" dirty="0"/>
           </a:p>
@@ -9387,7 +9856,7 @@
           <a:p>
             <a:fld id="{48A87A34-81AB-432B-8DAE-1953F412C126}" type="datetimeFigureOut">
               <a:rPr lang="en-US" dirty="0"/>
-              <a:t>5/18/2018</a:t>
+              <a:t>5/19/2018</a:t>
             </a:fld>
             <a:endParaRPr lang="en-US" dirty="0"/>
           </a:p>
@@ -12460,7 +12929,7 @@
             <a:fld id="{48A87A34-81AB-432B-8DAE-1953F412C126}" type="datetimeFigureOut">
               <a:rPr lang="en-US" dirty="0"/>
               <a:pPr/>
-              <a:t>5/18/2018</a:t>
+              <a:t>5/19/2018</a:t>
             </a:fld>
             <a:endParaRPr lang="en-US" dirty="0"/>
           </a:p>
@@ -13117,14 +13586,14 @@
       </p:grpSpPr>
       <p:sp>
         <p:nvSpPr>
-          <p:cNvPr id="2" name="TextBox 1"/>
+          <p:cNvPr id="4" name="TextBox 3"/>
           <p:cNvSpPr txBox="1"/>
           <p:nvPr/>
         </p:nvSpPr>
         <p:spPr>
           <a:xfrm>
-            <a:off x="1425513" y="1443841"/>
-            <a:ext cx="8707815" cy="4832092"/>
+            <a:off x="1427710" y="541421"/>
+            <a:ext cx="4818948" cy="523220"/>
           </a:xfrm>
           <a:prstGeom prst="rect">
             <a:avLst/>
@@ -13132,7 +13601,7 @@
           <a:noFill/>
         </p:spPr>
         <p:txBody>
-          <a:bodyPr wrap="square" rtlCol="0">
+          <a:bodyPr wrap="none" rtlCol="0">
             <a:spAutoFit/>
           </a:bodyPr>
           <a:lstStyle/>
@@ -13142,246 +13611,471 @@
                 <a:latin typeface="Times New Roman" panose="02020603050405020304" pitchFamily="18" charset="0"/>
                 <a:cs typeface="Times New Roman" panose="02020603050405020304" pitchFamily="18" charset="0"/>
               </a:rPr>
+              <a:t>2. Đối </a:t>
+            </a:r>
+            <a:r>
+              <a:rPr lang="en-US" sz="2800" b="1" dirty="0" err="1">
+                <a:latin typeface="Times New Roman" panose="02020603050405020304" pitchFamily="18" charset="0"/>
+                <a:cs typeface="Times New Roman" panose="02020603050405020304" pitchFamily="18" charset="0"/>
+              </a:rPr>
+              <a:t>tượng</a:t>
+            </a:r>
+            <a:r>
+              <a:rPr lang="en-US" sz="2800" b="1" dirty="0">
+                <a:latin typeface="Times New Roman" panose="02020603050405020304" pitchFamily="18" charset="0"/>
+                <a:cs typeface="Times New Roman" panose="02020603050405020304" pitchFamily="18" charset="0"/>
+              </a:rPr>
+              <a:t> </a:t>
+            </a:r>
+            <a:r>
+              <a:rPr lang="en-US" sz="2800" b="1" dirty="0" err="1">
+                <a:latin typeface="Times New Roman" panose="02020603050405020304" pitchFamily="18" charset="0"/>
+                <a:cs typeface="Times New Roman" panose="02020603050405020304" pitchFamily="18" charset="0"/>
+              </a:rPr>
+              <a:t>sử</a:t>
+            </a:r>
+            <a:r>
+              <a:rPr lang="en-US" sz="2800" b="1" dirty="0">
+                <a:latin typeface="Times New Roman" panose="02020603050405020304" pitchFamily="18" charset="0"/>
+                <a:cs typeface="Times New Roman" panose="02020603050405020304" pitchFamily="18" charset="0"/>
+              </a:rPr>
+              <a:t> </a:t>
+            </a:r>
+            <a:r>
+              <a:rPr lang="en-US" sz="2800" b="1" dirty="0" err="1">
+                <a:latin typeface="Times New Roman" panose="02020603050405020304" pitchFamily="18" charset="0"/>
+                <a:cs typeface="Times New Roman" panose="02020603050405020304" pitchFamily="18" charset="0"/>
+              </a:rPr>
+              <a:t>dụng</a:t>
+            </a:r>
+            <a:r>
+              <a:rPr lang="en-US" sz="2800" b="1" dirty="0">
+                <a:latin typeface="Times New Roman" panose="02020603050405020304" pitchFamily="18" charset="0"/>
+                <a:cs typeface="Times New Roman" panose="02020603050405020304" pitchFamily="18" charset="0"/>
+              </a:rPr>
+              <a:t> </a:t>
+            </a:r>
+            <a:r>
+              <a:rPr lang="en-US" sz="2800" b="1" dirty="0" err="1">
+                <a:latin typeface="Times New Roman" panose="02020603050405020304" pitchFamily="18" charset="0"/>
+                <a:cs typeface="Times New Roman" panose="02020603050405020304" pitchFamily="18" charset="0"/>
+              </a:rPr>
+              <a:t>hệ</a:t>
+            </a:r>
+            <a:r>
+              <a:rPr lang="en-US" sz="2800" b="1" dirty="0">
+                <a:latin typeface="Times New Roman" panose="02020603050405020304" pitchFamily="18" charset="0"/>
+                <a:cs typeface="Times New Roman" panose="02020603050405020304" pitchFamily="18" charset="0"/>
+              </a:rPr>
+              <a:t> </a:t>
+            </a:r>
+            <a:r>
+              <a:rPr lang="en-US" sz="2800" b="1" dirty="0" err="1">
+                <a:latin typeface="Times New Roman" panose="02020603050405020304" pitchFamily="18" charset="0"/>
+                <a:cs typeface="Times New Roman" panose="02020603050405020304" pitchFamily="18" charset="0"/>
+              </a:rPr>
+              <a:t>thống</a:t>
+            </a:r>
+            <a:endParaRPr lang="en-US" sz="2800" b="1" dirty="0">
+              <a:latin typeface="Times New Roman" panose="02020603050405020304" pitchFamily="18" charset="0"/>
+              <a:cs typeface="Times New Roman" panose="02020603050405020304" pitchFamily="18" charset="0"/>
+            </a:endParaRPr>
+          </a:p>
+        </p:txBody>
+      </p:sp>
+      <p:sp>
+        <p:nvSpPr>
+          <p:cNvPr id="5" name="TextBox 4"/>
+          <p:cNvSpPr txBox="1"/>
+          <p:nvPr/>
+        </p:nvSpPr>
+        <p:spPr>
+          <a:xfrm>
+            <a:off x="1427710" y="2065422"/>
+            <a:ext cx="6926833" cy="1815882"/>
+          </a:xfrm>
+          <a:prstGeom prst="rect">
+            <a:avLst/>
+          </a:prstGeom>
+          <a:noFill/>
+        </p:spPr>
+        <p:txBody>
+          <a:bodyPr wrap="none" rtlCol="0">
+            <a:spAutoFit/>
+          </a:bodyPr>
+          <a:lstStyle/>
+          <a:p>
+            <a:pPr marL="285750" indent="-285750">
+              <a:buFont typeface="Arial" panose="020B0604020202020204" pitchFamily="34" charset="0"/>
+              <a:buChar char="•"/>
+            </a:pPr>
+            <a:r>
+              <a:rPr lang="en-US" sz="2800" b="1" dirty="0">
+                <a:latin typeface="Times New Roman" panose="02020603050405020304" pitchFamily="18" charset="0"/>
+                <a:cs typeface="Times New Roman" panose="02020603050405020304" pitchFamily="18" charset="0"/>
+              </a:rPr>
               <a:t>Admin</a:t>
             </a:r>
             <a:r>
+              <a:rPr lang="en-US" sz="2800" dirty="0">
+                <a:latin typeface="Times New Roman" panose="02020603050405020304" pitchFamily="18" charset="0"/>
+                <a:cs typeface="Times New Roman" panose="02020603050405020304" pitchFamily="18" charset="0"/>
+              </a:rPr>
+              <a:t>: </a:t>
+            </a:r>
+            <a:r>
+              <a:rPr lang="en-US" sz="2800" dirty="0" err="1">
+                <a:latin typeface="Times New Roman" panose="02020603050405020304" pitchFamily="18" charset="0"/>
+                <a:cs typeface="Times New Roman" panose="02020603050405020304" pitchFamily="18" charset="0"/>
+              </a:rPr>
+              <a:t>Là</a:t>
+            </a:r>
+            <a:r>
+              <a:rPr lang="en-US" sz="2800" dirty="0">
+                <a:latin typeface="Times New Roman" panose="02020603050405020304" pitchFamily="18" charset="0"/>
+                <a:cs typeface="Times New Roman" panose="02020603050405020304" pitchFamily="18" charset="0"/>
+              </a:rPr>
+              <a:t> </a:t>
+            </a:r>
+            <a:r>
+              <a:rPr lang="en-US" sz="2800" dirty="0" err="1">
+                <a:latin typeface="Times New Roman" panose="02020603050405020304" pitchFamily="18" charset="0"/>
+                <a:cs typeface="Times New Roman" panose="02020603050405020304" pitchFamily="18" charset="0"/>
+              </a:rPr>
+              <a:t>những</a:t>
+            </a:r>
+            <a:r>
+              <a:rPr lang="en-US" sz="2800" dirty="0">
+                <a:latin typeface="Times New Roman" panose="02020603050405020304" pitchFamily="18" charset="0"/>
+                <a:cs typeface="Times New Roman" panose="02020603050405020304" pitchFamily="18" charset="0"/>
+              </a:rPr>
+              <a:t> </a:t>
+            </a:r>
+            <a:r>
+              <a:rPr lang="en-US" sz="2800" dirty="0" err="1">
+                <a:latin typeface="Times New Roman" panose="02020603050405020304" pitchFamily="18" charset="0"/>
+                <a:cs typeface="Times New Roman" panose="02020603050405020304" pitchFamily="18" charset="0"/>
+              </a:rPr>
+              <a:t>người</a:t>
+            </a:r>
+            <a:r>
+              <a:rPr lang="en-US" sz="2800" dirty="0">
+                <a:latin typeface="Times New Roman" panose="02020603050405020304" pitchFamily="18" charset="0"/>
+                <a:cs typeface="Times New Roman" panose="02020603050405020304" pitchFamily="18" charset="0"/>
+              </a:rPr>
+              <a:t> </a:t>
+            </a:r>
+            <a:r>
+              <a:rPr lang="en-US" sz="2800" dirty="0" err="1">
+                <a:latin typeface="Times New Roman" panose="02020603050405020304" pitchFamily="18" charset="0"/>
+                <a:cs typeface="Times New Roman" panose="02020603050405020304" pitchFamily="18" charset="0"/>
+              </a:rPr>
+              <a:t>quản</a:t>
+            </a:r>
+            <a:r>
+              <a:rPr lang="en-US" sz="2800" dirty="0">
+                <a:latin typeface="Times New Roman" panose="02020603050405020304" pitchFamily="18" charset="0"/>
+                <a:cs typeface="Times New Roman" panose="02020603050405020304" pitchFamily="18" charset="0"/>
+              </a:rPr>
+              <a:t> </a:t>
+            </a:r>
+            <a:r>
+              <a:rPr lang="en-US" sz="2800" dirty="0" err="1">
+                <a:latin typeface="Times New Roman" panose="02020603050405020304" pitchFamily="18" charset="0"/>
+                <a:cs typeface="Times New Roman" panose="02020603050405020304" pitchFamily="18" charset="0"/>
+              </a:rPr>
+              <a:t>trị</a:t>
+            </a:r>
+            <a:r>
+              <a:rPr lang="en-US" sz="2800" dirty="0">
+                <a:latin typeface="Times New Roman" panose="02020603050405020304" pitchFamily="18" charset="0"/>
+                <a:cs typeface="Times New Roman" panose="02020603050405020304" pitchFamily="18" charset="0"/>
+              </a:rPr>
+              <a:t> </a:t>
+            </a:r>
+            <a:r>
+              <a:rPr lang="en-US" sz="2800" err="1">
+                <a:latin typeface="Times New Roman" panose="02020603050405020304" pitchFamily="18" charset="0"/>
+                <a:cs typeface="Times New Roman" panose="02020603050405020304" pitchFamily="18" charset="0"/>
+              </a:rPr>
+              <a:t>hệ</a:t>
+            </a:r>
+            <a:r>
+              <a:rPr lang="en-US" sz="2800">
+                <a:latin typeface="Times New Roman" panose="02020603050405020304" pitchFamily="18" charset="0"/>
+                <a:cs typeface="Times New Roman" panose="02020603050405020304" pitchFamily="18" charset="0"/>
+              </a:rPr>
+              <a:t> </a:t>
+            </a:r>
+            <a:r>
               <a:rPr lang="en-US" sz="2800" smtClean="0">
                 <a:latin typeface="Times New Roman" panose="02020603050405020304" pitchFamily="18" charset="0"/>
                 <a:cs typeface="Times New Roman" panose="02020603050405020304" pitchFamily="18" charset="0"/>
               </a:rPr>
+              <a:t>thống</a:t>
+            </a:r>
+            <a:endParaRPr lang="en-US" sz="2800" dirty="0">
+              <a:latin typeface="Times New Roman" panose="02020603050405020304" pitchFamily="18" charset="0"/>
+              <a:cs typeface="Times New Roman" panose="02020603050405020304" pitchFamily="18" charset="0"/>
+            </a:endParaRPr>
+          </a:p>
+          <a:p>
+            <a:pPr marL="285750" indent="-285750">
+              <a:buFont typeface="Arial" panose="020B0604020202020204" pitchFamily="34" charset="0"/>
+              <a:buChar char="•"/>
+            </a:pPr>
+            <a:r>
+              <a:rPr lang="en-US" sz="2800" b="1" smtClean="0">
+                <a:latin typeface="Times New Roman" panose="02020603050405020304" pitchFamily="18" charset="0"/>
+                <a:cs typeface="Times New Roman" panose="02020603050405020304" pitchFamily="18" charset="0"/>
+              </a:rPr>
+              <a:t>Project </a:t>
+            </a:r>
+            <a:r>
+              <a:rPr lang="en-US" sz="2800" b="1" dirty="0">
+                <a:latin typeface="Times New Roman" panose="02020603050405020304" pitchFamily="18" charset="0"/>
+                <a:cs typeface="Times New Roman" panose="02020603050405020304" pitchFamily="18" charset="0"/>
+              </a:rPr>
+              <a:t>Manager</a:t>
+            </a:r>
+            <a:r>
+              <a:rPr lang="en-US" sz="2800" dirty="0">
+                <a:latin typeface="Times New Roman" panose="02020603050405020304" pitchFamily="18" charset="0"/>
+                <a:cs typeface="Times New Roman" panose="02020603050405020304" pitchFamily="18" charset="0"/>
+              </a:rPr>
               <a:t>: </a:t>
             </a:r>
             <a:r>
+              <a:rPr lang="en-US" sz="2800" dirty="0" err="1">
+                <a:latin typeface="Times New Roman" panose="02020603050405020304" pitchFamily="18" charset="0"/>
+                <a:cs typeface="Times New Roman" panose="02020603050405020304" pitchFamily="18" charset="0"/>
+              </a:rPr>
+              <a:t>Quản</a:t>
+            </a:r>
+            <a:r>
+              <a:rPr lang="en-US" sz="2800" dirty="0">
+                <a:latin typeface="Times New Roman" panose="02020603050405020304" pitchFamily="18" charset="0"/>
+                <a:cs typeface="Times New Roman" panose="02020603050405020304" pitchFamily="18" charset="0"/>
+              </a:rPr>
+              <a:t> </a:t>
+            </a:r>
+            <a:r>
+              <a:rPr lang="en-US" sz="2800" dirty="0" err="1">
+                <a:latin typeface="Times New Roman" panose="02020603050405020304" pitchFamily="18" charset="0"/>
+                <a:cs typeface="Times New Roman" panose="02020603050405020304" pitchFamily="18" charset="0"/>
+              </a:rPr>
+              <a:t>trị</a:t>
+            </a:r>
+            <a:r>
+              <a:rPr lang="en-US" sz="2800" dirty="0">
+                <a:latin typeface="Times New Roman" panose="02020603050405020304" pitchFamily="18" charset="0"/>
+                <a:cs typeface="Times New Roman" panose="02020603050405020304" pitchFamily="18" charset="0"/>
+              </a:rPr>
+              <a:t> </a:t>
+            </a:r>
+            <a:r>
+              <a:rPr lang="en-US" sz="2800" dirty="0" err="1">
+                <a:latin typeface="Times New Roman" panose="02020603050405020304" pitchFamily="18" charset="0"/>
+                <a:cs typeface="Times New Roman" panose="02020603050405020304" pitchFamily="18" charset="0"/>
+              </a:rPr>
+              <a:t>dự</a:t>
+            </a:r>
+            <a:r>
+              <a:rPr lang="en-US" sz="2800" dirty="0">
+                <a:latin typeface="Times New Roman" panose="02020603050405020304" pitchFamily="18" charset="0"/>
+                <a:cs typeface="Times New Roman" panose="02020603050405020304" pitchFamily="18" charset="0"/>
+              </a:rPr>
+              <a:t> </a:t>
+            </a:r>
+            <a:r>
+              <a:rPr lang="en-US" sz="2800" dirty="0" err="1">
+                <a:latin typeface="Times New Roman" panose="02020603050405020304" pitchFamily="18" charset="0"/>
+                <a:cs typeface="Times New Roman" panose="02020603050405020304" pitchFamily="18" charset="0"/>
+              </a:rPr>
+              <a:t>án</a:t>
+            </a:r>
+            <a:r>
+              <a:rPr lang="en-US" sz="2800" dirty="0">
+                <a:latin typeface="Times New Roman" panose="02020603050405020304" pitchFamily="18" charset="0"/>
+                <a:cs typeface="Times New Roman" panose="02020603050405020304" pitchFamily="18" charset="0"/>
+              </a:rPr>
+              <a:t> </a:t>
+            </a:r>
+            <a:r>
+              <a:rPr lang="en-US" sz="2800" err="1">
+                <a:latin typeface="Times New Roman" panose="02020603050405020304" pitchFamily="18" charset="0"/>
+                <a:cs typeface="Times New Roman" panose="02020603050405020304" pitchFamily="18" charset="0"/>
+              </a:rPr>
+              <a:t>phần</a:t>
+            </a:r>
+            <a:r>
               <a:rPr lang="en-US" sz="2800">
                 <a:latin typeface="Times New Roman" panose="02020603050405020304" pitchFamily="18" charset="0"/>
                 <a:cs typeface="Times New Roman" panose="02020603050405020304" pitchFamily="18" charset="0"/>
               </a:rPr>
-              <a:t>Q</a:t>
+              <a:t> </a:t>
             </a:r>
             <a:r>
               <a:rPr lang="en-US" sz="2800" smtClean="0">
                 <a:latin typeface="Times New Roman" panose="02020603050405020304" pitchFamily="18" charset="0"/>
                 <a:cs typeface="Times New Roman" panose="02020603050405020304" pitchFamily="18" charset="0"/>
               </a:rPr>
-              <a:t>uản </a:t>
-            </a:r>
-            <a:r>
-              <a:rPr lang="en-US" sz="2800" smtClean="0">
-                <a:latin typeface="Times New Roman" panose="02020603050405020304" pitchFamily="18" charset="0"/>
-                <a:cs typeface="Times New Roman" panose="02020603050405020304" pitchFamily="18" charset="0"/>
-              </a:rPr>
-              <a:t>trị hệ thống, tạo mới </a:t>
-            </a:r>
-            <a:r>
-              <a:rPr lang="en-US" sz="2800" smtClean="0">
-                <a:latin typeface="Times New Roman" panose="02020603050405020304" pitchFamily="18" charset="0"/>
-                <a:cs typeface="Times New Roman" panose="02020603050405020304" pitchFamily="18" charset="0"/>
-              </a:rPr>
-              <a:t>project, tạo </a:t>
-            </a:r>
-            <a:r>
-              <a:rPr lang="en-US" sz="2800" smtClean="0">
-                <a:latin typeface="Times New Roman" panose="02020603050405020304" pitchFamily="18" charset="0"/>
-                <a:cs typeface="Times New Roman" panose="02020603050405020304" pitchFamily="18" charset="0"/>
-              </a:rPr>
-              <a:t>tài khoản cho người </a:t>
-            </a:r>
-            <a:r>
-              <a:rPr lang="en-US" sz="2800" smtClean="0">
-                <a:latin typeface="Times New Roman" panose="02020603050405020304" pitchFamily="18" charset="0"/>
-                <a:cs typeface="Times New Roman" panose="02020603050405020304" pitchFamily="18" charset="0"/>
-              </a:rPr>
-              <a:t>dùng</a:t>
-            </a:r>
-          </a:p>
-          <a:p>
+              <a:t>mềm</a:t>
+            </a:r>
+            <a:endParaRPr lang="en-US" sz="2800" dirty="0">
+              <a:latin typeface="Times New Roman" panose="02020603050405020304" pitchFamily="18" charset="0"/>
+              <a:cs typeface="Times New Roman" panose="02020603050405020304" pitchFamily="18" charset="0"/>
+            </a:endParaRPr>
+          </a:p>
+          <a:p>
+            <a:pPr marL="285750" indent="-285750">
+              <a:buFont typeface="Arial" panose="020B0604020202020204" pitchFamily="34" charset="0"/>
+              <a:buChar char="•"/>
+            </a:pPr>
+            <a:r>
+              <a:rPr lang="en-US" sz="2800" b="1" dirty="0">
+                <a:latin typeface="Times New Roman" panose="02020603050405020304" pitchFamily="18" charset="0"/>
+                <a:cs typeface="Times New Roman" panose="02020603050405020304" pitchFamily="18" charset="0"/>
+              </a:rPr>
+              <a:t>T</a:t>
+            </a:r>
+            <a:r>
+              <a:rPr lang="en-US" sz="2800" b="1" smtClean="0">
+                <a:latin typeface="Times New Roman" panose="02020603050405020304" pitchFamily="18" charset="0"/>
+                <a:cs typeface="Times New Roman" panose="02020603050405020304" pitchFamily="18" charset="0"/>
+              </a:rPr>
+              <a:t>eam </a:t>
+            </a:r>
+            <a:r>
+              <a:rPr lang="en-US" sz="2800" b="1" dirty="0">
+                <a:latin typeface="Times New Roman" panose="02020603050405020304" pitchFamily="18" charset="0"/>
+                <a:cs typeface="Times New Roman" panose="02020603050405020304" pitchFamily="18" charset="0"/>
+              </a:rPr>
+              <a:t>Lead</a:t>
+            </a:r>
+            <a:r>
+              <a:rPr lang="en-US" sz="2800" dirty="0">
+                <a:latin typeface="Times New Roman" panose="02020603050405020304" pitchFamily="18" charset="0"/>
+                <a:cs typeface="Times New Roman" panose="02020603050405020304" pitchFamily="18" charset="0"/>
+              </a:rPr>
+              <a:t>: </a:t>
+            </a:r>
+            <a:r>
+              <a:rPr lang="en-US" sz="2800" dirty="0" err="1">
+                <a:latin typeface="Times New Roman" panose="02020603050405020304" pitchFamily="18" charset="0"/>
+                <a:cs typeface="Times New Roman" panose="02020603050405020304" pitchFamily="18" charset="0"/>
+              </a:rPr>
+              <a:t>Trưởng</a:t>
+            </a:r>
+            <a:r>
+              <a:rPr lang="en-US" sz="2800" dirty="0">
+                <a:latin typeface="Times New Roman" panose="02020603050405020304" pitchFamily="18" charset="0"/>
+                <a:cs typeface="Times New Roman" panose="02020603050405020304" pitchFamily="18" charset="0"/>
+              </a:rPr>
+              <a:t> </a:t>
+            </a:r>
+            <a:r>
+              <a:rPr lang="en-US" sz="2800" err="1">
+                <a:latin typeface="Times New Roman" panose="02020603050405020304" pitchFamily="18" charset="0"/>
+                <a:cs typeface="Times New Roman" panose="02020603050405020304" pitchFamily="18" charset="0"/>
+              </a:rPr>
+              <a:t>nhóm</a:t>
+            </a:r>
+            <a:r>
+              <a:rPr lang="en-US" sz="2800">
+                <a:latin typeface="Times New Roman" panose="02020603050405020304" pitchFamily="18" charset="0"/>
+                <a:cs typeface="Times New Roman" panose="02020603050405020304" pitchFamily="18" charset="0"/>
+              </a:rPr>
+              <a:t> </a:t>
+            </a:r>
             <a:endParaRPr lang="en-US" sz="2800" smtClean="0">
               <a:latin typeface="Times New Roman" panose="02020603050405020304" pitchFamily="18" charset="0"/>
               <a:cs typeface="Times New Roman" panose="02020603050405020304" pitchFamily="18" charset="0"/>
             </a:endParaRPr>
           </a:p>
           <a:p>
+            <a:pPr marL="285750" indent="-285750">
+              <a:buFont typeface="Arial" panose="020B0604020202020204" pitchFamily="34" charset="0"/>
+              <a:buChar char="•"/>
+            </a:pPr>
             <a:r>
               <a:rPr lang="en-US" sz="2800" b="1" smtClean="0">
                 <a:latin typeface="Times New Roman" panose="02020603050405020304" pitchFamily="18" charset="0"/>
                 <a:cs typeface="Times New Roman" panose="02020603050405020304" pitchFamily="18" charset="0"/>
               </a:rPr>
-              <a:t>Project Manager</a:t>
-            </a:r>
-            <a:r>
-              <a:rPr lang="en-US" sz="2800" smtClean="0">
+              <a:t>Member</a:t>
+            </a:r>
+            <a:r>
+              <a:rPr lang="en-US" sz="2800" dirty="0">
                 <a:latin typeface="Times New Roman" panose="02020603050405020304" pitchFamily="18" charset="0"/>
                 <a:cs typeface="Times New Roman" panose="02020603050405020304" pitchFamily="18" charset="0"/>
               </a:rPr>
               <a:t>: </a:t>
             </a:r>
             <a:r>
-              <a:rPr lang="en-US" sz="2800" smtClean="0">
-                <a:latin typeface="Times New Roman" panose="02020603050405020304" pitchFamily="18" charset="0"/>
-                <a:cs typeface="Times New Roman" panose="02020603050405020304" pitchFamily="18" charset="0"/>
-              </a:rPr>
-              <a:t>Chỉnh </a:t>
-            </a:r>
-            <a:r>
-              <a:rPr lang="en-US" sz="2800" smtClean="0">
-                <a:latin typeface="Times New Roman" panose="02020603050405020304" pitchFamily="18" charset="0"/>
-                <a:cs typeface="Times New Roman" panose="02020603050405020304" pitchFamily="18" charset="0"/>
-              </a:rPr>
-              <a:t>sửa thông tin project, tạo mới các giai đoạn, thêm hoặc loại bớt người tham gia dự </a:t>
-            </a:r>
-            <a:r>
-              <a:rPr lang="en-US" sz="2800" smtClean="0">
+              <a:rPr lang="en-US" sz="2800" dirty="0" err="1">
+                <a:latin typeface="Times New Roman" panose="02020603050405020304" pitchFamily="18" charset="0"/>
+                <a:cs typeface="Times New Roman" panose="02020603050405020304" pitchFamily="18" charset="0"/>
+              </a:rPr>
+              <a:t>Thành</a:t>
+            </a:r>
+            <a:r>
+              <a:rPr lang="en-US" sz="2800" dirty="0">
+                <a:latin typeface="Times New Roman" panose="02020603050405020304" pitchFamily="18" charset="0"/>
+                <a:cs typeface="Times New Roman" panose="02020603050405020304" pitchFamily="18" charset="0"/>
+              </a:rPr>
+              <a:t> </a:t>
+            </a:r>
+            <a:r>
+              <a:rPr lang="en-US" sz="2800" dirty="0" err="1">
+                <a:latin typeface="Times New Roman" panose="02020603050405020304" pitchFamily="18" charset="0"/>
+                <a:cs typeface="Times New Roman" panose="02020603050405020304" pitchFamily="18" charset="0"/>
+              </a:rPr>
+              <a:t>viên</a:t>
+            </a:r>
+            <a:r>
+              <a:rPr lang="en-US" sz="2800" dirty="0">
+                <a:latin typeface="Times New Roman" panose="02020603050405020304" pitchFamily="18" charset="0"/>
+                <a:cs typeface="Times New Roman" panose="02020603050405020304" pitchFamily="18" charset="0"/>
+              </a:rPr>
+              <a:t> </a:t>
+            </a:r>
+            <a:r>
+              <a:rPr lang="en-US" sz="2800" dirty="0" err="1">
+                <a:latin typeface="Times New Roman" panose="02020603050405020304" pitchFamily="18" charset="0"/>
+                <a:cs typeface="Times New Roman" panose="02020603050405020304" pitchFamily="18" charset="0"/>
+              </a:rPr>
+              <a:t>trong</a:t>
+            </a:r>
+            <a:r>
+              <a:rPr lang="en-US" sz="2800" dirty="0">
+                <a:latin typeface="Times New Roman" panose="02020603050405020304" pitchFamily="18" charset="0"/>
+                <a:cs typeface="Times New Roman" panose="02020603050405020304" pitchFamily="18" charset="0"/>
+              </a:rPr>
+              <a:t> </a:t>
+            </a:r>
+            <a:r>
+              <a:rPr lang="en-US" sz="2800" dirty="0" err="1">
+                <a:latin typeface="Times New Roman" panose="02020603050405020304" pitchFamily="18" charset="0"/>
+                <a:cs typeface="Times New Roman" panose="02020603050405020304" pitchFamily="18" charset="0"/>
+              </a:rPr>
+              <a:t>dự</a:t>
+            </a:r>
+            <a:r>
+              <a:rPr lang="en-US" sz="2800" dirty="0">
+                <a:latin typeface="Times New Roman" panose="02020603050405020304" pitchFamily="18" charset="0"/>
+                <a:cs typeface="Times New Roman" panose="02020603050405020304" pitchFamily="18" charset="0"/>
+              </a:rPr>
+              <a:t> </a:t>
+            </a:r>
+            <a:r>
+              <a:rPr lang="en-US" sz="2800" dirty="0" err="1">
                 <a:latin typeface="Times New Roman" panose="02020603050405020304" pitchFamily="18" charset="0"/>
                 <a:cs typeface="Times New Roman" panose="02020603050405020304" pitchFamily="18" charset="0"/>
               </a:rPr>
               <a:t>án</a:t>
             </a:r>
-          </a:p>
-          <a:p>
-            <a:endParaRPr lang="en-US" sz="2800" smtClean="0">
-              <a:latin typeface="Times New Roman" panose="02020603050405020304" pitchFamily="18" charset="0"/>
-              <a:cs typeface="Times New Roman" panose="02020603050405020304" pitchFamily="18" charset="0"/>
-            </a:endParaRPr>
-          </a:p>
-          <a:p>
-            <a:r>
-              <a:rPr lang="en-US" sz="2800" b="1" smtClean="0">
-                <a:latin typeface="Times New Roman" panose="02020603050405020304" pitchFamily="18" charset="0"/>
-                <a:cs typeface="Times New Roman" panose="02020603050405020304" pitchFamily="18" charset="0"/>
-              </a:rPr>
-              <a:t>Team Lead</a:t>
-            </a:r>
-            <a:r>
-              <a:rPr lang="en-US" sz="2800" smtClean="0">
-                <a:latin typeface="Times New Roman" panose="02020603050405020304" pitchFamily="18" charset="0"/>
-                <a:cs typeface="Times New Roman" panose="02020603050405020304" pitchFamily="18" charset="0"/>
-              </a:rPr>
-              <a:t>: </a:t>
-            </a:r>
-            <a:r>
-              <a:rPr lang="en-US" sz="2800">
-                <a:latin typeface="Times New Roman" panose="02020603050405020304" pitchFamily="18" charset="0"/>
-                <a:cs typeface="Times New Roman" panose="02020603050405020304" pitchFamily="18" charset="0"/>
-              </a:rPr>
-              <a:t>T</a:t>
-            </a:r>
-            <a:r>
-              <a:rPr lang="en-US" sz="2800" smtClean="0">
-                <a:latin typeface="Times New Roman" panose="02020603050405020304" pitchFamily="18" charset="0"/>
-                <a:cs typeface="Times New Roman" panose="02020603050405020304" pitchFamily="18" charset="0"/>
-              </a:rPr>
-              <a:t>ạo </a:t>
-            </a:r>
-            <a:r>
-              <a:rPr lang="en-US" sz="2800" smtClean="0">
-                <a:latin typeface="Times New Roman" panose="02020603050405020304" pitchFamily="18" charset="0"/>
-                <a:cs typeface="Times New Roman" panose="02020603050405020304" pitchFamily="18" charset="0"/>
-              </a:rPr>
-              <a:t>mới nhóm công việc và </a:t>
-            </a:r>
-            <a:r>
-              <a:rPr lang="en-US" sz="2800" smtClean="0">
-                <a:latin typeface="Times New Roman" panose="02020603050405020304" pitchFamily="18" charset="0"/>
-                <a:cs typeface="Times New Roman" panose="02020603050405020304" pitchFamily="18" charset="0"/>
-              </a:rPr>
-              <a:t>công </a:t>
-            </a:r>
-            <a:r>
-              <a:rPr lang="en-US" sz="2800" smtClean="0">
-                <a:latin typeface="Times New Roman" panose="02020603050405020304" pitchFamily="18" charset="0"/>
-                <a:cs typeface="Times New Roman" panose="02020603050405020304" pitchFamily="18" charset="0"/>
-              </a:rPr>
-              <a:t>việc, chỉ định người thực hiện công việc </a:t>
-            </a:r>
-            <a:r>
-              <a:rPr lang="en-US" sz="2800" smtClean="0">
-                <a:latin typeface="Times New Roman" panose="02020603050405020304" pitchFamily="18" charset="0"/>
-                <a:cs typeface="Times New Roman" panose="02020603050405020304" pitchFamily="18" charset="0"/>
-              </a:rPr>
-              <a:t>đó</a:t>
-            </a:r>
-          </a:p>
-          <a:p>
-            <a:endParaRPr lang="en-US" sz="2800" smtClean="0">
-              <a:latin typeface="Times New Roman" panose="02020603050405020304" pitchFamily="18" charset="0"/>
-              <a:cs typeface="Times New Roman" panose="02020603050405020304" pitchFamily="18" charset="0"/>
-            </a:endParaRPr>
-          </a:p>
-          <a:p>
-            <a:r>
-              <a:rPr lang="en-US" sz="2800" b="1" smtClean="0">
-                <a:latin typeface="Times New Roman" panose="02020603050405020304" pitchFamily="18" charset="0"/>
-                <a:cs typeface="Times New Roman" panose="02020603050405020304" pitchFamily="18" charset="0"/>
-              </a:rPr>
-              <a:t>Member</a:t>
-            </a:r>
-            <a:r>
-              <a:rPr lang="en-US" sz="2800" smtClean="0">
-                <a:latin typeface="Times New Roman" panose="02020603050405020304" pitchFamily="18" charset="0"/>
-                <a:cs typeface="Times New Roman" panose="02020603050405020304" pitchFamily="18" charset="0"/>
-              </a:rPr>
-              <a:t>: </a:t>
-            </a:r>
-            <a:r>
-              <a:rPr lang="en-US" sz="2800" smtClean="0">
-                <a:latin typeface="Times New Roman" panose="02020603050405020304" pitchFamily="18" charset="0"/>
-                <a:cs typeface="Times New Roman" panose="02020603050405020304" pitchFamily="18" charset="0"/>
-              </a:rPr>
-              <a:t>Xem </a:t>
-            </a:r>
-            <a:r>
-              <a:rPr lang="en-US" sz="2800" smtClean="0">
-                <a:latin typeface="Times New Roman" panose="02020603050405020304" pitchFamily="18" charset="0"/>
-                <a:cs typeface="Times New Roman" panose="02020603050405020304" pitchFamily="18" charset="0"/>
-              </a:rPr>
-              <a:t>thông tin công việc được chỉ định cho mình, </a:t>
-            </a:r>
-            <a:r>
-              <a:rPr lang="en-US" sz="2800" smtClean="0">
-                <a:latin typeface="Times New Roman" panose="02020603050405020304" pitchFamily="18" charset="0"/>
-                <a:cs typeface="Times New Roman" panose="02020603050405020304" pitchFamily="18" charset="0"/>
-              </a:rPr>
-              <a:t>khai </a:t>
-            </a:r>
-            <a:r>
-              <a:rPr lang="en-US" sz="2800" smtClean="0">
-                <a:latin typeface="Times New Roman" panose="02020603050405020304" pitchFamily="18" charset="0"/>
-                <a:cs typeface="Times New Roman" panose="02020603050405020304" pitchFamily="18" charset="0"/>
-              </a:rPr>
-              <a:t>báo thời gian thực hiện công việc  </a:t>
-            </a:r>
-          </a:p>
-        </p:txBody>
-      </p:sp>
-      <p:sp>
-        <p:nvSpPr>
-          <p:cNvPr id="3" name="Rectangle 2"/>
-          <p:cNvSpPr/>
-          <p:nvPr/>
-        </p:nvSpPr>
-        <p:spPr>
-          <a:xfrm>
-            <a:off x="1425513" y="585356"/>
-            <a:ext cx="4818948" cy="523220"/>
-          </a:xfrm>
-          <a:prstGeom prst="rect">
-            <a:avLst/>
-          </a:prstGeom>
-        </p:spPr>
-        <p:txBody>
-          <a:bodyPr wrap="none">
-            <a:spAutoFit/>
-          </a:bodyPr>
-          <a:lstStyle/>
-          <a:p>
-            <a:r>
-              <a:rPr lang="en-US" sz="2800" b="1">
-                <a:latin typeface="Times New Roman" panose="02020603050405020304" pitchFamily="18" charset="0"/>
-                <a:cs typeface="Times New Roman" panose="02020603050405020304" pitchFamily="18" charset="0"/>
-              </a:rPr>
-              <a:t>2. Đối tượng sử dụng hệ thống</a:t>
-            </a:r>
-            <a:endParaRPr lang="en-US" sz="2800" b="1" dirty="0">
+            <a:endParaRPr lang="en-US" sz="2800" dirty="0">
               <a:latin typeface="Times New Roman" panose="02020603050405020304" pitchFamily="18" charset="0"/>
               <a:cs typeface="Times New Roman" panose="02020603050405020304" pitchFamily="18" charset="0"/>
             </a:endParaRPr>
@@ -13391,7 +14085,7 @@
     </p:spTree>
     <p:extLst>
       <p:ext uri="{BB962C8B-B14F-4D97-AF65-F5344CB8AC3E}">
-        <p14:creationId xmlns:p14="http://schemas.microsoft.com/office/powerpoint/2010/main" val="1884708291"/>
+        <p14:creationId xmlns:p14="http://schemas.microsoft.com/office/powerpoint/2010/main" val="2715403382"/>
       </p:ext>
     </p:extLst>
   </p:cSld>
@@ -13433,8 +14127,8 @@
         </p:nvSpPr>
         <p:spPr>
           <a:xfrm>
-            <a:off x="3100137" y="2378243"/>
-            <a:ext cx="6269665" cy="646331"/>
+            <a:off x="1425513" y="1443841"/>
+            <a:ext cx="8707815" cy="4832092"/>
           </a:xfrm>
           <a:prstGeom prst="rect">
             <a:avLst/>
@@ -13442,82 +14136,151 @@
           <a:noFill/>
         </p:spPr>
         <p:txBody>
-          <a:bodyPr wrap="none" rtlCol="0">
+          <a:bodyPr wrap="square" rtlCol="0">
             <a:spAutoFit/>
           </a:bodyPr>
           <a:lstStyle/>
           <a:p>
             <a:r>
-              <a:rPr lang="en-US" sz="3600" smtClean="0">
-                <a:latin typeface="Times New Roman" panose="02020603050405020304" pitchFamily="18" charset="0"/>
-                <a:cs typeface="Times New Roman" panose="02020603050405020304" pitchFamily="18" charset="0"/>
-              </a:rPr>
-              <a:t>3. Chức </a:t>
-            </a:r>
-            <a:r>
-              <a:rPr lang="en-US" sz="3600" dirty="0" err="1">
-                <a:latin typeface="Times New Roman" panose="02020603050405020304" pitchFamily="18" charset="0"/>
-                <a:cs typeface="Times New Roman" panose="02020603050405020304" pitchFamily="18" charset="0"/>
-              </a:rPr>
-              <a:t>năng</a:t>
-            </a:r>
-            <a:r>
-              <a:rPr lang="en-US" sz="3600" dirty="0">
-                <a:latin typeface="Times New Roman" panose="02020603050405020304" pitchFamily="18" charset="0"/>
-                <a:cs typeface="Times New Roman" panose="02020603050405020304" pitchFamily="18" charset="0"/>
-              </a:rPr>
-              <a:t> </a:t>
-            </a:r>
-            <a:r>
-              <a:rPr lang="en-US" sz="3600" dirty="0" err="1">
-                <a:latin typeface="Times New Roman" panose="02020603050405020304" pitchFamily="18" charset="0"/>
-                <a:cs typeface="Times New Roman" panose="02020603050405020304" pitchFamily="18" charset="0"/>
-              </a:rPr>
-              <a:t>chính</a:t>
-            </a:r>
-            <a:r>
-              <a:rPr lang="en-US" sz="3600" dirty="0">
-                <a:latin typeface="Times New Roman" panose="02020603050405020304" pitchFamily="18" charset="0"/>
-                <a:cs typeface="Times New Roman" panose="02020603050405020304" pitchFamily="18" charset="0"/>
-              </a:rPr>
-              <a:t> </a:t>
-            </a:r>
-            <a:r>
-              <a:rPr lang="en-US" sz="3600" dirty="0" err="1">
-                <a:latin typeface="Times New Roman" panose="02020603050405020304" pitchFamily="18" charset="0"/>
-                <a:cs typeface="Times New Roman" panose="02020603050405020304" pitchFamily="18" charset="0"/>
-              </a:rPr>
-              <a:t>của</a:t>
-            </a:r>
-            <a:r>
-              <a:rPr lang="en-US" sz="3600" dirty="0">
-                <a:latin typeface="Times New Roman" panose="02020603050405020304" pitchFamily="18" charset="0"/>
-                <a:cs typeface="Times New Roman" panose="02020603050405020304" pitchFamily="18" charset="0"/>
-              </a:rPr>
-              <a:t> </a:t>
-            </a:r>
-            <a:r>
-              <a:rPr lang="en-US" sz="3600" dirty="0" err="1">
-                <a:latin typeface="Times New Roman" panose="02020603050405020304" pitchFamily="18" charset="0"/>
-                <a:cs typeface="Times New Roman" panose="02020603050405020304" pitchFamily="18" charset="0"/>
-              </a:rPr>
-              <a:t>hệ</a:t>
-            </a:r>
-            <a:r>
-              <a:rPr lang="en-US" sz="3600" dirty="0">
-                <a:latin typeface="Times New Roman" panose="02020603050405020304" pitchFamily="18" charset="0"/>
-                <a:cs typeface="Times New Roman" panose="02020603050405020304" pitchFamily="18" charset="0"/>
-              </a:rPr>
-              <a:t> </a:t>
-            </a:r>
-            <a:r>
-              <a:rPr lang="en-US" sz="3600" dirty="0" err="1">
-                <a:latin typeface="Times New Roman" panose="02020603050405020304" pitchFamily="18" charset="0"/>
-                <a:cs typeface="Times New Roman" panose="02020603050405020304" pitchFamily="18" charset="0"/>
-              </a:rPr>
-              <a:t>thống</a:t>
-            </a:r>
-            <a:endParaRPr lang="en-US" sz="3600" dirty="0">
+              <a:rPr lang="en-US" sz="2800" b="1" smtClean="0">
+                <a:latin typeface="Times New Roman" panose="02020603050405020304" pitchFamily="18" charset="0"/>
+                <a:cs typeface="Times New Roman" panose="02020603050405020304" pitchFamily="18" charset="0"/>
+              </a:rPr>
+              <a:t>Admin</a:t>
+            </a:r>
+            <a:r>
+              <a:rPr lang="en-US" sz="2800" smtClean="0">
+                <a:latin typeface="Times New Roman" panose="02020603050405020304" pitchFamily="18" charset="0"/>
+                <a:cs typeface="Times New Roman" panose="02020603050405020304" pitchFamily="18" charset="0"/>
+              </a:rPr>
+              <a:t>: </a:t>
+            </a:r>
+            <a:r>
+              <a:rPr lang="en-US" sz="2800">
+                <a:latin typeface="Times New Roman" panose="02020603050405020304" pitchFamily="18" charset="0"/>
+                <a:cs typeface="Times New Roman" panose="02020603050405020304" pitchFamily="18" charset="0"/>
+              </a:rPr>
+              <a:t>Q</a:t>
+            </a:r>
+            <a:r>
+              <a:rPr lang="en-US" sz="2800" smtClean="0">
+                <a:latin typeface="Times New Roman" panose="02020603050405020304" pitchFamily="18" charset="0"/>
+                <a:cs typeface="Times New Roman" panose="02020603050405020304" pitchFamily="18" charset="0"/>
+              </a:rPr>
+              <a:t>uản trị hệ thống, tạo mới project, tạo tài khoản cho người dùng</a:t>
+            </a:r>
+          </a:p>
+          <a:p>
+            <a:endParaRPr lang="en-US" sz="2800" smtClean="0">
+              <a:latin typeface="Times New Roman" panose="02020603050405020304" pitchFamily="18" charset="0"/>
+              <a:cs typeface="Times New Roman" panose="02020603050405020304" pitchFamily="18" charset="0"/>
+            </a:endParaRPr>
+          </a:p>
+          <a:p>
+            <a:r>
+              <a:rPr lang="en-US" sz="2800" b="1" smtClean="0">
+                <a:latin typeface="Times New Roman" panose="02020603050405020304" pitchFamily="18" charset="0"/>
+                <a:cs typeface="Times New Roman" panose="02020603050405020304" pitchFamily="18" charset="0"/>
+              </a:rPr>
+              <a:t>Project Manager</a:t>
+            </a:r>
+            <a:r>
+              <a:rPr lang="en-US" sz="2800" smtClean="0">
+                <a:latin typeface="Times New Roman" panose="02020603050405020304" pitchFamily="18" charset="0"/>
+                <a:cs typeface="Times New Roman" panose="02020603050405020304" pitchFamily="18" charset="0"/>
+              </a:rPr>
+              <a:t>: Chỉnh sửa thông tin project, tạo mới các giai đoạn, thêm hoặc loại bớt người tham gia dự án</a:t>
+            </a:r>
+          </a:p>
+          <a:p>
+            <a:endParaRPr lang="en-US" sz="2800" smtClean="0">
+              <a:latin typeface="Times New Roman" panose="02020603050405020304" pitchFamily="18" charset="0"/>
+              <a:cs typeface="Times New Roman" panose="02020603050405020304" pitchFamily="18" charset="0"/>
+            </a:endParaRPr>
+          </a:p>
+          <a:p>
+            <a:r>
+              <a:rPr lang="en-US" sz="2800" b="1" smtClean="0">
+                <a:latin typeface="Times New Roman" panose="02020603050405020304" pitchFamily="18" charset="0"/>
+                <a:cs typeface="Times New Roman" panose="02020603050405020304" pitchFamily="18" charset="0"/>
+              </a:rPr>
+              <a:t>Team Lead</a:t>
+            </a:r>
+            <a:r>
+              <a:rPr lang="en-US" sz="2800" smtClean="0">
+                <a:latin typeface="Times New Roman" panose="02020603050405020304" pitchFamily="18" charset="0"/>
+                <a:cs typeface="Times New Roman" panose="02020603050405020304" pitchFamily="18" charset="0"/>
+              </a:rPr>
+              <a:t>: </a:t>
+            </a:r>
+            <a:r>
+              <a:rPr lang="en-US" sz="2800">
+                <a:latin typeface="Times New Roman" panose="02020603050405020304" pitchFamily="18" charset="0"/>
+                <a:cs typeface="Times New Roman" panose="02020603050405020304" pitchFamily="18" charset="0"/>
+              </a:rPr>
+              <a:t>T</a:t>
+            </a:r>
+            <a:r>
+              <a:rPr lang="en-US" sz="2800" smtClean="0">
+                <a:latin typeface="Times New Roman" panose="02020603050405020304" pitchFamily="18" charset="0"/>
+                <a:cs typeface="Times New Roman" panose="02020603050405020304" pitchFamily="18" charset="0"/>
+              </a:rPr>
+              <a:t>ạo mới nhóm công việc và công việc, chỉ định người thực hiện công việc đó</a:t>
+            </a:r>
+          </a:p>
+          <a:p>
+            <a:endParaRPr lang="en-US" sz="2800" smtClean="0">
+              <a:latin typeface="Times New Roman" panose="02020603050405020304" pitchFamily="18" charset="0"/>
+              <a:cs typeface="Times New Roman" panose="02020603050405020304" pitchFamily="18" charset="0"/>
+            </a:endParaRPr>
+          </a:p>
+          <a:p>
+            <a:r>
+              <a:rPr lang="en-US" sz="2800" b="1" smtClean="0">
+                <a:latin typeface="Times New Roman" panose="02020603050405020304" pitchFamily="18" charset="0"/>
+                <a:cs typeface="Times New Roman" panose="02020603050405020304" pitchFamily="18" charset="0"/>
+              </a:rPr>
+              <a:t>Member</a:t>
+            </a:r>
+            <a:r>
+              <a:rPr lang="en-US" sz="2800" smtClean="0">
+                <a:latin typeface="Times New Roman" panose="02020603050405020304" pitchFamily="18" charset="0"/>
+                <a:cs typeface="Times New Roman" panose="02020603050405020304" pitchFamily="18" charset="0"/>
+              </a:rPr>
+              <a:t>: Xem thông tin công việc được chỉ định cho mình, khai báo thời gian thực hiện công việc  </a:t>
+            </a:r>
+          </a:p>
+        </p:txBody>
+      </p:sp>
+      <p:sp>
+        <p:nvSpPr>
+          <p:cNvPr id="3" name="Rectangle 2"/>
+          <p:cNvSpPr/>
+          <p:nvPr/>
+        </p:nvSpPr>
+        <p:spPr>
+          <a:xfrm>
+            <a:off x="1425513" y="585356"/>
+            <a:ext cx="4818948" cy="523220"/>
+          </a:xfrm>
+          <a:prstGeom prst="rect">
+            <a:avLst/>
+          </a:prstGeom>
+        </p:spPr>
+        <p:txBody>
+          <a:bodyPr wrap="none">
+            <a:spAutoFit/>
+          </a:bodyPr>
+          <a:lstStyle/>
+          <a:p>
+            <a:r>
+              <a:rPr lang="en-US" sz="2800" b="1">
+                <a:latin typeface="Times New Roman" panose="02020603050405020304" pitchFamily="18" charset="0"/>
+                <a:cs typeface="Times New Roman" panose="02020603050405020304" pitchFamily="18" charset="0"/>
+              </a:rPr>
+              <a:t>2. Đối tượng sử dụng hệ thống</a:t>
+            </a:r>
+            <a:endParaRPr lang="en-US" sz="2800" b="1" dirty="0">
               <a:latin typeface="Times New Roman" panose="02020603050405020304" pitchFamily="18" charset="0"/>
               <a:cs typeface="Times New Roman" panose="02020603050405020304" pitchFamily="18" charset="0"/>
             </a:endParaRPr>
@@ -13527,7 +14290,7 @@
     </p:spTree>
     <p:extLst>
       <p:ext uri="{BB962C8B-B14F-4D97-AF65-F5344CB8AC3E}">
-        <p14:creationId xmlns:p14="http://schemas.microsoft.com/office/powerpoint/2010/main" val="1712349788"/>
+        <p14:creationId xmlns:p14="http://schemas.microsoft.com/office/powerpoint/2010/main" val="1884708291"/>
       </p:ext>
     </p:extLst>
   </p:cSld>
@@ -13563,14 +14326,14 @@
       </p:grpSpPr>
       <p:sp>
         <p:nvSpPr>
-          <p:cNvPr id="5" name="TextBox 4"/>
+          <p:cNvPr id="2" name="TextBox 1"/>
           <p:cNvSpPr txBox="1"/>
           <p:nvPr/>
         </p:nvSpPr>
         <p:spPr>
           <a:xfrm>
-            <a:off x="1410946" y="1903591"/>
-            <a:ext cx="4956806" cy="1815882"/>
+            <a:off x="3100137" y="2378243"/>
+            <a:ext cx="6269665" cy="646331"/>
           </a:xfrm>
           <a:prstGeom prst="rect">
             <a:avLst/>
@@ -13583,246 +14346,120 @@
           </a:bodyPr>
           <a:lstStyle/>
           <a:p>
-            <a:pPr marL="514350" indent="-514350">
-              <a:buFont typeface="+mj-lt"/>
-              <a:buAutoNum type="alphaLcPeriod"/>
-            </a:pPr>
-            <a:r>
-              <a:rPr lang="en-US" sz="2800" smtClean="0">
-                <a:latin typeface="Times New Roman" panose="02020603050405020304" pitchFamily="18" charset="0"/>
-                <a:cs typeface="Times New Roman" panose="02020603050405020304" pitchFamily="18" charset="0"/>
-              </a:rPr>
-              <a:t>Chức </a:t>
-            </a:r>
-            <a:r>
-              <a:rPr lang="en-US" sz="2800" dirty="0" err="1">
+            <a:r>
+              <a:rPr lang="en-US" sz="3600" smtClean="0">
+                <a:latin typeface="Times New Roman" panose="02020603050405020304" pitchFamily="18" charset="0"/>
+                <a:cs typeface="Times New Roman" panose="02020603050405020304" pitchFamily="18" charset="0"/>
+              </a:rPr>
+              <a:t>3. Chức </a:t>
+            </a:r>
+            <a:r>
+              <a:rPr lang="en-US" sz="3600" dirty="0" err="1">
                 <a:latin typeface="Times New Roman" panose="02020603050405020304" pitchFamily="18" charset="0"/>
                 <a:cs typeface="Times New Roman" panose="02020603050405020304" pitchFamily="18" charset="0"/>
               </a:rPr>
               <a:t>năng</a:t>
             </a:r>
             <a:r>
-              <a:rPr lang="en-US" sz="2800" dirty="0">
+              <a:rPr lang="en-US" sz="3600" dirty="0">
                 <a:latin typeface="Times New Roman" panose="02020603050405020304" pitchFamily="18" charset="0"/>
                 <a:cs typeface="Times New Roman" panose="02020603050405020304" pitchFamily="18" charset="0"/>
               </a:rPr>
               <a:t> </a:t>
             </a:r>
             <a:r>
-              <a:rPr lang="en-US" sz="2800" dirty="0" err="1">
-                <a:latin typeface="Times New Roman" panose="02020603050405020304" pitchFamily="18" charset="0"/>
-                <a:cs typeface="Times New Roman" panose="02020603050405020304" pitchFamily="18" charset="0"/>
-              </a:rPr>
-              <a:t>quản</a:t>
-            </a:r>
-            <a:r>
-              <a:rPr lang="en-US" sz="2800" dirty="0">
+              <a:rPr lang="en-US" sz="3600" dirty="0" err="1">
+                <a:latin typeface="Times New Roman" panose="02020603050405020304" pitchFamily="18" charset="0"/>
+                <a:cs typeface="Times New Roman" panose="02020603050405020304" pitchFamily="18" charset="0"/>
+              </a:rPr>
+              <a:t>chính</a:t>
+            </a:r>
+            <a:r>
+              <a:rPr lang="en-US" sz="3600" dirty="0">
                 <a:latin typeface="Times New Roman" panose="02020603050405020304" pitchFamily="18" charset="0"/>
                 <a:cs typeface="Times New Roman" panose="02020603050405020304" pitchFamily="18" charset="0"/>
               </a:rPr>
               <a:t> </a:t>
             </a:r>
             <a:r>
-              <a:rPr lang="en-US" sz="2800" dirty="0" err="1">
-                <a:latin typeface="Times New Roman" panose="02020603050405020304" pitchFamily="18" charset="0"/>
-                <a:cs typeface="Times New Roman" panose="02020603050405020304" pitchFamily="18" charset="0"/>
-              </a:rPr>
-              <a:t>lý</a:t>
-            </a:r>
-            <a:r>
-              <a:rPr lang="en-US" sz="2800" dirty="0">
+              <a:rPr lang="en-US" sz="3600" dirty="0" err="1">
+                <a:latin typeface="Times New Roman" panose="02020603050405020304" pitchFamily="18" charset="0"/>
+                <a:cs typeface="Times New Roman" panose="02020603050405020304" pitchFamily="18" charset="0"/>
+              </a:rPr>
+              <a:t>của</a:t>
+            </a:r>
+            <a:r>
+              <a:rPr lang="en-US" sz="3600" dirty="0">
                 <a:latin typeface="Times New Roman" panose="02020603050405020304" pitchFamily="18" charset="0"/>
                 <a:cs typeface="Times New Roman" panose="02020603050405020304" pitchFamily="18" charset="0"/>
               </a:rPr>
               <a:t> </a:t>
             </a:r>
             <a:r>
-              <a:rPr lang="en-US" sz="2800" err="1">
-                <a:latin typeface="Times New Roman" panose="02020603050405020304" pitchFamily="18" charset="0"/>
-                <a:cs typeface="Times New Roman" panose="02020603050405020304" pitchFamily="18" charset="0"/>
-              </a:rPr>
-              <a:t>thời</a:t>
-            </a:r>
-            <a:r>
-              <a:rPr lang="en-US" sz="2800">
+              <a:rPr lang="en-US" sz="3600" dirty="0" err="1">
+                <a:latin typeface="Times New Roman" panose="02020603050405020304" pitchFamily="18" charset="0"/>
+                <a:cs typeface="Times New Roman" panose="02020603050405020304" pitchFamily="18" charset="0"/>
+              </a:rPr>
+              <a:t>hệ</a:t>
+            </a:r>
+            <a:r>
+              <a:rPr lang="en-US" sz="3600" dirty="0">
                 <a:latin typeface="Times New Roman" panose="02020603050405020304" pitchFamily="18" charset="0"/>
                 <a:cs typeface="Times New Roman" panose="02020603050405020304" pitchFamily="18" charset="0"/>
               </a:rPr>
               <a:t> </a:t>
             </a:r>
             <a:r>
-              <a:rPr lang="en-US" sz="2800" smtClean="0">
-                <a:latin typeface="Times New Roman" panose="02020603050405020304" pitchFamily="18" charset="0"/>
-                <a:cs typeface="Times New Roman" panose="02020603050405020304" pitchFamily="18" charset="0"/>
-              </a:rPr>
-              <a:t>gian</a:t>
-            </a:r>
-            <a:endParaRPr lang="en-US" sz="2800" dirty="0">
+              <a:rPr lang="en-US" sz="3600" dirty="0" err="1">
+                <a:latin typeface="Times New Roman" panose="02020603050405020304" pitchFamily="18" charset="0"/>
+                <a:cs typeface="Times New Roman" panose="02020603050405020304" pitchFamily="18" charset="0"/>
+              </a:rPr>
+              <a:t>thống</a:t>
+            </a:r>
+            <a:endParaRPr lang="en-US" sz="3600" dirty="0">
               <a:latin typeface="Times New Roman" panose="02020603050405020304" pitchFamily="18" charset="0"/>
               <a:cs typeface="Times New Roman" panose="02020603050405020304" pitchFamily="18" charset="0"/>
             </a:endParaRPr>
           </a:p>
-          <a:p>
-            <a:pPr marL="514350" indent="-514350">
-              <a:buFont typeface="+mj-lt"/>
-              <a:buAutoNum type="alphaLcPeriod"/>
-            </a:pPr>
-            <a:r>
-              <a:rPr lang="en-US" sz="2800" smtClean="0">
-                <a:latin typeface="Times New Roman" panose="02020603050405020304" pitchFamily="18" charset="0"/>
-                <a:cs typeface="Times New Roman" panose="02020603050405020304" pitchFamily="18" charset="0"/>
-              </a:rPr>
-              <a:t>Chức </a:t>
-            </a:r>
-            <a:r>
-              <a:rPr lang="en-US" sz="2800" dirty="0" err="1">
-                <a:latin typeface="Times New Roman" panose="02020603050405020304" pitchFamily="18" charset="0"/>
-                <a:cs typeface="Times New Roman" panose="02020603050405020304" pitchFamily="18" charset="0"/>
-              </a:rPr>
-              <a:t>năng</a:t>
-            </a:r>
-            <a:r>
-              <a:rPr lang="en-US" sz="2800" dirty="0">
-                <a:latin typeface="Times New Roman" panose="02020603050405020304" pitchFamily="18" charset="0"/>
-                <a:cs typeface="Times New Roman" panose="02020603050405020304" pitchFamily="18" charset="0"/>
-              </a:rPr>
-              <a:t> </a:t>
-            </a:r>
-            <a:r>
-              <a:rPr lang="en-US" sz="2800" dirty="0" err="1">
-                <a:latin typeface="Times New Roman" panose="02020603050405020304" pitchFamily="18" charset="0"/>
-                <a:cs typeface="Times New Roman" panose="02020603050405020304" pitchFamily="18" charset="0"/>
-              </a:rPr>
-              <a:t>quản</a:t>
-            </a:r>
-            <a:r>
-              <a:rPr lang="en-US" sz="2800" dirty="0">
-                <a:latin typeface="Times New Roman" panose="02020603050405020304" pitchFamily="18" charset="0"/>
-                <a:cs typeface="Times New Roman" panose="02020603050405020304" pitchFamily="18" charset="0"/>
-              </a:rPr>
-              <a:t> </a:t>
-            </a:r>
-            <a:r>
-              <a:rPr lang="en-US" sz="2800" dirty="0" err="1">
-                <a:latin typeface="Times New Roman" panose="02020603050405020304" pitchFamily="18" charset="0"/>
-                <a:cs typeface="Times New Roman" panose="02020603050405020304" pitchFamily="18" charset="0"/>
-              </a:rPr>
-              <a:t>lý</a:t>
-            </a:r>
-            <a:r>
-              <a:rPr lang="en-US" sz="2800" dirty="0">
-                <a:latin typeface="Times New Roman" panose="02020603050405020304" pitchFamily="18" charset="0"/>
-                <a:cs typeface="Times New Roman" panose="02020603050405020304" pitchFamily="18" charset="0"/>
-              </a:rPr>
-              <a:t> </a:t>
-            </a:r>
-            <a:r>
-              <a:rPr lang="en-US" sz="2800">
-                <a:latin typeface="Times New Roman" panose="02020603050405020304" pitchFamily="18" charset="0"/>
-                <a:cs typeface="Times New Roman" panose="02020603050405020304" pitchFamily="18" charset="0"/>
-              </a:rPr>
-              <a:t>con </a:t>
-            </a:r>
-            <a:r>
-              <a:rPr lang="en-US" sz="2800" smtClean="0">
-                <a:latin typeface="Times New Roman" panose="02020603050405020304" pitchFamily="18" charset="0"/>
-                <a:cs typeface="Times New Roman" panose="02020603050405020304" pitchFamily="18" charset="0"/>
-              </a:rPr>
-              <a:t>người</a:t>
-            </a:r>
-            <a:endParaRPr lang="en-US" sz="2800" dirty="0">
-              <a:latin typeface="Times New Roman" panose="02020603050405020304" pitchFamily="18" charset="0"/>
-              <a:cs typeface="Times New Roman" panose="02020603050405020304" pitchFamily="18" charset="0"/>
-            </a:endParaRPr>
-          </a:p>
-          <a:p>
-            <a:pPr marL="514350" indent="-514350">
-              <a:buFont typeface="+mj-lt"/>
-              <a:buAutoNum type="alphaLcPeriod"/>
-            </a:pPr>
-            <a:r>
-              <a:rPr lang="en-US" sz="2800" smtClean="0">
-                <a:latin typeface="Times New Roman" panose="02020603050405020304" pitchFamily="18" charset="0"/>
-                <a:cs typeface="Times New Roman" panose="02020603050405020304" pitchFamily="18" charset="0"/>
-              </a:rPr>
-              <a:t>Chức </a:t>
-            </a:r>
-            <a:r>
-              <a:rPr lang="en-US" sz="2800" dirty="0" err="1">
-                <a:latin typeface="Times New Roman" panose="02020603050405020304" pitchFamily="18" charset="0"/>
-                <a:cs typeface="Times New Roman" panose="02020603050405020304" pitchFamily="18" charset="0"/>
-              </a:rPr>
-              <a:t>năng</a:t>
-            </a:r>
-            <a:r>
-              <a:rPr lang="en-US" sz="2800" dirty="0">
-                <a:latin typeface="Times New Roman" panose="02020603050405020304" pitchFamily="18" charset="0"/>
-                <a:cs typeface="Times New Roman" panose="02020603050405020304" pitchFamily="18" charset="0"/>
-              </a:rPr>
-              <a:t> </a:t>
-            </a:r>
-            <a:r>
-              <a:rPr lang="en-US" sz="2800" dirty="0" err="1">
-                <a:latin typeface="Times New Roman" panose="02020603050405020304" pitchFamily="18" charset="0"/>
-                <a:cs typeface="Times New Roman" panose="02020603050405020304" pitchFamily="18" charset="0"/>
-              </a:rPr>
-              <a:t>quản</a:t>
-            </a:r>
-            <a:r>
-              <a:rPr lang="en-US" sz="2800" dirty="0">
-                <a:latin typeface="Times New Roman" panose="02020603050405020304" pitchFamily="18" charset="0"/>
-                <a:cs typeface="Times New Roman" panose="02020603050405020304" pitchFamily="18" charset="0"/>
-              </a:rPr>
-              <a:t> </a:t>
-            </a:r>
-            <a:r>
-              <a:rPr lang="en-US" sz="2800" dirty="0" err="1">
-                <a:latin typeface="Times New Roman" panose="02020603050405020304" pitchFamily="18" charset="0"/>
-                <a:cs typeface="Times New Roman" panose="02020603050405020304" pitchFamily="18" charset="0"/>
-              </a:rPr>
-              <a:t>lý</a:t>
-            </a:r>
-            <a:r>
-              <a:rPr lang="en-US" sz="2800" dirty="0">
-                <a:latin typeface="Times New Roman" panose="02020603050405020304" pitchFamily="18" charset="0"/>
-                <a:cs typeface="Times New Roman" panose="02020603050405020304" pitchFamily="18" charset="0"/>
-              </a:rPr>
-              <a:t> </a:t>
-            </a:r>
-            <a:r>
-              <a:rPr lang="en-US" sz="2800" dirty="0" err="1">
-                <a:latin typeface="Times New Roman" panose="02020603050405020304" pitchFamily="18" charset="0"/>
-                <a:cs typeface="Times New Roman" panose="02020603050405020304" pitchFamily="18" charset="0"/>
-              </a:rPr>
-              <a:t>công</a:t>
-            </a:r>
-            <a:r>
-              <a:rPr lang="en-US" sz="2800" dirty="0">
-                <a:latin typeface="Times New Roman" panose="02020603050405020304" pitchFamily="18" charset="0"/>
-                <a:cs typeface="Times New Roman" panose="02020603050405020304" pitchFamily="18" charset="0"/>
-              </a:rPr>
-              <a:t> </a:t>
-            </a:r>
-            <a:r>
-              <a:rPr lang="en-US" sz="2800" dirty="0" err="1">
-                <a:latin typeface="Times New Roman" panose="02020603050405020304" pitchFamily="18" charset="0"/>
-                <a:cs typeface="Times New Roman" panose="02020603050405020304" pitchFamily="18" charset="0"/>
-              </a:rPr>
-              <a:t>việc</a:t>
-            </a:r>
-            <a:endParaRPr lang="en-US" sz="2800" dirty="0">
-              <a:latin typeface="Times New Roman" panose="02020603050405020304" pitchFamily="18" charset="0"/>
-              <a:cs typeface="Times New Roman" panose="02020603050405020304" pitchFamily="18" charset="0"/>
-            </a:endParaRPr>
-          </a:p>
-          <a:p>
-            <a:endParaRPr lang="en-US" sz="2800" dirty="0">
-              <a:latin typeface="Times New Roman" panose="02020603050405020304" pitchFamily="18" charset="0"/>
-              <a:cs typeface="Times New Roman" panose="02020603050405020304" pitchFamily="18" charset="0"/>
-            </a:endParaRPr>
-          </a:p>
         </p:txBody>
       </p:sp>
+    </p:spTree>
+    <p:extLst>
+      <p:ext uri="{BB962C8B-B14F-4D97-AF65-F5344CB8AC3E}">
+        <p14:creationId xmlns:p14="http://schemas.microsoft.com/office/powerpoint/2010/main" val="1712349788"/>
+      </p:ext>
+    </p:extLst>
+  </p:cSld>
+  <p:clrMapOvr>
+    <a:masterClrMapping/>
+  </p:clrMapOvr>
+  <p:timing>
+    <p:tnLst>
+      <p:par>
+        <p:cTn id="1" dur="indefinite" restart="never" nodeType="tmRoot"/>
+      </p:par>
+    </p:tnLst>
+  </p:timing>
+</p:sld>
+</file>
+
+<file path=ppt/slides/slide13.xml><?xml version="1.0" encoding="utf-8"?>
+<p:sld xmlns:a="http://schemas.openxmlformats.org/drawingml/2006/main" xmlns:r="http://schemas.openxmlformats.org/officeDocument/2006/relationships" xmlns:p="http://schemas.openxmlformats.org/presentationml/2006/main">
+  <p:cSld>
+    <p:spTree>
+      <p:nvGrpSpPr>
+        <p:cNvPr id="1" name=""/>
+        <p:cNvGrpSpPr/>
+        <p:nvPr/>
+      </p:nvGrpSpPr>
+      <p:grpSpPr>
+        <a:xfrm>
+          <a:off x="0" y="0"/>
+          <a:ext cx="0" cy="0"/>
+          <a:chOff x="0" y="0"/>
+          <a:chExt cx="0" cy="0"/>
+        </a:xfrm>
+      </p:grpSpPr>
       <p:sp>
         <p:nvSpPr>
           <p:cNvPr id="2" name="TextBox 1"/>
@@ -13859,6 +14496,306 @@
           </a:p>
         </p:txBody>
       </p:sp>
+      <p:pic>
+        <p:nvPicPr>
+          <p:cNvPr id="4" name="Picture 3"/>
+          <p:cNvPicPr>
+            <a:picLocks noChangeAspect="1"/>
+          </p:cNvPicPr>
+          <p:nvPr/>
+        </p:nvPicPr>
+        <p:blipFill>
+          <a:blip r:embed="rId2">
+            <a:extLst>
+              <a:ext uri="{28A0092B-C50C-407E-A947-70E740481C1C}">
+                <a14:useLocalDpi xmlns:a14="http://schemas.microsoft.com/office/drawing/2010/main" val="0"/>
+              </a:ext>
+            </a:extLst>
+          </a:blip>
+          <a:stretch>
+            <a:fillRect/>
+          </a:stretch>
+        </p:blipFill>
+        <p:spPr>
+          <a:xfrm>
+            <a:off x="4681689" y="3746001"/>
+            <a:ext cx="2508389" cy="2508389"/>
+          </a:xfrm>
+          <a:prstGeom prst="rect">
+            <a:avLst/>
+          </a:prstGeom>
+        </p:spPr>
+      </p:pic>
+      <p:pic>
+        <p:nvPicPr>
+          <p:cNvPr id="6" name="Picture 5"/>
+          <p:cNvPicPr>
+            <a:picLocks noChangeAspect="1"/>
+          </p:cNvPicPr>
+          <p:nvPr/>
+        </p:nvPicPr>
+        <p:blipFill>
+          <a:blip r:embed="rId3">
+            <a:extLst>
+              <a:ext uri="{28A0092B-C50C-407E-A947-70E740481C1C}">
+                <a14:useLocalDpi xmlns:a14="http://schemas.microsoft.com/office/drawing/2010/main" val="0"/>
+              </a:ext>
+            </a:extLst>
+          </a:blip>
+          <a:stretch>
+            <a:fillRect/>
+          </a:stretch>
+        </p:blipFill>
+        <p:spPr>
+          <a:xfrm>
+            <a:off x="7190078" y="1484717"/>
+            <a:ext cx="2200215" cy="2200215"/>
+          </a:xfrm>
+          <a:prstGeom prst="rect">
+            <a:avLst/>
+          </a:prstGeom>
+        </p:spPr>
+      </p:pic>
+      <p:pic>
+        <p:nvPicPr>
+          <p:cNvPr id="7" name="Picture 6"/>
+          <p:cNvPicPr>
+            <a:picLocks noChangeAspect="1"/>
+          </p:cNvPicPr>
+          <p:nvPr/>
+        </p:nvPicPr>
+        <p:blipFill>
+          <a:blip r:embed="rId4">
+            <a:extLst>
+              <a:ext uri="{28A0092B-C50C-407E-A947-70E740481C1C}">
+                <a14:useLocalDpi xmlns:a14="http://schemas.microsoft.com/office/drawing/2010/main" val="0"/>
+              </a:ext>
+            </a:extLst>
+          </a:blip>
+          <a:stretch>
+            <a:fillRect/>
+          </a:stretch>
+        </p:blipFill>
+        <p:spPr>
+          <a:xfrm>
+            <a:off x="2105772" y="1486932"/>
+            <a:ext cx="2922759" cy="1980168"/>
+          </a:xfrm>
+          <a:prstGeom prst="rect">
+            <a:avLst/>
+          </a:prstGeom>
+        </p:spPr>
+      </p:pic>
+      <p:sp>
+        <p:nvSpPr>
+          <p:cNvPr id="8" name="TextBox 7"/>
+          <p:cNvSpPr txBox="1"/>
+          <p:nvPr/>
+        </p:nvSpPr>
+        <p:spPr>
+          <a:xfrm>
+            <a:off x="1383213" y="3846037"/>
+            <a:ext cx="2723406" cy="461665"/>
+          </a:xfrm>
+          <a:prstGeom prst="rect">
+            <a:avLst/>
+          </a:prstGeom>
+          <a:noFill/>
+        </p:spPr>
+        <p:txBody>
+          <a:bodyPr wrap="square" rtlCol="0">
+            <a:spAutoFit/>
+          </a:bodyPr>
+          <a:lstStyle/>
+          <a:p>
+            <a:r>
+              <a:rPr lang="en-US" sz="2400" smtClean="0">
+                <a:latin typeface="Times New Roman" panose="02020603050405020304" pitchFamily="18" charset="0"/>
+                <a:cs typeface="Times New Roman" panose="02020603050405020304" pitchFamily="18" charset="0"/>
+              </a:rPr>
+              <a:t>a. Quản lý thời gian</a:t>
+            </a:r>
+            <a:endParaRPr lang="en-US" sz="2400">
+              <a:latin typeface="Times New Roman" panose="02020603050405020304" pitchFamily="18" charset="0"/>
+              <a:cs typeface="Times New Roman" panose="02020603050405020304" pitchFamily="18" charset="0"/>
+            </a:endParaRPr>
+          </a:p>
+        </p:txBody>
+      </p:sp>
+      <p:sp>
+        <p:nvSpPr>
+          <p:cNvPr id="9" name="TextBox 8"/>
+          <p:cNvSpPr txBox="1"/>
+          <p:nvPr/>
+        </p:nvSpPr>
+        <p:spPr>
+          <a:xfrm>
+            <a:off x="4479190" y="6254390"/>
+            <a:ext cx="3074020" cy="461665"/>
+          </a:xfrm>
+          <a:prstGeom prst="rect">
+            <a:avLst/>
+          </a:prstGeom>
+          <a:noFill/>
+        </p:spPr>
+        <p:txBody>
+          <a:bodyPr wrap="square" rtlCol="0">
+            <a:spAutoFit/>
+          </a:bodyPr>
+          <a:lstStyle/>
+          <a:p>
+            <a:r>
+              <a:rPr lang="en-US" sz="2400" smtClean="0">
+                <a:latin typeface="Times New Roman" panose="02020603050405020304" pitchFamily="18" charset="0"/>
+                <a:cs typeface="Times New Roman" panose="02020603050405020304" pitchFamily="18" charset="0"/>
+              </a:rPr>
+              <a:t>b. Quản lý con người</a:t>
+            </a:r>
+            <a:endParaRPr lang="en-US" sz="2400">
+              <a:latin typeface="Times New Roman" panose="02020603050405020304" pitchFamily="18" charset="0"/>
+              <a:cs typeface="Times New Roman" panose="02020603050405020304" pitchFamily="18" charset="0"/>
+            </a:endParaRPr>
+          </a:p>
+        </p:txBody>
+      </p:sp>
+      <p:sp>
+        <p:nvSpPr>
+          <p:cNvPr id="10" name="TextBox 9"/>
+          <p:cNvSpPr txBox="1"/>
+          <p:nvPr/>
+        </p:nvSpPr>
+        <p:spPr>
+          <a:xfrm>
+            <a:off x="8671035" y="3846037"/>
+            <a:ext cx="2767915" cy="461665"/>
+          </a:xfrm>
+          <a:prstGeom prst="rect">
+            <a:avLst/>
+          </a:prstGeom>
+          <a:noFill/>
+        </p:spPr>
+        <p:txBody>
+          <a:bodyPr wrap="square" rtlCol="0">
+            <a:spAutoFit/>
+          </a:bodyPr>
+          <a:lstStyle/>
+          <a:p>
+            <a:r>
+              <a:rPr lang="en-US" sz="2400" smtClean="0">
+                <a:latin typeface="Times New Roman" panose="02020603050405020304" pitchFamily="18" charset="0"/>
+                <a:cs typeface="Times New Roman" panose="02020603050405020304" pitchFamily="18" charset="0"/>
+              </a:rPr>
+              <a:t>c. Quản lý công việc</a:t>
+            </a:r>
+            <a:endParaRPr lang="en-US" sz="2400">
+              <a:latin typeface="Times New Roman" panose="02020603050405020304" pitchFamily="18" charset="0"/>
+              <a:cs typeface="Times New Roman" panose="02020603050405020304" pitchFamily="18" charset="0"/>
+            </a:endParaRPr>
+          </a:p>
+        </p:txBody>
+      </p:sp>
+      <p:cxnSp>
+        <p:nvCxnSpPr>
+          <p:cNvPr id="12" name="Straight Arrow Connector 11"/>
+          <p:cNvCxnSpPr/>
+          <p:nvPr/>
+        </p:nvCxnSpPr>
+        <p:spPr>
+          <a:xfrm>
+            <a:off x="5028531" y="2413952"/>
+            <a:ext cx="1975339" cy="29427"/>
+          </a:xfrm>
+          <a:prstGeom prst="straightConnector1">
+            <a:avLst/>
+          </a:prstGeom>
+          <a:ln w="76200">
+            <a:headEnd type="triangle"/>
+            <a:tailEnd type="triangle"/>
+          </a:ln>
+        </p:spPr>
+        <p:style>
+          <a:lnRef idx="1">
+            <a:schemeClr val="accent1"/>
+          </a:lnRef>
+          <a:fillRef idx="0">
+            <a:schemeClr val="accent1"/>
+          </a:fillRef>
+          <a:effectRef idx="0">
+            <a:schemeClr val="accent1"/>
+          </a:effectRef>
+          <a:fontRef idx="minor">
+            <a:schemeClr val="tx1"/>
+          </a:fontRef>
+        </p:style>
+      </p:cxnSp>
+      <p:cxnSp>
+        <p:nvCxnSpPr>
+          <p:cNvPr id="14" name="Straight Arrow Connector 13"/>
+          <p:cNvCxnSpPr/>
+          <p:nvPr/>
+        </p:nvCxnSpPr>
+        <p:spPr>
+          <a:xfrm>
+            <a:off x="5044297" y="2477016"/>
+            <a:ext cx="907353" cy="1268985"/>
+          </a:xfrm>
+          <a:prstGeom prst="straightConnector1">
+            <a:avLst/>
+          </a:prstGeom>
+          <a:ln w="76200">
+            <a:headEnd type="triangle"/>
+            <a:tailEnd type="triangle"/>
+          </a:ln>
+        </p:spPr>
+        <p:style>
+          <a:lnRef idx="1">
+            <a:schemeClr val="accent1"/>
+          </a:lnRef>
+          <a:fillRef idx="0">
+            <a:schemeClr val="accent1"/>
+          </a:fillRef>
+          <a:effectRef idx="0">
+            <a:schemeClr val="accent1"/>
+          </a:effectRef>
+          <a:fontRef idx="minor">
+            <a:schemeClr val="tx1"/>
+          </a:fontRef>
+        </p:style>
+      </p:cxnSp>
+      <p:cxnSp>
+        <p:nvCxnSpPr>
+          <p:cNvPr id="16" name="Straight Arrow Connector 15"/>
+          <p:cNvCxnSpPr/>
+          <p:nvPr/>
+        </p:nvCxnSpPr>
+        <p:spPr>
+          <a:xfrm flipH="1">
+            <a:off x="5967416" y="2506443"/>
+            <a:ext cx="1067986" cy="1239558"/>
+          </a:xfrm>
+          <a:prstGeom prst="straightConnector1">
+            <a:avLst/>
+          </a:prstGeom>
+          <a:ln w="76200">
+            <a:headEnd type="triangle"/>
+            <a:tailEnd type="triangle"/>
+          </a:ln>
+        </p:spPr>
+        <p:style>
+          <a:lnRef idx="1">
+            <a:schemeClr val="accent1"/>
+          </a:lnRef>
+          <a:fillRef idx="0">
+            <a:schemeClr val="accent1"/>
+          </a:fillRef>
+          <a:effectRef idx="0">
+            <a:schemeClr val="accent1"/>
+          </a:effectRef>
+          <a:fontRef idx="minor">
+            <a:schemeClr val="tx1"/>
+          </a:fontRef>
+        </p:style>
+      </p:cxnSp>
     </p:spTree>
     <p:extLst>
       <p:ext uri="{BB962C8B-B14F-4D97-AF65-F5344CB8AC3E}">
@@ -13872,14 +14809,405 @@
   <p:timing>
     <p:tnLst>
       <p:par>
-        <p:cTn id="1" dur="indefinite" restart="never" nodeType="tmRoot"/>
+        <p:cTn id="1" dur="indefinite" restart="never" nodeType="tmRoot">
+          <p:childTnLst>
+            <p:seq concurrent="1" nextAc="seek">
+              <p:cTn id="2" dur="indefinite" nodeType="mainSeq">
+                <p:childTnLst>
+                  <p:par>
+                    <p:cTn id="3" fill="hold">
+                      <p:stCondLst>
+                        <p:cond delay="indefinite"/>
+                      </p:stCondLst>
+                      <p:childTnLst>
+                        <p:par>
+                          <p:cTn id="4" fill="hold">
+                            <p:stCondLst>
+                              <p:cond delay="0"/>
+                            </p:stCondLst>
+                            <p:childTnLst>
+                              <p:par>
+                                <p:cTn id="5" presetID="10" presetClass="entr" presetSubtype="0" fill="hold" nodeType="clickEffect">
+                                  <p:stCondLst>
+                                    <p:cond delay="0"/>
+                                  </p:stCondLst>
+                                  <p:childTnLst>
+                                    <p:set>
+                                      <p:cBhvr>
+                                        <p:cTn id="6" dur="1" fill="hold">
+                                          <p:stCondLst>
+                                            <p:cond delay="0"/>
+                                          </p:stCondLst>
+                                        </p:cTn>
+                                        <p:tgtEl>
+                                          <p:spTgt spid="7"/>
+                                        </p:tgtEl>
+                                        <p:attrNameLst>
+                                          <p:attrName>style.visibility</p:attrName>
+                                        </p:attrNameLst>
+                                      </p:cBhvr>
+                                      <p:to>
+                                        <p:strVal val="visible"/>
+                                      </p:to>
+                                    </p:set>
+                                    <p:animEffect transition="in" filter="fade">
+                                      <p:cBhvr>
+                                        <p:cTn id="7" dur="500"/>
+                                        <p:tgtEl>
+                                          <p:spTgt spid="7"/>
+                                        </p:tgtEl>
+                                      </p:cBhvr>
+                                    </p:animEffect>
+                                  </p:childTnLst>
+                                </p:cTn>
+                              </p:par>
+                              <p:par>
+                                <p:cTn id="8" presetID="10" presetClass="entr" presetSubtype="0" fill="hold" grpId="0" nodeType="withEffect">
+                                  <p:stCondLst>
+                                    <p:cond delay="0"/>
+                                  </p:stCondLst>
+                                  <p:childTnLst>
+                                    <p:set>
+                                      <p:cBhvr>
+                                        <p:cTn id="9" dur="1" fill="hold">
+                                          <p:stCondLst>
+                                            <p:cond delay="0"/>
+                                          </p:stCondLst>
+                                        </p:cTn>
+                                        <p:tgtEl>
+                                          <p:spTgt spid="8"/>
+                                        </p:tgtEl>
+                                        <p:attrNameLst>
+                                          <p:attrName>style.visibility</p:attrName>
+                                        </p:attrNameLst>
+                                      </p:cBhvr>
+                                      <p:to>
+                                        <p:strVal val="visible"/>
+                                      </p:to>
+                                    </p:set>
+                                    <p:animEffect transition="in" filter="fade">
+                                      <p:cBhvr>
+                                        <p:cTn id="10" dur="500"/>
+                                        <p:tgtEl>
+                                          <p:spTgt spid="8"/>
+                                        </p:tgtEl>
+                                      </p:cBhvr>
+                                    </p:animEffect>
+                                  </p:childTnLst>
+                                </p:cTn>
+                              </p:par>
+                            </p:childTnLst>
+                          </p:cTn>
+                        </p:par>
+                      </p:childTnLst>
+                    </p:cTn>
+                  </p:par>
+                  <p:par>
+                    <p:cTn id="11" fill="hold">
+                      <p:stCondLst>
+                        <p:cond delay="indefinite"/>
+                      </p:stCondLst>
+                      <p:childTnLst>
+                        <p:par>
+                          <p:cTn id="12" fill="hold">
+                            <p:stCondLst>
+                              <p:cond delay="0"/>
+                            </p:stCondLst>
+                            <p:childTnLst>
+                              <p:par>
+                                <p:cTn id="13" presetID="10" presetClass="entr" presetSubtype="0" fill="hold" nodeType="clickEffect">
+                                  <p:stCondLst>
+                                    <p:cond delay="0"/>
+                                  </p:stCondLst>
+                                  <p:childTnLst>
+                                    <p:set>
+                                      <p:cBhvr>
+                                        <p:cTn id="14" dur="1" fill="hold">
+                                          <p:stCondLst>
+                                            <p:cond delay="0"/>
+                                          </p:stCondLst>
+                                        </p:cTn>
+                                        <p:tgtEl>
+                                          <p:spTgt spid="4"/>
+                                        </p:tgtEl>
+                                        <p:attrNameLst>
+                                          <p:attrName>style.visibility</p:attrName>
+                                        </p:attrNameLst>
+                                      </p:cBhvr>
+                                      <p:to>
+                                        <p:strVal val="visible"/>
+                                      </p:to>
+                                    </p:set>
+                                    <p:animEffect transition="in" filter="fade">
+                                      <p:cBhvr>
+                                        <p:cTn id="15" dur="500"/>
+                                        <p:tgtEl>
+                                          <p:spTgt spid="4"/>
+                                        </p:tgtEl>
+                                      </p:cBhvr>
+                                    </p:animEffect>
+                                  </p:childTnLst>
+                                </p:cTn>
+                              </p:par>
+                              <p:par>
+                                <p:cTn id="16" presetID="10" presetClass="entr" presetSubtype="0" fill="hold" grpId="0" nodeType="withEffect">
+                                  <p:stCondLst>
+                                    <p:cond delay="0"/>
+                                  </p:stCondLst>
+                                  <p:childTnLst>
+                                    <p:set>
+                                      <p:cBhvr>
+                                        <p:cTn id="17" dur="1" fill="hold">
+                                          <p:stCondLst>
+                                            <p:cond delay="0"/>
+                                          </p:stCondLst>
+                                        </p:cTn>
+                                        <p:tgtEl>
+                                          <p:spTgt spid="9"/>
+                                        </p:tgtEl>
+                                        <p:attrNameLst>
+                                          <p:attrName>style.visibility</p:attrName>
+                                        </p:attrNameLst>
+                                      </p:cBhvr>
+                                      <p:to>
+                                        <p:strVal val="visible"/>
+                                      </p:to>
+                                    </p:set>
+                                    <p:animEffect transition="in" filter="fade">
+                                      <p:cBhvr>
+                                        <p:cTn id="18" dur="500"/>
+                                        <p:tgtEl>
+                                          <p:spTgt spid="9"/>
+                                        </p:tgtEl>
+                                      </p:cBhvr>
+                                    </p:animEffect>
+                                  </p:childTnLst>
+                                </p:cTn>
+                              </p:par>
+                            </p:childTnLst>
+                          </p:cTn>
+                        </p:par>
+                      </p:childTnLst>
+                    </p:cTn>
+                  </p:par>
+                  <p:par>
+                    <p:cTn id="19" fill="hold">
+                      <p:stCondLst>
+                        <p:cond delay="indefinite"/>
+                      </p:stCondLst>
+                      <p:childTnLst>
+                        <p:par>
+                          <p:cTn id="20" fill="hold">
+                            <p:stCondLst>
+                              <p:cond delay="0"/>
+                            </p:stCondLst>
+                            <p:childTnLst>
+                              <p:par>
+                                <p:cTn id="21" presetID="10" presetClass="entr" presetSubtype="0" fill="hold" nodeType="clickEffect">
+                                  <p:stCondLst>
+                                    <p:cond delay="0"/>
+                                  </p:stCondLst>
+                                  <p:childTnLst>
+                                    <p:set>
+                                      <p:cBhvr>
+                                        <p:cTn id="22" dur="1" fill="hold">
+                                          <p:stCondLst>
+                                            <p:cond delay="0"/>
+                                          </p:stCondLst>
+                                        </p:cTn>
+                                        <p:tgtEl>
+                                          <p:spTgt spid="6"/>
+                                        </p:tgtEl>
+                                        <p:attrNameLst>
+                                          <p:attrName>style.visibility</p:attrName>
+                                        </p:attrNameLst>
+                                      </p:cBhvr>
+                                      <p:to>
+                                        <p:strVal val="visible"/>
+                                      </p:to>
+                                    </p:set>
+                                    <p:animEffect transition="in" filter="fade">
+                                      <p:cBhvr>
+                                        <p:cTn id="23" dur="500"/>
+                                        <p:tgtEl>
+                                          <p:spTgt spid="6"/>
+                                        </p:tgtEl>
+                                      </p:cBhvr>
+                                    </p:animEffect>
+                                  </p:childTnLst>
+                                </p:cTn>
+                              </p:par>
+                              <p:par>
+                                <p:cTn id="24" presetID="10" presetClass="entr" presetSubtype="0" fill="hold" grpId="0" nodeType="withEffect">
+                                  <p:stCondLst>
+                                    <p:cond delay="0"/>
+                                  </p:stCondLst>
+                                  <p:childTnLst>
+                                    <p:set>
+                                      <p:cBhvr>
+                                        <p:cTn id="25" dur="1" fill="hold">
+                                          <p:stCondLst>
+                                            <p:cond delay="0"/>
+                                          </p:stCondLst>
+                                        </p:cTn>
+                                        <p:tgtEl>
+                                          <p:spTgt spid="10"/>
+                                        </p:tgtEl>
+                                        <p:attrNameLst>
+                                          <p:attrName>style.visibility</p:attrName>
+                                        </p:attrNameLst>
+                                      </p:cBhvr>
+                                      <p:to>
+                                        <p:strVal val="visible"/>
+                                      </p:to>
+                                    </p:set>
+                                    <p:animEffect transition="in" filter="fade">
+                                      <p:cBhvr>
+                                        <p:cTn id="26" dur="500"/>
+                                        <p:tgtEl>
+                                          <p:spTgt spid="10"/>
+                                        </p:tgtEl>
+                                      </p:cBhvr>
+                                    </p:animEffect>
+                                  </p:childTnLst>
+                                </p:cTn>
+                              </p:par>
+                            </p:childTnLst>
+                          </p:cTn>
+                        </p:par>
+                      </p:childTnLst>
+                    </p:cTn>
+                  </p:par>
+                  <p:par>
+                    <p:cTn id="27" fill="hold">
+                      <p:stCondLst>
+                        <p:cond delay="indefinite"/>
+                      </p:stCondLst>
+                      <p:childTnLst>
+                        <p:par>
+                          <p:cTn id="28" fill="hold">
+                            <p:stCondLst>
+                              <p:cond delay="0"/>
+                            </p:stCondLst>
+                            <p:childTnLst>
+                              <p:par>
+                                <p:cTn id="29" presetID="1" presetClass="entr" presetSubtype="0" fill="hold" nodeType="clickEffect">
+                                  <p:stCondLst>
+                                    <p:cond delay="0"/>
+                                  </p:stCondLst>
+                                  <p:childTnLst>
+                                    <p:set>
+                                      <p:cBhvr>
+                                        <p:cTn id="30" dur="1" fill="hold">
+                                          <p:stCondLst>
+                                            <p:cond delay="0"/>
+                                          </p:stCondLst>
+                                        </p:cTn>
+                                        <p:tgtEl>
+                                          <p:spTgt spid="14"/>
+                                        </p:tgtEl>
+                                        <p:attrNameLst>
+                                          <p:attrName>style.visibility</p:attrName>
+                                        </p:attrNameLst>
+                                      </p:cBhvr>
+                                      <p:to>
+                                        <p:strVal val="visible"/>
+                                      </p:to>
+                                    </p:set>
+                                  </p:childTnLst>
+                                </p:cTn>
+                              </p:par>
+                              <p:par>
+                                <p:cTn id="31" presetID="1" presetClass="entr" presetSubtype="0" fill="hold" nodeType="withEffect">
+                                  <p:stCondLst>
+                                    <p:cond delay="0"/>
+                                  </p:stCondLst>
+                                  <p:childTnLst>
+                                    <p:set>
+                                      <p:cBhvr>
+                                        <p:cTn id="32" dur="1" fill="hold">
+                                          <p:stCondLst>
+                                            <p:cond delay="0"/>
+                                          </p:stCondLst>
+                                        </p:cTn>
+                                        <p:tgtEl>
+                                          <p:spTgt spid="12"/>
+                                        </p:tgtEl>
+                                        <p:attrNameLst>
+                                          <p:attrName>style.visibility</p:attrName>
+                                        </p:attrNameLst>
+                                      </p:cBhvr>
+                                      <p:to>
+                                        <p:strVal val="visible"/>
+                                      </p:to>
+                                    </p:set>
+                                  </p:childTnLst>
+                                </p:cTn>
+                              </p:par>
+                              <p:par>
+                                <p:cTn id="33" presetID="1" presetClass="entr" presetSubtype="0" fill="hold" nodeType="withEffect">
+                                  <p:stCondLst>
+                                    <p:cond delay="0"/>
+                                  </p:stCondLst>
+                                  <p:childTnLst>
+                                    <p:set>
+                                      <p:cBhvr>
+                                        <p:cTn id="34" dur="1" fill="hold">
+                                          <p:stCondLst>
+                                            <p:cond delay="0"/>
+                                          </p:stCondLst>
+                                        </p:cTn>
+                                        <p:tgtEl>
+                                          <p:spTgt spid="16"/>
+                                        </p:tgtEl>
+                                        <p:attrNameLst>
+                                          <p:attrName>style.visibility</p:attrName>
+                                        </p:attrNameLst>
+                                      </p:cBhvr>
+                                      <p:to>
+                                        <p:strVal val="visible"/>
+                                      </p:to>
+                                    </p:set>
+                                  </p:childTnLst>
+                                </p:cTn>
+                              </p:par>
+                            </p:childTnLst>
+                          </p:cTn>
+                        </p:par>
+                      </p:childTnLst>
+                    </p:cTn>
+                  </p:par>
+                </p:childTnLst>
+              </p:cTn>
+              <p:prevCondLst>
+                <p:cond evt="onPrev" delay="0">
+                  <p:tgtEl>
+                    <p:sldTgt/>
+                  </p:tgtEl>
+                </p:cond>
+              </p:prevCondLst>
+              <p:nextCondLst>
+                <p:cond evt="onNext" delay="0">
+                  <p:tgtEl>
+                    <p:sldTgt/>
+                  </p:tgtEl>
+                </p:cond>
+              </p:nextCondLst>
+            </p:seq>
+          </p:childTnLst>
+        </p:cTn>
       </p:par>
     </p:tnLst>
+    <p:bldLst>
+      <p:bldP spid="8" grpId="0"/>
+      <p:bldP spid="9" grpId="0"/>
+      <p:bldP spid="10" grpId="0"/>
+    </p:bldLst>
   </p:timing>
 </p:sld>
 </file>
 
-<file path=ppt/slides/slide13.xml><?xml version="1.0" encoding="utf-8"?>
+<file path=ppt/slides/slide14.xml><?xml version="1.0" encoding="utf-8"?>
 <p:sld xmlns:a="http://schemas.openxmlformats.org/drawingml/2006/main" xmlns:r="http://schemas.openxmlformats.org/officeDocument/2006/relationships" xmlns:p="http://schemas.openxmlformats.org/presentationml/2006/main">
   <p:cSld>
     <p:spTree>
@@ -14113,331 +15441,6 @@
     <p:extLst>
       <p:ext uri="{BB962C8B-B14F-4D97-AF65-F5344CB8AC3E}">
         <p14:creationId xmlns:p14="http://schemas.microsoft.com/office/powerpoint/2010/main" val="4135057681"/>
-      </p:ext>
-    </p:extLst>
-  </p:cSld>
-  <p:clrMapOvr>
-    <a:masterClrMapping/>
-  </p:clrMapOvr>
-  <p:timing>
-    <p:tnLst>
-      <p:par>
-        <p:cTn id="1" dur="indefinite" restart="never" nodeType="tmRoot"/>
-      </p:par>
-    </p:tnLst>
-  </p:timing>
-</p:sld>
-</file>
-
-<file path=ppt/slides/slide14.xml><?xml version="1.0" encoding="utf-8"?>
-<p:sld xmlns:a="http://schemas.openxmlformats.org/drawingml/2006/main" xmlns:r="http://schemas.openxmlformats.org/officeDocument/2006/relationships" xmlns:p="http://schemas.openxmlformats.org/presentationml/2006/main">
-  <p:cSld>
-    <p:spTree>
-      <p:nvGrpSpPr>
-        <p:cNvPr id="1" name=""/>
-        <p:cNvGrpSpPr/>
-        <p:nvPr/>
-      </p:nvGrpSpPr>
-      <p:grpSpPr>
-        <a:xfrm>
-          <a:off x="0" y="0"/>
-          <a:ext cx="0" cy="0"/>
-          <a:chOff x="0" y="0"/>
-          <a:chExt cx="0" cy="0"/>
-        </a:xfrm>
-      </p:grpSpPr>
-      <p:sp>
-        <p:nvSpPr>
-          <p:cNvPr id="5" name="TextBox 4"/>
-          <p:cNvSpPr txBox="1"/>
-          <p:nvPr/>
-        </p:nvSpPr>
-        <p:spPr>
-          <a:xfrm>
-            <a:off x="1410946" y="1528033"/>
-            <a:ext cx="4796506" cy="954107"/>
-          </a:xfrm>
-          <a:prstGeom prst="rect">
-            <a:avLst/>
-          </a:prstGeom>
-          <a:noFill/>
-        </p:spPr>
-        <p:txBody>
-          <a:bodyPr wrap="none" rtlCol="0">
-            <a:spAutoFit/>
-          </a:bodyPr>
-          <a:lstStyle/>
-          <a:p>
-            <a:r>
-              <a:rPr lang="en-US" sz="2800" smtClean="0">
-                <a:latin typeface="Times New Roman" panose="02020603050405020304" pitchFamily="18" charset="0"/>
-                <a:cs typeface="Times New Roman" panose="02020603050405020304" pitchFamily="18" charset="0"/>
-              </a:rPr>
-              <a:t>b. Chức </a:t>
-            </a:r>
-            <a:r>
-              <a:rPr lang="en-US" sz="2800" dirty="0" err="1">
-                <a:latin typeface="Times New Roman" panose="02020603050405020304" pitchFamily="18" charset="0"/>
-                <a:cs typeface="Times New Roman" panose="02020603050405020304" pitchFamily="18" charset="0"/>
-              </a:rPr>
-              <a:t>năng</a:t>
-            </a:r>
-            <a:r>
-              <a:rPr lang="en-US" sz="2800" dirty="0">
-                <a:latin typeface="Times New Roman" panose="02020603050405020304" pitchFamily="18" charset="0"/>
-                <a:cs typeface="Times New Roman" panose="02020603050405020304" pitchFamily="18" charset="0"/>
-              </a:rPr>
-              <a:t> </a:t>
-            </a:r>
-            <a:r>
-              <a:rPr lang="en-US" sz="2800" dirty="0" err="1">
-                <a:latin typeface="Times New Roman" panose="02020603050405020304" pitchFamily="18" charset="0"/>
-                <a:cs typeface="Times New Roman" panose="02020603050405020304" pitchFamily="18" charset="0"/>
-              </a:rPr>
-              <a:t>quản</a:t>
-            </a:r>
-            <a:r>
-              <a:rPr lang="en-US" sz="2800" dirty="0">
-                <a:latin typeface="Times New Roman" panose="02020603050405020304" pitchFamily="18" charset="0"/>
-                <a:cs typeface="Times New Roman" panose="02020603050405020304" pitchFamily="18" charset="0"/>
-              </a:rPr>
-              <a:t> </a:t>
-            </a:r>
-            <a:r>
-              <a:rPr lang="en-US" sz="2800" dirty="0" err="1">
-                <a:latin typeface="Times New Roman" panose="02020603050405020304" pitchFamily="18" charset="0"/>
-                <a:cs typeface="Times New Roman" panose="02020603050405020304" pitchFamily="18" charset="0"/>
-              </a:rPr>
-              <a:t>lý</a:t>
-            </a:r>
-            <a:r>
-              <a:rPr lang="en-US" sz="2800" dirty="0">
-                <a:latin typeface="Times New Roman" panose="02020603050405020304" pitchFamily="18" charset="0"/>
-                <a:cs typeface="Times New Roman" panose="02020603050405020304" pitchFamily="18" charset="0"/>
-              </a:rPr>
-              <a:t> </a:t>
-            </a:r>
-            <a:r>
-              <a:rPr lang="en-US" sz="2800">
-                <a:latin typeface="Times New Roman" panose="02020603050405020304" pitchFamily="18" charset="0"/>
-                <a:cs typeface="Times New Roman" panose="02020603050405020304" pitchFamily="18" charset="0"/>
-              </a:rPr>
-              <a:t>con </a:t>
-            </a:r>
-            <a:r>
-              <a:rPr lang="en-US" sz="2800" smtClean="0">
-                <a:latin typeface="Times New Roman" panose="02020603050405020304" pitchFamily="18" charset="0"/>
-                <a:cs typeface="Times New Roman" panose="02020603050405020304" pitchFamily="18" charset="0"/>
-              </a:rPr>
-              <a:t>người</a:t>
-            </a:r>
-            <a:endParaRPr lang="en-US" sz="2800" dirty="0">
-              <a:latin typeface="Times New Roman" panose="02020603050405020304" pitchFamily="18" charset="0"/>
-              <a:cs typeface="Times New Roman" panose="02020603050405020304" pitchFamily="18" charset="0"/>
-            </a:endParaRPr>
-          </a:p>
-          <a:p>
-            <a:endParaRPr lang="en-US" sz="2800" dirty="0">
-              <a:latin typeface="Times New Roman" panose="02020603050405020304" pitchFamily="18" charset="0"/>
-              <a:cs typeface="Times New Roman" panose="02020603050405020304" pitchFamily="18" charset="0"/>
-            </a:endParaRPr>
-          </a:p>
-        </p:txBody>
-      </p:sp>
-      <p:sp>
-        <p:nvSpPr>
-          <p:cNvPr id="2" name="TextBox 1"/>
-          <p:cNvSpPr txBox="1"/>
-          <p:nvPr/>
-        </p:nvSpPr>
-        <p:spPr>
-          <a:xfrm>
-            <a:off x="1495167" y="729049"/>
-            <a:ext cx="5222905" cy="523220"/>
-          </a:xfrm>
-          <a:prstGeom prst="rect">
-            <a:avLst/>
-          </a:prstGeom>
-          <a:noFill/>
-        </p:spPr>
-        <p:txBody>
-          <a:bodyPr wrap="none" rtlCol="0">
-            <a:spAutoFit/>
-          </a:bodyPr>
-          <a:lstStyle/>
-          <a:p>
-            <a:r>
-              <a:rPr lang="en-US" sz="2800" b="1" smtClean="0">
-                <a:latin typeface="Times New Roman" panose="02020603050405020304" pitchFamily="18" charset="0"/>
-                <a:cs typeface="Times New Roman" panose="02020603050405020304" pitchFamily="18" charset="0"/>
-              </a:rPr>
-              <a:t>3. Chức năng chính của hệ thống</a:t>
-            </a:r>
-            <a:endParaRPr lang="en-US" sz="2800" b="1">
-              <a:latin typeface="Times New Roman" panose="02020603050405020304" pitchFamily="18" charset="0"/>
-              <a:cs typeface="Times New Roman" panose="02020603050405020304" pitchFamily="18" charset="0"/>
-            </a:endParaRPr>
-          </a:p>
-        </p:txBody>
-      </p:sp>
-      <p:sp>
-        <p:nvSpPr>
-          <p:cNvPr id="3" name="TextBox 2"/>
-          <p:cNvSpPr txBox="1"/>
-          <p:nvPr/>
-        </p:nvSpPr>
-        <p:spPr>
-          <a:xfrm>
-            <a:off x="1433963" y="2482140"/>
-            <a:ext cx="9235283" cy="3970318"/>
-          </a:xfrm>
-          <a:prstGeom prst="rect">
-            <a:avLst/>
-          </a:prstGeom>
-          <a:noFill/>
-        </p:spPr>
-        <p:txBody>
-          <a:bodyPr wrap="square" rtlCol="0">
-            <a:spAutoFit/>
-          </a:bodyPr>
-          <a:lstStyle/>
-          <a:p>
-            <a:pPr marL="285750" indent="-285750">
-              <a:buFont typeface="Arial" panose="020B0604020202020204" pitchFamily="34" charset="0"/>
-              <a:buChar char="•"/>
-            </a:pPr>
-            <a:r>
-              <a:rPr lang="vi-VN" sz="2800">
-                <a:latin typeface="Times New Roman" panose="02020603050405020304" pitchFamily="18" charset="0"/>
-                <a:cs typeface="Times New Roman" panose="02020603050405020304" pitchFamily="18" charset="0"/>
-              </a:rPr>
-              <a:t>Quản lý danh sách </a:t>
-            </a:r>
-            <a:r>
-              <a:rPr lang="vi-VN" sz="2800">
-                <a:latin typeface="Times New Roman" panose="02020603050405020304" pitchFamily="18" charset="0"/>
-                <a:cs typeface="Times New Roman" panose="02020603050405020304" pitchFamily="18" charset="0"/>
-              </a:rPr>
-              <a:t>người </a:t>
-            </a:r>
-            <a:r>
-              <a:rPr lang="vi-VN" sz="2800" smtClean="0">
-                <a:latin typeface="Times New Roman" panose="02020603050405020304" pitchFamily="18" charset="0"/>
-                <a:cs typeface="Times New Roman" panose="02020603050405020304" pitchFamily="18" charset="0"/>
-              </a:rPr>
-              <a:t>dùng</a:t>
-            </a:r>
-            <a:r>
-              <a:rPr lang="en-US" sz="2800" smtClean="0">
-                <a:latin typeface="Times New Roman" panose="02020603050405020304" pitchFamily="18" charset="0"/>
-                <a:cs typeface="Times New Roman" panose="02020603050405020304" pitchFamily="18" charset="0"/>
-              </a:rPr>
-              <a:t>: Tạo mới tài khoản, chỉnh sửa thông tin, thay đổi trạng thái người dùng</a:t>
-            </a:r>
-            <a:endParaRPr lang="en-US" sz="2800">
-              <a:latin typeface="Times New Roman" panose="02020603050405020304" pitchFamily="18" charset="0"/>
-              <a:cs typeface="Times New Roman" panose="02020603050405020304" pitchFamily="18" charset="0"/>
-            </a:endParaRPr>
-          </a:p>
-          <a:p>
-            <a:pPr marL="285750" indent="-285750">
-              <a:buFont typeface="Arial" panose="020B0604020202020204" pitchFamily="34" charset="0"/>
-              <a:buChar char="•"/>
-            </a:pPr>
-            <a:r>
-              <a:rPr lang="en-US" sz="2800">
-                <a:latin typeface="Times New Roman" panose="02020603050405020304" pitchFamily="18" charset="0"/>
-                <a:cs typeface="Times New Roman" panose="02020603050405020304" pitchFamily="18" charset="0"/>
-              </a:rPr>
-              <a:t>Phân quyền cho </a:t>
-            </a:r>
-            <a:r>
-              <a:rPr lang="en-US" sz="2800">
-                <a:latin typeface="Times New Roman" panose="02020603050405020304" pitchFamily="18" charset="0"/>
-                <a:cs typeface="Times New Roman" panose="02020603050405020304" pitchFamily="18" charset="0"/>
-              </a:rPr>
-              <a:t>người </a:t>
-            </a:r>
-            <a:r>
-              <a:rPr lang="en-US" sz="2800" smtClean="0">
-                <a:latin typeface="Times New Roman" panose="02020603050405020304" pitchFamily="18" charset="0"/>
-                <a:cs typeface="Times New Roman" panose="02020603050405020304" pitchFamily="18" charset="0"/>
-              </a:rPr>
-              <a:t>dùng: để đảm bảo yếu tố bảo mật trong công việc</a:t>
-            </a:r>
-          </a:p>
-          <a:p>
-            <a:pPr marL="742950" lvl="1" indent="-285750">
-              <a:buFont typeface="Arial" panose="020B0604020202020204" pitchFamily="34" charset="0"/>
-              <a:buChar char="•"/>
-            </a:pPr>
-            <a:r>
-              <a:rPr lang="en-US" sz="2800" smtClean="0">
-                <a:latin typeface="Times New Roman" panose="02020603050405020304" pitchFamily="18" charset="0"/>
-                <a:cs typeface="Times New Roman" panose="02020603050405020304" pitchFamily="18" charset="0"/>
-              </a:rPr>
-              <a:t>Admin</a:t>
-            </a:r>
-          </a:p>
-          <a:p>
-            <a:pPr marL="742950" lvl="1" indent="-285750">
-              <a:buFont typeface="Arial" panose="020B0604020202020204" pitchFamily="34" charset="0"/>
-              <a:buChar char="•"/>
-            </a:pPr>
-            <a:r>
-              <a:rPr lang="en-US" sz="2800" smtClean="0">
-                <a:latin typeface="Times New Roman" panose="02020603050405020304" pitchFamily="18" charset="0"/>
-                <a:cs typeface="Times New Roman" panose="02020603050405020304" pitchFamily="18" charset="0"/>
-              </a:rPr>
-              <a:t>Project Manager</a:t>
-            </a:r>
-          </a:p>
-          <a:p>
-            <a:pPr marL="742950" lvl="1" indent="-285750">
-              <a:buFont typeface="Arial" panose="020B0604020202020204" pitchFamily="34" charset="0"/>
-              <a:buChar char="•"/>
-            </a:pPr>
-            <a:r>
-              <a:rPr lang="en-US" sz="2800" smtClean="0">
-                <a:latin typeface="Times New Roman" panose="02020603050405020304" pitchFamily="18" charset="0"/>
-                <a:cs typeface="Times New Roman" panose="02020603050405020304" pitchFamily="18" charset="0"/>
-              </a:rPr>
-              <a:t>Team Lead</a:t>
-            </a:r>
-          </a:p>
-          <a:p>
-            <a:pPr marL="742950" lvl="1" indent="-285750">
-              <a:buFont typeface="Arial" panose="020B0604020202020204" pitchFamily="34" charset="0"/>
-              <a:buChar char="•"/>
-            </a:pPr>
-            <a:r>
-              <a:rPr lang="en-US" sz="2800" smtClean="0">
-                <a:latin typeface="Times New Roman" panose="02020603050405020304" pitchFamily="18" charset="0"/>
-                <a:cs typeface="Times New Roman" panose="02020603050405020304" pitchFamily="18" charset="0"/>
-              </a:rPr>
-              <a:t>Member</a:t>
-            </a:r>
-            <a:endParaRPr lang="en-US" sz="2800">
-              <a:latin typeface="Times New Roman" panose="02020603050405020304" pitchFamily="18" charset="0"/>
-              <a:cs typeface="Times New Roman" panose="02020603050405020304" pitchFamily="18" charset="0"/>
-            </a:endParaRPr>
-          </a:p>
-          <a:p>
-            <a:pPr marL="285750" indent="-285750">
-              <a:buFont typeface="Arial" panose="020B0604020202020204" pitchFamily="34" charset="0"/>
-              <a:buChar char="•"/>
-            </a:pPr>
-            <a:endParaRPr lang="en-US" sz="2800">
-              <a:latin typeface="Times New Roman" panose="02020603050405020304" pitchFamily="18" charset="0"/>
-              <a:cs typeface="Times New Roman" panose="02020603050405020304" pitchFamily="18" charset="0"/>
-            </a:endParaRPr>
-          </a:p>
-        </p:txBody>
-      </p:sp>
-    </p:spTree>
-    <p:extLst>
-      <p:ext uri="{BB962C8B-B14F-4D97-AF65-F5344CB8AC3E}">
-        <p14:creationId xmlns:p14="http://schemas.microsoft.com/office/powerpoint/2010/main" val="2139733777"/>
       </p:ext>
     </p:extLst>
   </p:cSld>
@@ -14479,6 +15482,317 @@
         </p:nvSpPr>
         <p:spPr>
           <a:xfrm>
+            <a:off x="1410946" y="1528033"/>
+            <a:ext cx="4796506" cy="954107"/>
+          </a:xfrm>
+          <a:prstGeom prst="rect">
+            <a:avLst/>
+          </a:prstGeom>
+          <a:noFill/>
+        </p:spPr>
+        <p:txBody>
+          <a:bodyPr wrap="none" rtlCol="0">
+            <a:spAutoFit/>
+          </a:bodyPr>
+          <a:lstStyle/>
+          <a:p>
+            <a:r>
+              <a:rPr lang="en-US" sz="2800" smtClean="0">
+                <a:latin typeface="Times New Roman" panose="02020603050405020304" pitchFamily="18" charset="0"/>
+                <a:cs typeface="Times New Roman" panose="02020603050405020304" pitchFamily="18" charset="0"/>
+              </a:rPr>
+              <a:t>b. Chức </a:t>
+            </a:r>
+            <a:r>
+              <a:rPr lang="en-US" sz="2800" dirty="0" err="1">
+                <a:latin typeface="Times New Roman" panose="02020603050405020304" pitchFamily="18" charset="0"/>
+                <a:cs typeface="Times New Roman" panose="02020603050405020304" pitchFamily="18" charset="0"/>
+              </a:rPr>
+              <a:t>năng</a:t>
+            </a:r>
+            <a:r>
+              <a:rPr lang="en-US" sz="2800" dirty="0">
+                <a:latin typeface="Times New Roman" panose="02020603050405020304" pitchFamily="18" charset="0"/>
+                <a:cs typeface="Times New Roman" panose="02020603050405020304" pitchFamily="18" charset="0"/>
+              </a:rPr>
+              <a:t> </a:t>
+            </a:r>
+            <a:r>
+              <a:rPr lang="en-US" sz="2800" dirty="0" err="1">
+                <a:latin typeface="Times New Roman" panose="02020603050405020304" pitchFamily="18" charset="0"/>
+                <a:cs typeface="Times New Roman" panose="02020603050405020304" pitchFamily="18" charset="0"/>
+              </a:rPr>
+              <a:t>quản</a:t>
+            </a:r>
+            <a:r>
+              <a:rPr lang="en-US" sz="2800" dirty="0">
+                <a:latin typeface="Times New Roman" panose="02020603050405020304" pitchFamily="18" charset="0"/>
+                <a:cs typeface="Times New Roman" panose="02020603050405020304" pitchFamily="18" charset="0"/>
+              </a:rPr>
+              <a:t> </a:t>
+            </a:r>
+            <a:r>
+              <a:rPr lang="en-US" sz="2800" dirty="0" err="1">
+                <a:latin typeface="Times New Roman" panose="02020603050405020304" pitchFamily="18" charset="0"/>
+                <a:cs typeface="Times New Roman" panose="02020603050405020304" pitchFamily="18" charset="0"/>
+              </a:rPr>
+              <a:t>lý</a:t>
+            </a:r>
+            <a:r>
+              <a:rPr lang="en-US" sz="2800" dirty="0">
+                <a:latin typeface="Times New Roman" panose="02020603050405020304" pitchFamily="18" charset="0"/>
+                <a:cs typeface="Times New Roman" panose="02020603050405020304" pitchFamily="18" charset="0"/>
+              </a:rPr>
+              <a:t> </a:t>
+            </a:r>
+            <a:r>
+              <a:rPr lang="en-US" sz="2800">
+                <a:latin typeface="Times New Roman" panose="02020603050405020304" pitchFamily="18" charset="0"/>
+                <a:cs typeface="Times New Roman" panose="02020603050405020304" pitchFamily="18" charset="0"/>
+              </a:rPr>
+              <a:t>con </a:t>
+            </a:r>
+            <a:r>
+              <a:rPr lang="en-US" sz="2800" smtClean="0">
+                <a:latin typeface="Times New Roman" panose="02020603050405020304" pitchFamily="18" charset="0"/>
+                <a:cs typeface="Times New Roman" panose="02020603050405020304" pitchFamily="18" charset="0"/>
+              </a:rPr>
+              <a:t>người</a:t>
+            </a:r>
+            <a:endParaRPr lang="en-US" sz="2800" dirty="0">
+              <a:latin typeface="Times New Roman" panose="02020603050405020304" pitchFamily="18" charset="0"/>
+              <a:cs typeface="Times New Roman" panose="02020603050405020304" pitchFamily="18" charset="0"/>
+            </a:endParaRPr>
+          </a:p>
+          <a:p>
+            <a:endParaRPr lang="en-US" sz="2800" dirty="0">
+              <a:latin typeface="Times New Roman" panose="02020603050405020304" pitchFamily="18" charset="0"/>
+              <a:cs typeface="Times New Roman" panose="02020603050405020304" pitchFamily="18" charset="0"/>
+            </a:endParaRPr>
+          </a:p>
+        </p:txBody>
+      </p:sp>
+      <p:sp>
+        <p:nvSpPr>
+          <p:cNvPr id="2" name="TextBox 1"/>
+          <p:cNvSpPr txBox="1"/>
+          <p:nvPr/>
+        </p:nvSpPr>
+        <p:spPr>
+          <a:xfrm>
+            <a:off x="1495167" y="729049"/>
+            <a:ext cx="5222905" cy="523220"/>
+          </a:xfrm>
+          <a:prstGeom prst="rect">
+            <a:avLst/>
+          </a:prstGeom>
+          <a:noFill/>
+        </p:spPr>
+        <p:txBody>
+          <a:bodyPr wrap="none" rtlCol="0">
+            <a:spAutoFit/>
+          </a:bodyPr>
+          <a:lstStyle/>
+          <a:p>
+            <a:r>
+              <a:rPr lang="en-US" sz="2800" b="1" smtClean="0">
+                <a:latin typeface="Times New Roman" panose="02020603050405020304" pitchFamily="18" charset="0"/>
+                <a:cs typeface="Times New Roman" panose="02020603050405020304" pitchFamily="18" charset="0"/>
+              </a:rPr>
+              <a:t>3. Chức năng chính của hệ thống</a:t>
+            </a:r>
+            <a:endParaRPr lang="en-US" sz="2800" b="1">
+              <a:latin typeface="Times New Roman" panose="02020603050405020304" pitchFamily="18" charset="0"/>
+              <a:cs typeface="Times New Roman" panose="02020603050405020304" pitchFamily="18" charset="0"/>
+            </a:endParaRPr>
+          </a:p>
+        </p:txBody>
+      </p:sp>
+      <p:sp>
+        <p:nvSpPr>
+          <p:cNvPr id="3" name="TextBox 2"/>
+          <p:cNvSpPr txBox="1"/>
+          <p:nvPr/>
+        </p:nvSpPr>
+        <p:spPr>
+          <a:xfrm>
+            <a:off x="1433963" y="2482140"/>
+            <a:ext cx="9235283" cy="3970318"/>
+          </a:xfrm>
+          <a:prstGeom prst="rect">
+            <a:avLst/>
+          </a:prstGeom>
+          <a:noFill/>
+        </p:spPr>
+        <p:txBody>
+          <a:bodyPr wrap="square" rtlCol="0">
+            <a:spAutoFit/>
+          </a:bodyPr>
+          <a:lstStyle/>
+          <a:p>
+            <a:pPr marL="285750" indent="-285750">
+              <a:buFont typeface="Arial" panose="020B0604020202020204" pitchFamily="34" charset="0"/>
+              <a:buChar char="•"/>
+            </a:pPr>
+            <a:r>
+              <a:rPr lang="vi-VN" sz="2800">
+                <a:latin typeface="Times New Roman" panose="02020603050405020304" pitchFamily="18" charset="0"/>
+                <a:cs typeface="Times New Roman" panose="02020603050405020304" pitchFamily="18" charset="0"/>
+              </a:rPr>
+              <a:t>Quản lý danh sách người </a:t>
+            </a:r>
+            <a:r>
+              <a:rPr lang="vi-VN" sz="2800" smtClean="0">
+                <a:latin typeface="Times New Roman" panose="02020603050405020304" pitchFamily="18" charset="0"/>
+                <a:cs typeface="Times New Roman" panose="02020603050405020304" pitchFamily="18" charset="0"/>
+              </a:rPr>
+              <a:t>dùng</a:t>
+            </a:r>
+            <a:r>
+              <a:rPr lang="en-US" sz="2800" smtClean="0">
+                <a:latin typeface="Times New Roman" panose="02020603050405020304" pitchFamily="18" charset="0"/>
+                <a:cs typeface="Times New Roman" panose="02020603050405020304" pitchFamily="18" charset="0"/>
+              </a:rPr>
+              <a:t>: Tạo mới tài khoản, chỉnh sửa thông tin, thay đổi trạng thái người dùng</a:t>
+            </a:r>
+            <a:endParaRPr lang="en-US" sz="2800">
+              <a:latin typeface="Times New Roman" panose="02020603050405020304" pitchFamily="18" charset="0"/>
+              <a:cs typeface="Times New Roman" panose="02020603050405020304" pitchFamily="18" charset="0"/>
+            </a:endParaRPr>
+          </a:p>
+          <a:p>
+            <a:pPr marL="285750" indent="-285750">
+              <a:buFont typeface="Arial" panose="020B0604020202020204" pitchFamily="34" charset="0"/>
+              <a:buChar char="•"/>
+            </a:pPr>
+            <a:r>
+              <a:rPr lang="en-US" sz="2800">
+                <a:latin typeface="Times New Roman" panose="02020603050405020304" pitchFamily="18" charset="0"/>
+                <a:cs typeface="Times New Roman" panose="02020603050405020304" pitchFamily="18" charset="0"/>
+              </a:rPr>
+              <a:t>Phân quyền cho người </a:t>
+            </a:r>
+            <a:r>
+              <a:rPr lang="en-US" sz="2800" smtClean="0">
+                <a:latin typeface="Times New Roman" panose="02020603050405020304" pitchFamily="18" charset="0"/>
+                <a:cs typeface="Times New Roman" panose="02020603050405020304" pitchFamily="18" charset="0"/>
+              </a:rPr>
+              <a:t>dùng: để đảm bảo yếu tố bảo mật trong công việc</a:t>
+            </a:r>
+          </a:p>
+          <a:p>
+            <a:pPr marL="742950" lvl="1" indent="-285750">
+              <a:buFont typeface="Arial" panose="020B0604020202020204" pitchFamily="34" charset="0"/>
+              <a:buChar char="•"/>
+            </a:pPr>
+            <a:r>
+              <a:rPr lang="en-US" sz="2800" smtClean="0">
+                <a:latin typeface="Times New Roman" panose="02020603050405020304" pitchFamily="18" charset="0"/>
+                <a:cs typeface="Times New Roman" panose="02020603050405020304" pitchFamily="18" charset="0"/>
+              </a:rPr>
+              <a:t>Admin</a:t>
+            </a:r>
+          </a:p>
+          <a:p>
+            <a:pPr marL="742950" lvl="1" indent="-285750">
+              <a:buFont typeface="Arial" panose="020B0604020202020204" pitchFamily="34" charset="0"/>
+              <a:buChar char="•"/>
+            </a:pPr>
+            <a:r>
+              <a:rPr lang="en-US" sz="2800" smtClean="0">
+                <a:latin typeface="Times New Roman" panose="02020603050405020304" pitchFamily="18" charset="0"/>
+                <a:cs typeface="Times New Roman" panose="02020603050405020304" pitchFamily="18" charset="0"/>
+              </a:rPr>
+              <a:t>Project Manager</a:t>
+            </a:r>
+          </a:p>
+          <a:p>
+            <a:pPr marL="742950" lvl="1" indent="-285750">
+              <a:buFont typeface="Arial" panose="020B0604020202020204" pitchFamily="34" charset="0"/>
+              <a:buChar char="•"/>
+            </a:pPr>
+            <a:r>
+              <a:rPr lang="en-US" sz="2800" smtClean="0">
+                <a:latin typeface="Times New Roman" panose="02020603050405020304" pitchFamily="18" charset="0"/>
+                <a:cs typeface="Times New Roman" panose="02020603050405020304" pitchFamily="18" charset="0"/>
+              </a:rPr>
+              <a:t>Team Lead</a:t>
+            </a:r>
+          </a:p>
+          <a:p>
+            <a:pPr marL="742950" lvl="1" indent="-285750">
+              <a:buFont typeface="Arial" panose="020B0604020202020204" pitchFamily="34" charset="0"/>
+              <a:buChar char="•"/>
+            </a:pPr>
+            <a:r>
+              <a:rPr lang="en-US" sz="2800" smtClean="0">
+                <a:latin typeface="Times New Roman" panose="02020603050405020304" pitchFamily="18" charset="0"/>
+                <a:cs typeface="Times New Roman" panose="02020603050405020304" pitchFamily="18" charset="0"/>
+              </a:rPr>
+              <a:t>Member</a:t>
+            </a:r>
+            <a:endParaRPr lang="en-US" sz="2800">
+              <a:latin typeface="Times New Roman" panose="02020603050405020304" pitchFamily="18" charset="0"/>
+              <a:cs typeface="Times New Roman" panose="02020603050405020304" pitchFamily="18" charset="0"/>
+            </a:endParaRPr>
+          </a:p>
+          <a:p>
+            <a:pPr marL="285750" indent="-285750">
+              <a:buFont typeface="Arial" panose="020B0604020202020204" pitchFamily="34" charset="0"/>
+              <a:buChar char="•"/>
+            </a:pPr>
+            <a:endParaRPr lang="en-US" sz="2800">
+              <a:latin typeface="Times New Roman" panose="02020603050405020304" pitchFamily="18" charset="0"/>
+              <a:cs typeface="Times New Roman" panose="02020603050405020304" pitchFamily="18" charset="0"/>
+            </a:endParaRPr>
+          </a:p>
+        </p:txBody>
+      </p:sp>
+    </p:spTree>
+    <p:extLst>
+      <p:ext uri="{BB962C8B-B14F-4D97-AF65-F5344CB8AC3E}">
+        <p14:creationId xmlns:p14="http://schemas.microsoft.com/office/powerpoint/2010/main" val="2139733777"/>
+      </p:ext>
+    </p:extLst>
+  </p:cSld>
+  <p:clrMapOvr>
+    <a:masterClrMapping/>
+  </p:clrMapOvr>
+  <p:timing>
+    <p:tnLst>
+      <p:par>
+        <p:cTn id="1" dur="indefinite" restart="never" nodeType="tmRoot"/>
+      </p:par>
+    </p:tnLst>
+  </p:timing>
+</p:sld>
+</file>
+
+<file path=ppt/slides/slide16.xml><?xml version="1.0" encoding="utf-8"?>
+<p:sld xmlns:a="http://schemas.openxmlformats.org/drawingml/2006/main" xmlns:r="http://schemas.openxmlformats.org/officeDocument/2006/relationships" xmlns:p="http://schemas.openxmlformats.org/presentationml/2006/main">
+  <p:cSld>
+    <p:spTree>
+      <p:nvGrpSpPr>
+        <p:cNvPr id="1" name=""/>
+        <p:cNvGrpSpPr/>
+        <p:nvPr/>
+      </p:nvGrpSpPr>
+      <p:grpSpPr>
+        <a:xfrm>
+          <a:off x="0" y="0"/>
+          <a:ext cx="0" cy="0"/>
+          <a:chOff x="0" y="0"/>
+          <a:chExt cx="0" cy="0"/>
+        </a:xfrm>
+      </p:grpSpPr>
+      <p:sp>
+        <p:nvSpPr>
+          <p:cNvPr id="5" name="TextBox 4"/>
+          <p:cNvSpPr txBox="1"/>
+          <p:nvPr/>
+        </p:nvSpPr>
+        <p:spPr>
+          <a:xfrm>
             <a:off x="1427980" y="1413734"/>
             <a:ext cx="4709944" cy="954107"/>
           </a:xfrm>
@@ -14750,7 +16064,7 @@
 </p:sld>
 </file>
 
-<file path=ppt/slides/slide16.xml><?xml version="1.0" encoding="utf-8"?>
+<file path=ppt/slides/slide17.xml><?xml version="1.0" encoding="utf-8"?>
 <p:sld xmlns:a="http://schemas.openxmlformats.org/drawingml/2006/main" xmlns:r="http://schemas.openxmlformats.org/officeDocument/2006/relationships" xmlns:p="http://schemas.openxmlformats.org/presentationml/2006/main">
   <p:cSld>
     <p:spTree>
@@ -16356,7 +17670,7 @@
 </p:sld>
 </file>
 
-<file path=ppt/slides/slide17.xml><?xml version="1.0" encoding="utf-8"?>
+<file path=ppt/slides/slide18.xml><?xml version="1.0" encoding="utf-8"?>
 <p:sld xmlns:a="http://schemas.openxmlformats.org/drawingml/2006/main" xmlns:r="http://schemas.openxmlformats.org/officeDocument/2006/relationships" xmlns:p="http://schemas.openxmlformats.org/presentationml/2006/main">
   <p:cSld>
     <p:spTree>
@@ -16393,8 +17707,8 @@
         </p:blipFill>
         <p:spPr>
           <a:xfrm>
-            <a:off x="1229710" y="346841"/>
-            <a:ext cx="10247586" cy="5517931"/>
+            <a:off x="1954924" y="488730"/>
+            <a:ext cx="9112469" cy="5407573"/>
           </a:xfrm>
           <a:prstGeom prst="rect">
             <a:avLst/>
@@ -16441,142 +17755,6 @@
     <p:extLst>
       <p:ext uri="{BB962C8B-B14F-4D97-AF65-F5344CB8AC3E}">
         <p14:creationId xmlns:p14="http://schemas.microsoft.com/office/powerpoint/2010/main" val="2069939264"/>
-      </p:ext>
-    </p:extLst>
-  </p:cSld>
-  <p:clrMapOvr>
-    <a:masterClrMapping/>
-  </p:clrMapOvr>
-  <p:timing>
-    <p:tnLst>
-      <p:par>
-        <p:cTn id="1" dur="indefinite" restart="never" nodeType="tmRoot"/>
-      </p:par>
-    </p:tnLst>
-  </p:timing>
-</p:sld>
-</file>
-
-<file path=ppt/slides/slide18.xml><?xml version="1.0" encoding="utf-8"?>
-<p:sld xmlns:a="http://schemas.openxmlformats.org/drawingml/2006/main" xmlns:r="http://schemas.openxmlformats.org/officeDocument/2006/relationships" xmlns:p="http://schemas.openxmlformats.org/presentationml/2006/main">
-  <p:cSld>
-    <p:spTree>
-      <p:nvGrpSpPr>
-        <p:cNvPr id="1" name=""/>
-        <p:cNvGrpSpPr/>
-        <p:nvPr/>
-      </p:nvGrpSpPr>
-      <p:grpSpPr>
-        <a:xfrm>
-          <a:off x="0" y="0"/>
-          <a:ext cx="0" cy="0"/>
-          <a:chOff x="0" y="0"/>
-          <a:chExt cx="0" cy="0"/>
-        </a:xfrm>
-      </p:grpSpPr>
-      <p:sp>
-        <p:nvSpPr>
-          <p:cNvPr id="4" name="TextBox 3"/>
-          <p:cNvSpPr txBox="1"/>
-          <p:nvPr/>
-        </p:nvSpPr>
-        <p:spPr>
-          <a:xfrm>
-            <a:off x="3231931" y="2244616"/>
-            <a:ext cx="6072496" cy="646331"/>
-          </a:xfrm>
-          <a:prstGeom prst="rect">
-            <a:avLst/>
-          </a:prstGeom>
-          <a:noFill/>
-        </p:spPr>
-        <p:txBody>
-          <a:bodyPr wrap="none" rtlCol="0">
-            <a:spAutoFit/>
-          </a:bodyPr>
-          <a:lstStyle/>
-          <a:p>
-            <a:r>
-              <a:rPr lang="en-US" sz="3600" smtClean="0">
-                <a:latin typeface="Times New Roman" panose="02020603050405020304" pitchFamily="18" charset="0"/>
-                <a:cs typeface="Times New Roman" panose="02020603050405020304" pitchFamily="18" charset="0"/>
-              </a:rPr>
-              <a:t>4. Giới </a:t>
-            </a:r>
-            <a:r>
-              <a:rPr lang="en-US" sz="3600" dirty="0" err="1">
-                <a:latin typeface="Times New Roman" panose="02020603050405020304" pitchFamily="18" charset="0"/>
-                <a:cs typeface="Times New Roman" panose="02020603050405020304" pitchFamily="18" charset="0"/>
-              </a:rPr>
-              <a:t>thiệu</a:t>
-            </a:r>
-            <a:r>
-              <a:rPr lang="en-US" sz="3600" dirty="0">
-                <a:latin typeface="Times New Roman" panose="02020603050405020304" pitchFamily="18" charset="0"/>
-                <a:cs typeface="Times New Roman" panose="02020603050405020304" pitchFamily="18" charset="0"/>
-              </a:rPr>
-              <a:t> </a:t>
-            </a:r>
-            <a:r>
-              <a:rPr lang="en-US" sz="3600" dirty="0" err="1">
-                <a:latin typeface="Times New Roman" panose="02020603050405020304" pitchFamily="18" charset="0"/>
-                <a:cs typeface="Times New Roman" panose="02020603050405020304" pitchFamily="18" charset="0"/>
-              </a:rPr>
-              <a:t>giao</a:t>
-            </a:r>
-            <a:r>
-              <a:rPr lang="en-US" sz="3600" dirty="0">
-                <a:latin typeface="Times New Roman" panose="02020603050405020304" pitchFamily="18" charset="0"/>
-                <a:cs typeface="Times New Roman" panose="02020603050405020304" pitchFamily="18" charset="0"/>
-              </a:rPr>
-              <a:t> </a:t>
-            </a:r>
-            <a:r>
-              <a:rPr lang="en-US" sz="3600" dirty="0" err="1">
-                <a:latin typeface="Times New Roman" panose="02020603050405020304" pitchFamily="18" charset="0"/>
-                <a:cs typeface="Times New Roman" panose="02020603050405020304" pitchFamily="18" charset="0"/>
-              </a:rPr>
-              <a:t>diện</a:t>
-            </a:r>
-            <a:r>
-              <a:rPr lang="en-US" sz="3600" dirty="0">
-                <a:latin typeface="Times New Roman" panose="02020603050405020304" pitchFamily="18" charset="0"/>
-                <a:cs typeface="Times New Roman" panose="02020603050405020304" pitchFamily="18" charset="0"/>
-              </a:rPr>
-              <a:t> </a:t>
-            </a:r>
-            <a:r>
-              <a:rPr lang="en-US" sz="3600" dirty="0" err="1">
-                <a:latin typeface="Times New Roman" panose="02020603050405020304" pitchFamily="18" charset="0"/>
-                <a:cs typeface="Times New Roman" panose="02020603050405020304" pitchFamily="18" charset="0"/>
-              </a:rPr>
-              <a:t>hệ</a:t>
-            </a:r>
-            <a:r>
-              <a:rPr lang="en-US" sz="3600" dirty="0">
-                <a:latin typeface="Times New Roman" panose="02020603050405020304" pitchFamily="18" charset="0"/>
-                <a:cs typeface="Times New Roman" panose="02020603050405020304" pitchFamily="18" charset="0"/>
-              </a:rPr>
-              <a:t> </a:t>
-            </a:r>
-            <a:r>
-              <a:rPr lang="en-US" sz="3600" dirty="0" err="1">
-                <a:latin typeface="Times New Roman" panose="02020603050405020304" pitchFamily="18" charset="0"/>
-                <a:cs typeface="Times New Roman" panose="02020603050405020304" pitchFamily="18" charset="0"/>
-              </a:rPr>
-              <a:t>thống</a:t>
-            </a:r>
-            <a:endParaRPr lang="en-US" sz="3600" dirty="0">
-              <a:latin typeface="Times New Roman" panose="02020603050405020304" pitchFamily="18" charset="0"/>
-              <a:cs typeface="Times New Roman" panose="02020603050405020304" pitchFamily="18" charset="0"/>
-            </a:endParaRPr>
-          </a:p>
-        </p:txBody>
-      </p:sp>
-    </p:spTree>
-    <p:extLst>
-      <p:ext uri="{BB962C8B-B14F-4D97-AF65-F5344CB8AC3E}">
-        <p14:creationId xmlns:p14="http://schemas.microsoft.com/office/powerpoint/2010/main" val="3001457326"/>
       </p:ext>
     </p:extLst>
   </p:cSld>
@@ -16618,8 +17796,8 @@
         </p:nvSpPr>
         <p:spPr>
           <a:xfrm>
-            <a:off x="2025871" y="2929621"/>
-            <a:ext cx="8925841" cy="769441"/>
+            <a:off x="3231931" y="2244616"/>
+            <a:ext cx="6072496" cy="646331"/>
           </a:xfrm>
           <a:prstGeom prst="rect">
             <a:avLst/>
@@ -16633,13 +17811,76 @@
           <a:lstStyle/>
           <a:p>
             <a:r>
-              <a:rPr lang="en-US" sz="4400" smtClean="0">
-                <a:latin typeface="Times New Roman" panose="02020603050405020304" pitchFamily="18" charset="0"/>
-                <a:cs typeface="Times New Roman" panose="02020603050405020304" pitchFamily="18" charset="0"/>
-              </a:rPr>
-              <a:t>Cảm ơn thầy cô và các bạn đã theo dõi</a:t>
-            </a:r>
-            <a:endParaRPr lang="en-US" sz="4400" dirty="0">
+              <a:rPr lang="en-US" sz="3600" smtClean="0">
+                <a:latin typeface="Times New Roman" panose="02020603050405020304" pitchFamily="18" charset="0"/>
+                <a:cs typeface="Times New Roman" panose="02020603050405020304" pitchFamily="18" charset="0"/>
+              </a:rPr>
+              <a:t>4. Giới </a:t>
+            </a:r>
+            <a:r>
+              <a:rPr lang="en-US" sz="3600" dirty="0" err="1">
+                <a:latin typeface="Times New Roman" panose="02020603050405020304" pitchFamily="18" charset="0"/>
+                <a:cs typeface="Times New Roman" panose="02020603050405020304" pitchFamily="18" charset="0"/>
+              </a:rPr>
+              <a:t>thiệu</a:t>
+            </a:r>
+            <a:r>
+              <a:rPr lang="en-US" sz="3600" dirty="0">
+                <a:latin typeface="Times New Roman" panose="02020603050405020304" pitchFamily="18" charset="0"/>
+                <a:cs typeface="Times New Roman" panose="02020603050405020304" pitchFamily="18" charset="0"/>
+              </a:rPr>
+              <a:t> </a:t>
+            </a:r>
+            <a:r>
+              <a:rPr lang="en-US" sz="3600" dirty="0" err="1">
+                <a:latin typeface="Times New Roman" panose="02020603050405020304" pitchFamily="18" charset="0"/>
+                <a:cs typeface="Times New Roman" panose="02020603050405020304" pitchFamily="18" charset="0"/>
+              </a:rPr>
+              <a:t>giao</a:t>
+            </a:r>
+            <a:r>
+              <a:rPr lang="en-US" sz="3600" dirty="0">
+                <a:latin typeface="Times New Roman" panose="02020603050405020304" pitchFamily="18" charset="0"/>
+                <a:cs typeface="Times New Roman" panose="02020603050405020304" pitchFamily="18" charset="0"/>
+              </a:rPr>
+              <a:t> </a:t>
+            </a:r>
+            <a:r>
+              <a:rPr lang="en-US" sz="3600" dirty="0" err="1">
+                <a:latin typeface="Times New Roman" panose="02020603050405020304" pitchFamily="18" charset="0"/>
+                <a:cs typeface="Times New Roman" panose="02020603050405020304" pitchFamily="18" charset="0"/>
+              </a:rPr>
+              <a:t>diện</a:t>
+            </a:r>
+            <a:r>
+              <a:rPr lang="en-US" sz="3600" dirty="0">
+                <a:latin typeface="Times New Roman" panose="02020603050405020304" pitchFamily="18" charset="0"/>
+                <a:cs typeface="Times New Roman" panose="02020603050405020304" pitchFamily="18" charset="0"/>
+              </a:rPr>
+              <a:t> </a:t>
+            </a:r>
+            <a:r>
+              <a:rPr lang="en-US" sz="3600" dirty="0" err="1">
+                <a:latin typeface="Times New Roman" panose="02020603050405020304" pitchFamily="18" charset="0"/>
+                <a:cs typeface="Times New Roman" panose="02020603050405020304" pitchFamily="18" charset="0"/>
+              </a:rPr>
+              <a:t>hệ</a:t>
+            </a:r>
+            <a:r>
+              <a:rPr lang="en-US" sz="3600" dirty="0">
+                <a:latin typeface="Times New Roman" panose="02020603050405020304" pitchFamily="18" charset="0"/>
+                <a:cs typeface="Times New Roman" panose="02020603050405020304" pitchFamily="18" charset="0"/>
+              </a:rPr>
+              <a:t> </a:t>
+            </a:r>
+            <a:r>
+              <a:rPr lang="en-US" sz="3600" dirty="0" err="1">
+                <a:latin typeface="Times New Roman" panose="02020603050405020304" pitchFamily="18" charset="0"/>
+                <a:cs typeface="Times New Roman" panose="02020603050405020304" pitchFamily="18" charset="0"/>
+              </a:rPr>
+              <a:t>thống</a:t>
+            </a:r>
+            <a:endParaRPr lang="en-US" sz="3600" dirty="0">
               <a:latin typeface="Times New Roman" panose="02020603050405020304" pitchFamily="18" charset="0"/>
               <a:cs typeface="Times New Roman" panose="02020603050405020304" pitchFamily="18" charset="0"/>
             </a:endParaRPr>
@@ -16649,7 +17890,7 @@
     </p:spTree>
     <p:extLst>
       <p:ext uri="{BB962C8B-B14F-4D97-AF65-F5344CB8AC3E}">
-        <p14:creationId xmlns:p14="http://schemas.microsoft.com/office/powerpoint/2010/main" val="2174669940"/>
+        <p14:creationId xmlns:p14="http://schemas.microsoft.com/office/powerpoint/2010/main" val="3001457326"/>
       </p:ext>
     </p:extLst>
   </p:cSld>
@@ -16848,6 +18089,169 @@
     <p:extLst>
       <p:ext uri="{BB962C8B-B14F-4D97-AF65-F5344CB8AC3E}">
         <p14:creationId xmlns:p14="http://schemas.microsoft.com/office/powerpoint/2010/main" val="3519920700"/>
+      </p:ext>
+    </p:extLst>
+  </p:cSld>
+  <p:clrMapOvr>
+    <a:masterClrMapping/>
+  </p:clrMapOvr>
+  <p:timing>
+    <p:tnLst>
+      <p:par>
+        <p:cTn id="1" dur="indefinite" restart="never" nodeType="tmRoot"/>
+      </p:par>
+    </p:tnLst>
+  </p:timing>
+</p:sld>
+</file>
+
+<file path=ppt/slides/slide20.xml><?xml version="1.0" encoding="utf-8"?>
+<p:sld xmlns:a="http://schemas.openxmlformats.org/drawingml/2006/main" xmlns:r="http://schemas.openxmlformats.org/officeDocument/2006/relationships" xmlns:p="http://schemas.openxmlformats.org/presentationml/2006/main">
+  <p:cSld>
+    <p:spTree>
+      <p:nvGrpSpPr>
+        <p:cNvPr id="1" name=""/>
+        <p:cNvGrpSpPr/>
+        <p:nvPr/>
+      </p:nvGrpSpPr>
+      <p:grpSpPr>
+        <a:xfrm>
+          <a:off x="0" y="0"/>
+          <a:ext cx="0" cy="0"/>
+          <a:chOff x="0" y="0"/>
+          <a:chExt cx="0" cy="0"/>
+        </a:xfrm>
+      </p:grpSpPr>
+      <p:sp>
+        <p:nvSpPr>
+          <p:cNvPr id="4" name="TextBox 3"/>
+          <p:cNvSpPr txBox="1"/>
+          <p:nvPr/>
+        </p:nvSpPr>
+        <p:spPr>
+          <a:xfrm>
+            <a:off x="2025871" y="2929621"/>
+            <a:ext cx="8925841" cy="769441"/>
+          </a:xfrm>
+          <a:prstGeom prst="rect">
+            <a:avLst/>
+          </a:prstGeom>
+          <a:noFill/>
+        </p:spPr>
+        <p:txBody>
+          <a:bodyPr wrap="none" rtlCol="0">
+            <a:spAutoFit/>
+          </a:bodyPr>
+          <a:lstStyle/>
+          <a:p>
+            <a:r>
+              <a:rPr lang="en-US" sz="4400" smtClean="0">
+                <a:latin typeface="Times New Roman" panose="02020603050405020304" pitchFamily="18" charset="0"/>
+                <a:cs typeface="Times New Roman" panose="02020603050405020304" pitchFamily="18" charset="0"/>
+              </a:rPr>
+              <a:t>Cảm ơn thầy cô và các bạn đã theo dõi</a:t>
+            </a:r>
+            <a:endParaRPr lang="en-US" sz="4400" dirty="0">
+              <a:latin typeface="Times New Roman" panose="02020603050405020304" pitchFamily="18" charset="0"/>
+              <a:cs typeface="Times New Roman" panose="02020603050405020304" pitchFamily="18" charset="0"/>
+            </a:endParaRPr>
+          </a:p>
+        </p:txBody>
+      </p:sp>
+    </p:spTree>
+    <p:extLst>
+      <p:ext uri="{BB962C8B-B14F-4D97-AF65-F5344CB8AC3E}">
+        <p14:creationId xmlns:p14="http://schemas.microsoft.com/office/powerpoint/2010/main" val="2174669940"/>
+      </p:ext>
+    </p:extLst>
+  </p:cSld>
+  <p:clrMapOvr>
+    <a:masterClrMapping/>
+  </p:clrMapOvr>
+  <p:timing>
+    <p:tnLst>
+      <p:par>
+        <p:cTn id="1" dur="indefinite" restart="never" nodeType="tmRoot"/>
+      </p:par>
+    </p:tnLst>
+  </p:timing>
+</p:sld>
+</file>
+
+<file path=ppt/slides/slide21.xml><?xml version="1.0" encoding="utf-8"?>
+<p:sld xmlns:a="http://schemas.openxmlformats.org/drawingml/2006/main" xmlns:r="http://schemas.openxmlformats.org/officeDocument/2006/relationships" xmlns:p="http://schemas.openxmlformats.org/presentationml/2006/main">
+  <p:cSld>
+    <p:spTree>
+      <p:nvGrpSpPr>
+        <p:cNvPr id="1" name=""/>
+        <p:cNvGrpSpPr/>
+        <p:nvPr/>
+      </p:nvGrpSpPr>
+      <p:grpSpPr>
+        <a:xfrm>
+          <a:off x="0" y="0"/>
+          <a:ext cx="0" cy="0"/>
+          <a:chOff x="0" y="0"/>
+          <a:chExt cx="0" cy="0"/>
+        </a:xfrm>
+      </p:grpSpPr>
+      <p:sp>
+        <p:nvSpPr>
+          <p:cNvPr id="4" name="Rectangle 3"/>
+          <p:cNvSpPr/>
+          <p:nvPr/>
+        </p:nvSpPr>
+        <p:spPr>
+          <a:xfrm>
+            <a:off x="1891862" y="1229710"/>
+            <a:ext cx="7252138" cy="1477328"/>
+          </a:xfrm>
+          <a:prstGeom prst="rect">
+            <a:avLst/>
+          </a:prstGeom>
+        </p:spPr>
+        <p:txBody>
+          <a:bodyPr wrap="square">
+            <a:spAutoFit/>
+          </a:bodyPr>
+          <a:lstStyle/>
+          <a:p>
+            <a:r>
+              <a:rPr lang="en-US"/>
+              <a:t>Thêm thiết kế cơ sở dữ liệu.</a:t>
+            </a:r>
+          </a:p>
+          <a:p>
+            <a:r>
+              <a:rPr lang="en-US"/>
+              <a:t>Công nghệ sử dụng</a:t>
+            </a:r>
+          </a:p>
+          <a:p>
+            <a:r>
+              <a:rPr lang="en-US"/>
+              <a:t>Ngôn ngữ sử dụng</a:t>
+            </a:r>
+          </a:p>
+          <a:p>
+            <a:r>
+              <a:rPr lang="en-US"/>
+              <a:t>Mô hình thiết </a:t>
+            </a:r>
+            <a:r>
+              <a:rPr lang="en-US" smtClean="0"/>
+              <a:t>kế</a:t>
+            </a:r>
+          </a:p>
+          <a:p>
+            <a:endParaRPr lang="en-US"/>
+          </a:p>
+        </p:txBody>
+      </p:sp>
+    </p:spTree>
+    <p:extLst>
+      <p:ext uri="{BB962C8B-B14F-4D97-AF65-F5344CB8AC3E}">
+        <p14:creationId xmlns:p14="http://schemas.microsoft.com/office/powerpoint/2010/main" val="1436063888"/>
       </p:ext>
     </p:extLst>
   </p:cSld>
@@ -17229,7 +18633,7 @@
         <p:spPr>
           <a:xfrm>
             <a:off x="1423416" y="2147721"/>
-            <a:ext cx="9805414" cy="2246769"/>
+            <a:ext cx="9805414" cy="1384995"/>
           </a:xfrm>
           <a:prstGeom prst="rect">
             <a:avLst/>
@@ -17268,35 +18672,21 @@
                 <a:latin typeface="Times New Roman" panose="02020603050405020304" pitchFamily="18" charset="0"/>
                 <a:cs typeface="Times New Roman" panose="02020603050405020304" pitchFamily="18" charset="0"/>
               </a:rPr>
-              <a:t>thực hiện bởi một tập thể (có thể có chuyên môn khác </a:t>
+              <a:t>thực hiện bởi một tập </a:t>
             </a:r>
             <a:r>
               <a:rPr lang="vi-VN" sz="2800" smtClean="0">
                 <a:latin typeface="Times New Roman" panose="02020603050405020304" pitchFamily="18" charset="0"/>
                 <a:cs typeface="Times New Roman" panose="02020603050405020304" pitchFamily="18" charset="0"/>
               </a:rPr>
-              <a:t>nhau,</a:t>
-            </a:r>
-            <a:r>
-              <a:rPr lang="en-US" sz="2800">
+              <a:t>thể</a:t>
+            </a:r>
+            <a:r>
+              <a:rPr lang="en-US" sz="2800" smtClean="0">
                 <a:latin typeface="Times New Roman" panose="02020603050405020304" pitchFamily="18" charset="0"/>
                 <a:cs typeface="Times New Roman" panose="02020603050405020304" pitchFamily="18" charset="0"/>
               </a:rPr>
               <a:t> </a:t>
-            </a:r>
-            <a:r>
-              <a:rPr lang="vi-VN" sz="2800" smtClean="0">
-                <a:latin typeface="Times New Roman" panose="02020603050405020304" pitchFamily="18" charset="0"/>
-                <a:cs typeface="Times New Roman" panose="02020603050405020304" pitchFamily="18" charset="0"/>
-              </a:rPr>
-              <a:t>thực </a:t>
-            </a:r>
-            <a:r>
-              <a:rPr lang="vi-VN" sz="2800">
-                <a:latin typeface="Times New Roman" panose="02020603050405020304" pitchFamily="18" charset="0"/>
-                <a:cs typeface="Times New Roman" panose="02020603050405020304" pitchFamily="18" charset="0"/>
-              </a:rPr>
-              <a:t>hiện công việc khác nhau, thời gian tham gia dự án khác nhau) </a:t>
             </a:r>
             <a:r>
               <a:rPr lang="vi-VN" sz="2800" smtClean="0">
@@ -17468,7 +18858,7 @@
           <p:nvPr/>
         </p:nvPicPr>
         <p:blipFill>
-          <a:blip r:embed="rId2">
+          <a:blip r:embed="rId3">
             <a:extLst>
               <a:ext uri="{28A0092B-C50C-407E-A947-70E740481C1C}">
                 <a14:useLocalDpi xmlns:a14="http://schemas.microsoft.com/office/drawing/2010/main" val="0"/>
@@ -17810,7 +19200,7 @@
         <p:spPr>
           <a:xfrm>
             <a:off x="3232294" y="5352062"/>
-            <a:ext cx="7050328" cy="523220"/>
+            <a:ext cx="6070893" cy="461665"/>
           </a:xfrm>
           <a:prstGeom prst="rect">
             <a:avLst/>
@@ -17823,14 +19213,14 @@
           <a:lstStyle/>
           <a:p>
             <a:r>
-              <a:rPr lang="en-US" sz="2800">
+              <a:rPr lang="en-US" sz="2400">
                 <a:latin typeface="Times New Roman" panose="02020603050405020304" pitchFamily="18" charset="0"/>
                 <a:ea typeface="MS Mincho" panose="02020609040205080304" pitchFamily="49" charset="-128"/>
                 <a:cs typeface="Times New Roman" panose="02020603050405020304" pitchFamily="18" charset="0"/>
               </a:rPr>
               <a:t>Thống kê kết quả dự án phần mềm qua các năm</a:t>
             </a:r>
-            <a:endParaRPr lang="en-US" sz="2800">
+            <a:endParaRPr lang="en-US" sz="2400">
               <a:latin typeface="Times New Roman" panose="02020603050405020304" pitchFamily="18" charset="0"/>
               <a:cs typeface="Times New Roman" panose="02020603050405020304" pitchFamily="18" charset="0"/>
             </a:endParaRPr>
@@ -17870,6 +19260,43 @@
               <a:t>Giới thiệu tổng quan về đề tài</a:t>
             </a:r>
             <a:endParaRPr lang="en-US" sz="2800" b="1" dirty="0">
+              <a:latin typeface="Times New Roman" panose="02020603050405020304" pitchFamily="18" charset="0"/>
+              <a:cs typeface="Times New Roman" panose="02020603050405020304" pitchFamily="18" charset="0"/>
+            </a:endParaRPr>
+          </a:p>
+        </p:txBody>
+      </p:sp>
+      <p:sp>
+        <p:nvSpPr>
+          <p:cNvPr id="6" name="TextBox 5"/>
+          <p:cNvSpPr txBox="1"/>
+          <p:nvPr/>
+        </p:nvSpPr>
+        <p:spPr>
+          <a:xfrm>
+            <a:off x="1718442" y="6009168"/>
+            <a:ext cx="7247497" cy="523220"/>
+          </a:xfrm>
+          <a:prstGeom prst="rect">
+            <a:avLst/>
+          </a:prstGeom>
+          <a:noFill/>
+        </p:spPr>
+        <p:txBody>
+          <a:bodyPr wrap="none" rtlCol="0">
+            <a:spAutoFit/>
+          </a:bodyPr>
+          <a:lstStyle/>
+          <a:p>
+            <a:r>
+              <a:rPr lang="en-US" sz="2800" smtClean="0">
+                <a:latin typeface="Times New Roman" panose="02020603050405020304" pitchFamily="18" charset="0"/>
+                <a:cs typeface="Times New Roman" panose="02020603050405020304" pitchFamily="18" charset="0"/>
+                <a:sym typeface="Wingdings" panose="05000000000000000000" pitchFamily="2" charset="2"/>
+              </a:rPr>
+              <a:t> Xây dựng ứng dụng quản lý dự án phần mềm</a:t>
+            </a:r>
+            <a:endParaRPr lang="en-US" sz="2800">
               <a:latin typeface="Times New Roman" panose="02020603050405020304" pitchFamily="18" charset="0"/>
               <a:cs typeface="Times New Roman" panose="02020603050405020304" pitchFamily="18" charset="0"/>
             </a:endParaRPr>
@@ -17915,217 +19342,37 @@
       </p:grpSpPr>
       <p:sp>
         <p:nvSpPr>
-          <p:cNvPr id="4" name="TextBox 3"/>
-          <p:cNvSpPr txBox="1"/>
+          <p:cNvPr id="2" name="Rectangle 1"/>
+          <p:cNvSpPr/>
           <p:nvPr/>
         </p:nvSpPr>
         <p:spPr>
           <a:xfrm>
-            <a:off x="1474077" y="1190297"/>
-            <a:ext cx="3898824" cy="523220"/>
+            <a:off x="1002814" y="406541"/>
+            <a:ext cx="5254965" cy="523220"/>
           </a:xfrm>
           <a:prstGeom prst="rect">
             <a:avLst/>
           </a:prstGeom>
-          <a:noFill/>
         </p:spPr>
         <p:txBody>
-          <a:bodyPr wrap="none" rtlCol="0">
+          <a:bodyPr wrap="none">
             <a:spAutoFit/>
           </a:bodyPr>
           <a:lstStyle/>
           <a:p>
-            <a:r>
-              <a:rPr lang="en-US" sz="2800" smtClean="0">
-                <a:latin typeface="Times New Roman" panose="02020603050405020304" pitchFamily="18" charset="0"/>
-                <a:cs typeface="Times New Roman" panose="02020603050405020304" pitchFamily="18" charset="0"/>
-              </a:rPr>
-              <a:t>c.  Mục </a:t>
-            </a:r>
-            <a:r>
-              <a:rPr lang="en-US" sz="2800" dirty="0" err="1">
-                <a:latin typeface="Times New Roman" panose="02020603050405020304" pitchFamily="18" charset="0"/>
-                <a:cs typeface="Times New Roman" panose="02020603050405020304" pitchFamily="18" charset="0"/>
-              </a:rPr>
-              <a:t>đích</a:t>
-            </a:r>
-            <a:r>
-              <a:rPr lang="en-US" sz="2800" dirty="0">
-                <a:latin typeface="Times New Roman" panose="02020603050405020304" pitchFamily="18" charset="0"/>
-                <a:cs typeface="Times New Roman" panose="02020603050405020304" pitchFamily="18" charset="0"/>
-              </a:rPr>
-              <a:t> </a:t>
-            </a:r>
-            <a:r>
-              <a:rPr lang="en-US" sz="2800" dirty="0" err="1">
-                <a:latin typeface="Times New Roman" panose="02020603050405020304" pitchFamily="18" charset="0"/>
-                <a:cs typeface="Times New Roman" panose="02020603050405020304" pitchFamily="18" charset="0"/>
-              </a:rPr>
-              <a:t>của</a:t>
-            </a:r>
-            <a:r>
-              <a:rPr lang="en-US" sz="2800" dirty="0">
-                <a:latin typeface="Times New Roman" panose="02020603050405020304" pitchFamily="18" charset="0"/>
-                <a:cs typeface="Times New Roman" panose="02020603050405020304" pitchFamily="18" charset="0"/>
-              </a:rPr>
-              <a:t> </a:t>
-            </a:r>
-            <a:r>
-              <a:rPr lang="en-US" sz="2800" dirty="0" err="1">
-                <a:latin typeface="Times New Roman" panose="02020603050405020304" pitchFamily="18" charset="0"/>
-                <a:cs typeface="Times New Roman" panose="02020603050405020304" pitchFamily="18" charset="0"/>
-              </a:rPr>
-              <a:t>hệ</a:t>
-            </a:r>
-            <a:r>
-              <a:rPr lang="en-US" sz="2800" dirty="0">
-                <a:latin typeface="Times New Roman" panose="02020603050405020304" pitchFamily="18" charset="0"/>
-                <a:cs typeface="Times New Roman" panose="02020603050405020304" pitchFamily="18" charset="0"/>
-              </a:rPr>
-              <a:t> </a:t>
-            </a:r>
-            <a:r>
-              <a:rPr lang="en-US" sz="2800" dirty="0" err="1">
-                <a:latin typeface="Times New Roman" panose="02020603050405020304" pitchFamily="18" charset="0"/>
-                <a:cs typeface="Times New Roman" panose="02020603050405020304" pitchFamily="18" charset="0"/>
-              </a:rPr>
-              <a:t>thống</a:t>
-            </a:r>
-            <a:endParaRPr lang="en-US" sz="2800" dirty="0">
-              <a:latin typeface="Times New Roman" panose="02020603050405020304" pitchFamily="18" charset="0"/>
-              <a:cs typeface="Times New Roman" panose="02020603050405020304" pitchFamily="18" charset="0"/>
-            </a:endParaRPr>
-          </a:p>
-        </p:txBody>
-      </p:sp>
-      <p:sp>
-        <p:nvSpPr>
-          <p:cNvPr id="2" name="TextBox 1"/>
-          <p:cNvSpPr txBox="1"/>
-          <p:nvPr/>
-        </p:nvSpPr>
-        <p:spPr>
-          <a:xfrm>
-            <a:off x="1474077" y="2159876"/>
-            <a:ext cx="9427779" cy="2677656"/>
-          </a:xfrm>
-          <a:prstGeom prst="rect">
-            <a:avLst/>
-          </a:prstGeom>
-          <a:noFill/>
-        </p:spPr>
-        <p:txBody>
-          <a:bodyPr wrap="square" rtlCol="0">
-            <a:spAutoFit/>
-          </a:bodyPr>
-          <a:lstStyle/>
-          <a:p>
-            <a:r>
-              <a:rPr lang="en-US" sz="2800" smtClean="0">
-                <a:latin typeface="Times New Roman" panose="02020603050405020304" pitchFamily="18" charset="0"/>
-                <a:cs typeface="Times New Roman" panose="02020603050405020304" pitchFamily="18" charset="0"/>
-              </a:rPr>
-              <a:t>Tạo ra website có thể:</a:t>
-            </a:r>
-          </a:p>
-          <a:p>
-            <a:pPr marL="457200" lvl="0" indent="-457200">
-              <a:buFont typeface="Wingdings" panose="05000000000000000000" pitchFamily="2" charset="2"/>
-              <a:buChar char="ü"/>
+            <a:pPr marL="514350" indent="-514350">
+              <a:buFont typeface="+mj-lt"/>
+              <a:buAutoNum type="arabicPeriod"/>
             </a:pPr>
             <a:r>
-              <a:rPr lang="en-US" sz="2800" smtClean="0">
-                <a:latin typeface="Times New Roman" panose="02020603050405020304" pitchFamily="18" charset="0"/>
-                <a:cs typeface="Times New Roman" panose="02020603050405020304" pitchFamily="18" charset="0"/>
-              </a:rPr>
-              <a:t>Tạo </a:t>
-            </a:r>
-            <a:r>
-              <a:rPr lang="en-US" sz="2800">
-                <a:latin typeface="Times New Roman" panose="02020603050405020304" pitchFamily="18" charset="0"/>
-                <a:cs typeface="Times New Roman" panose="02020603050405020304" pitchFamily="18" charset="0"/>
-              </a:rPr>
-              <a:t>mới, quản lý, thống </a:t>
-            </a:r>
-            <a:r>
-              <a:rPr lang="en-US" sz="2800" smtClean="0">
-                <a:latin typeface="Times New Roman" panose="02020603050405020304" pitchFamily="18" charset="0"/>
-                <a:cs typeface="Times New Roman" panose="02020603050405020304" pitchFamily="18" charset="0"/>
-              </a:rPr>
-              <a:t>kê </a:t>
-            </a:r>
-            <a:r>
-              <a:rPr lang="en-US" sz="2800">
-                <a:latin typeface="Times New Roman" panose="02020603050405020304" pitchFamily="18" charset="0"/>
-                <a:cs typeface="Times New Roman" panose="02020603050405020304" pitchFamily="18" charset="0"/>
-              </a:rPr>
-              <a:t>công việc trong dự án </a:t>
-            </a:r>
-            <a:r>
-              <a:rPr lang="en-US" sz="2800" smtClean="0">
-                <a:latin typeface="Times New Roman" panose="02020603050405020304" pitchFamily="18" charset="0"/>
-                <a:cs typeface="Times New Roman" panose="02020603050405020304" pitchFamily="18" charset="0"/>
-              </a:rPr>
-              <a:t>nhanh </a:t>
-            </a:r>
-            <a:r>
-              <a:rPr lang="en-US" sz="2800">
-                <a:latin typeface="Times New Roman" panose="02020603050405020304" pitchFamily="18" charset="0"/>
-                <a:cs typeface="Times New Roman" panose="02020603050405020304" pitchFamily="18" charset="0"/>
-              </a:rPr>
-              <a:t>chóng, chính xác, đồng bộ và đầy đủ thông tin.</a:t>
-            </a:r>
-          </a:p>
-          <a:p>
-            <a:pPr marL="457200" lvl="0" indent="-457200">
-              <a:buFont typeface="Wingdings" panose="05000000000000000000" pitchFamily="2" charset="2"/>
-              <a:buChar char="ü"/>
-            </a:pPr>
-            <a:r>
-              <a:rPr lang="en-US" sz="2800">
-                <a:latin typeface="Times New Roman" panose="02020603050405020304" pitchFamily="18" charset="0"/>
-                <a:cs typeface="Times New Roman" panose="02020603050405020304" pitchFamily="18" charset="0"/>
-              </a:rPr>
-              <a:t>C</a:t>
-            </a:r>
-            <a:r>
-              <a:rPr lang="en-US" sz="2800" smtClean="0">
-                <a:latin typeface="Times New Roman" panose="02020603050405020304" pitchFamily="18" charset="0"/>
-                <a:cs typeface="Times New Roman" panose="02020603050405020304" pitchFamily="18" charset="0"/>
-              </a:rPr>
-              <a:t>ác </a:t>
-            </a:r>
-            <a:r>
-              <a:rPr lang="en-US" sz="2800">
-                <a:latin typeface="Times New Roman" panose="02020603050405020304" pitchFamily="18" charset="0"/>
-                <a:cs typeface="Times New Roman" panose="02020603050405020304" pitchFamily="18" charset="0"/>
-              </a:rPr>
-              <a:t>thành viên tham gia dự án có thể quản lý thời gian thực </a:t>
-            </a:r>
-            <a:r>
-              <a:rPr lang="en-US" sz="2800" smtClean="0">
-                <a:latin typeface="Times New Roman" panose="02020603050405020304" pitchFamily="18" charset="0"/>
-                <a:cs typeface="Times New Roman" panose="02020603050405020304" pitchFamily="18" charset="0"/>
-              </a:rPr>
-              <a:t>hiện </a:t>
-            </a:r>
-            <a:r>
-              <a:rPr lang="en-US" sz="2800">
-                <a:latin typeface="Times New Roman" panose="02020603050405020304" pitchFamily="18" charset="0"/>
-                <a:cs typeface="Times New Roman" panose="02020603050405020304" pitchFamily="18" charset="0"/>
-              </a:rPr>
-              <a:t>công việc của mình.</a:t>
-            </a:r>
-          </a:p>
-          <a:p>
-            <a:r>
-              <a:rPr lang="en-US" sz="2800" smtClean="0">
-                <a:latin typeface="Times New Roman" panose="02020603050405020304" pitchFamily="18" charset="0"/>
-                <a:cs typeface="Times New Roman" panose="02020603050405020304" pitchFamily="18" charset="0"/>
-              </a:rPr>
-              <a:t> </a:t>
-            </a:r>
-            <a:endParaRPr lang="en-US" sz="2800">
+              <a:rPr lang="en-US" sz="2800" b="1">
+                <a:latin typeface="Times New Roman" panose="02020603050405020304" pitchFamily="18" charset="0"/>
+                <a:cs typeface="Times New Roman" panose="02020603050405020304" pitchFamily="18" charset="0"/>
+              </a:rPr>
+              <a:t>Giới thiệu tổng quan về đề tài</a:t>
+            </a:r>
+            <a:endParaRPr lang="en-US" sz="2800" b="1" dirty="0">
               <a:latin typeface="Times New Roman" panose="02020603050405020304" pitchFamily="18" charset="0"/>
               <a:cs typeface="Times New Roman" panose="02020603050405020304" pitchFamily="18" charset="0"/>
             </a:endParaRPr>
@@ -18140,8 +19387,8 @@
         </p:nvSpPr>
         <p:spPr>
           <a:xfrm>
-            <a:off x="1372741" y="220718"/>
-            <a:ext cx="4976042" cy="523220"/>
+            <a:off x="1002814" y="1100223"/>
+            <a:ext cx="6922088" cy="523220"/>
           </a:xfrm>
           <a:prstGeom prst="rect">
             <a:avLst/>
@@ -18153,16 +19400,12 @@
           </a:bodyPr>
           <a:lstStyle/>
           <a:p>
-            <a:pPr marL="514350" indent="-514350">
-              <a:buFont typeface="+mj-lt"/>
-              <a:buAutoNum type="arabicPeriod"/>
-            </a:pPr>
-            <a:r>
-              <a:rPr lang="en-US" sz="2800">
-                <a:latin typeface="Times New Roman" panose="02020603050405020304" pitchFamily="18" charset="0"/>
-                <a:cs typeface="Times New Roman" panose="02020603050405020304" pitchFamily="18" charset="0"/>
-              </a:rPr>
-              <a:t>Giới thiệu tổng quan về đề tài</a:t>
+            <a:r>
+              <a:rPr lang="en-US" sz="2800" smtClean="0">
+                <a:latin typeface="Times New Roman" panose="02020603050405020304" pitchFamily="18" charset="0"/>
+                <a:cs typeface="Times New Roman" panose="02020603050405020304" pitchFamily="18" charset="0"/>
+              </a:rPr>
+              <a:t>c. Công việc trong một dự án phần mềm cụ thể</a:t>
             </a:r>
             <a:endParaRPr lang="en-US" sz="2800" dirty="0">
               <a:latin typeface="Times New Roman" panose="02020603050405020304" pitchFamily="18" charset="0"/>
@@ -18171,10 +19414,550 @@
           </a:p>
         </p:txBody>
       </p:sp>
+      <p:pic>
+        <p:nvPicPr>
+          <p:cNvPr id="4" name="Picture 3"/>
+          <p:cNvPicPr>
+            <a:picLocks noChangeAspect="1"/>
+          </p:cNvPicPr>
+          <p:nvPr/>
+        </p:nvPicPr>
+        <p:blipFill>
+          <a:blip r:embed="rId3">
+            <a:extLst>
+              <a:ext uri="{28A0092B-C50C-407E-A947-70E740481C1C}">
+                <a14:useLocalDpi xmlns:a14="http://schemas.microsoft.com/office/drawing/2010/main" val="0"/>
+              </a:ext>
+            </a:extLst>
+          </a:blip>
+          <a:stretch>
+            <a:fillRect/>
+          </a:stretch>
+        </p:blipFill>
+        <p:spPr>
+          <a:xfrm>
+            <a:off x="4556317" y="4705768"/>
+            <a:ext cx="3155566" cy="2625033"/>
+          </a:xfrm>
+          <a:prstGeom prst="rect">
+            <a:avLst/>
+          </a:prstGeom>
+        </p:spPr>
+      </p:pic>
+      <p:pic>
+        <p:nvPicPr>
+          <p:cNvPr id="8" name="Picture 7"/>
+          <p:cNvPicPr>
+            <a:picLocks noChangeAspect="1"/>
+          </p:cNvPicPr>
+          <p:nvPr/>
+        </p:nvPicPr>
+        <p:blipFill>
+          <a:blip r:embed="rId4">
+            <a:extLst>
+              <a:ext uri="{28A0092B-C50C-407E-A947-70E740481C1C}">
+                <a14:useLocalDpi xmlns:a14="http://schemas.microsoft.com/office/drawing/2010/main" val="0"/>
+              </a:ext>
+            </a:extLst>
+          </a:blip>
+          <a:stretch>
+            <a:fillRect/>
+          </a:stretch>
+        </p:blipFill>
+        <p:spPr>
+          <a:xfrm>
+            <a:off x="2704085" y="4733437"/>
+            <a:ext cx="1142507" cy="1142507"/>
+          </a:xfrm>
+          <a:prstGeom prst="rect">
+            <a:avLst/>
+          </a:prstGeom>
+        </p:spPr>
+      </p:pic>
+      <p:pic>
+        <p:nvPicPr>
+          <p:cNvPr id="9" name="Picture 8"/>
+          <p:cNvPicPr>
+            <a:picLocks noChangeAspect="1"/>
+          </p:cNvPicPr>
+          <p:nvPr/>
+        </p:nvPicPr>
+        <p:blipFill>
+          <a:blip r:embed="rId5">
+            <a:extLst>
+              <a:ext uri="{28A0092B-C50C-407E-A947-70E740481C1C}">
+                <a14:useLocalDpi xmlns:a14="http://schemas.microsoft.com/office/drawing/2010/main" val="0"/>
+              </a:ext>
+            </a:extLst>
+          </a:blip>
+          <a:stretch>
+            <a:fillRect/>
+          </a:stretch>
+        </p:blipFill>
+        <p:spPr>
+          <a:xfrm>
+            <a:off x="5327243" y="3372504"/>
+            <a:ext cx="1738915" cy="1178114"/>
+          </a:xfrm>
+          <a:prstGeom prst="rect">
+            <a:avLst/>
+          </a:prstGeom>
+        </p:spPr>
+      </p:pic>
+      <p:pic>
+        <p:nvPicPr>
+          <p:cNvPr id="10" name="Picture 9"/>
+          <p:cNvPicPr>
+            <a:picLocks noChangeAspect="1"/>
+          </p:cNvPicPr>
+          <p:nvPr/>
+        </p:nvPicPr>
+        <p:blipFill>
+          <a:blip r:embed="rId6">
+            <a:extLst>
+              <a:ext uri="{28A0092B-C50C-407E-A947-70E740481C1C}">
+                <a14:useLocalDpi xmlns:a14="http://schemas.microsoft.com/office/drawing/2010/main" val="0"/>
+              </a:ext>
+            </a:extLst>
+          </a:blip>
+          <a:stretch>
+            <a:fillRect/>
+          </a:stretch>
+        </p:blipFill>
+        <p:spPr>
+          <a:xfrm>
+            <a:off x="8468900" y="4593462"/>
+            <a:ext cx="1267162" cy="1267162"/>
+          </a:xfrm>
+          <a:prstGeom prst="rect">
+            <a:avLst/>
+          </a:prstGeom>
+        </p:spPr>
+      </p:pic>
+      <p:pic>
+        <p:nvPicPr>
+          <p:cNvPr id="11" name="Picture 10"/>
+          <p:cNvPicPr>
+            <a:picLocks noChangeAspect="1"/>
+          </p:cNvPicPr>
+          <p:nvPr/>
+        </p:nvPicPr>
+        <p:blipFill>
+          <a:blip r:embed="rId7">
+            <a:extLst>
+              <a:ext uri="{28A0092B-C50C-407E-A947-70E740481C1C}">
+                <a14:useLocalDpi xmlns:a14="http://schemas.microsoft.com/office/drawing/2010/main" val="0"/>
+              </a:ext>
+            </a:extLst>
+          </a:blip>
+          <a:stretch>
+            <a:fillRect/>
+          </a:stretch>
+        </p:blipFill>
+        <p:spPr>
+          <a:xfrm>
+            <a:off x="633938" y="2583048"/>
+            <a:ext cx="1880961" cy="1768103"/>
+          </a:xfrm>
+          <a:prstGeom prst="rect">
+            <a:avLst/>
+          </a:prstGeom>
+        </p:spPr>
+      </p:pic>
+      <p:sp>
+        <p:nvSpPr>
+          <p:cNvPr id="12" name="Down Arrow 11"/>
+          <p:cNvSpPr/>
+          <p:nvPr/>
+        </p:nvSpPr>
+        <p:spPr>
+          <a:xfrm rot="8152835">
+            <a:off x="2301766" y="4351278"/>
+            <a:ext cx="418085" cy="362607"/>
+          </a:xfrm>
+          <a:prstGeom prst="downArrow">
+            <a:avLst/>
+          </a:prstGeom>
+        </p:spPr>
+        <p:style>
+          <a:lnRef idx="2">
+            <a:schemeClr val="accent1">
+              <a:shade val="50000"/>
+            </a:schemeClr>
+          </a:lnRef>
+          <a:fillRef idx="1">
+            <a:schemeClr val="accent1"/>
+          </a:fillRef>
+          <a:effectRef idx="0">
+            <a:schemeClr val="accent1"/>
+          </a:effectRef>
+          <a:fontRef idx="minor">
+            <a:schemeClr val="lt1"/>
+          </a:fontRef>
+        </p:style>
+        <p:txBody>
+          <a:bodyPr rtlCol="0" anchor="ctr"/>
+          <a:lstStyle/>
+          <a:p>
+            <a:pPr algn="ctr"/>
+            <a:endParaRPr lang="en-US"/>
+          </a:p>
+        </p:txBody>
+      </p:sp>
+      <p:sp>
+        <p:nvSpPr>
+          <p:cNvPr id="13" name="Down Arrow 12"/>
+          <p:cNvSpPr/>
+          <p:nvPr/>
+        </p:nvSpPr>
+        <p:spPr>
+          <a:xfrm rot="8152835">
+            <a:off x="4000845" y="5836980"/>
+            <a:ext cx="418085" cy="362607"/>
+          </a:xfrm>
+          <a:prstGeom prst="downArrow">
+            <a:avLst/>
+          </a:prstGeom>
+        </p:spPr>
+        <p:style>
+          <a:lnRef idx="2">
+            <a:schemeClr val="accent1">
+              <a:shade val="50000"/>
+            </a:schemeClr>
+          </a:lnRef>
+          <a:fillRef idx="1">
+            <a:schemeClr val="accent1"/>
+          </a:fillRef>
+          <a:effectRef idx="0">
+            <a:schemeClr val="accent1"/>
+          </a:effectRef>
+          <a:fontRef idx="minor">
+            <a:schemeClr val="lt1"/>
+          </a:fontRef>
+        </p:style>
+        <p:txBody>
+          <a:bodyPr rtlCol="0" anchor="ctr"/>
+          <a:lstStyle/>
+          <a:p>
+            <a:pPr algn="ctr"/>
+            <a:endParaRPr lang="en-US"/>
+          </a:p>
+        </p:txBody>
+      </p:sp>
+      <p:sp>
+        <p:nvSpPr>
+          <p:cNvPr id="14" name="Down Arrow 13"/>
+          <p:cNvSpPr/>
+          <p:nvPr/>
+        </p:nvSpPr>
+        <p:spPr>
+          <a:xfrm rot="10800000">
+            <a:off x="5772452" y="4650698"/>
+            <a:ext cx="418085" cy="362607"/>
+          </a:xfrm>
+          <a:prstGeom prst="downArrow">
+            <a:avLst/>
+          </a:prstGeom>
+        </p:spPr>
+        <p:style>
+          <a:lnRef idx="2">
+            <a:schemeClr val="accent1">
+              <a:shade val="50000"/>
+            </a:schemeClr>
+          </a:lnRef>
+          <a:fillRef idx="1">
+            <a:schemeClr val="accent1"/>
+          </a:fillRef>
+          <a:effectRef idx="0">
+            <a:schemeClr val="accent1"/>
+          </a:effectRef>
+          <a:fontRef idx="minor">
+            <a:schemeClr val="lt1"/>
+          </a:fontRef>
+        </p:style>
+        <p:txBody>
+          <a:bodyPr rtlCol="0" anchor="ctr"/>
+          <a:lstStyle/>
+          <a:p>
+            <a:pPr algn="ctr"/>
+            <a:endParaRPr lang="en-US"/>
+          </a:p>
+        </p:txBody>
+      </p:sp>
+      <p:sp>
+        <p:nvSpPr>
+          <p:cNvPr id="15" name="Down Arrow 14"/>
+          <p:cNvSpPr/>
+          <p:nvPr/>
+        </p:nvSpPr>
+        <p:spPr>
+          <a:xfrm rot="10800000">
+            <a:off x="5788215" y="2721454"/>
+            <a:ext cx="418085" cy="362607"/>
+          </a:xfrm>
+          <a:prstGeom prst="downArrow">
+            <a:avLst/>
+          </a:prstGeom>
+        </p:spPr>
+        <p:style>
+          <a:lnRef idx="2">
+            <a:schemeClr val="accent1">
+              <a:shade val="50000"/>
+            </a:schemeClr>
+          </a:lnRef>
+          <a:fillRef idx="1">
+            <a:schemeClr val="accent1"/>
+          </a:fillRef>
+          <a:effectRef idx="0">
+            <a:schemeClr val="accent1"/>
+          </a:effectRef>
+          <a:fontRef idx="minor">
+            <a:schemeClr val="lt1"/>
+          </a:fontRef>
+        </p:style>
+        <p:txBody>
+          <a:bodyPr rtlCol="0" anchor="ctr"/>
+          <a:lstStyle/>
+          <a:p>
+            <a:pPr algn="ctr"/>
+            <a:endParaRPr lang="en-US"/>
+          </a:p>
+        </p:txBody>
+      </p:sp>
+      <p:sp>
+        <p:nvSpPr>
+          <p:cNvPr id="16" name="Down Arrow 15"/>
+          <p:cNvSpPr/>
+          <p:nvPr/>
+        </p:nvSpPr>
+        <p:spPr>
+          <a:xfrm rot="14365942">
+            <a:off x="7984561" y="5561297"/>
+            <a:ext cx="418085" cy="362607"/>
+          </a:xfrm>
+          <a:prstGeom prst="downArrow">
+            <a:avLst/>
+          </a:prstGeom>
+        </p:spPr>
+        <p:style>
+          <a:lnRef idx="2">
+            <a:schemeClr val="accent1">
+              <a:shade val="50000"/>
+            </a:schemeClr>
+          </a:lnRef>
+          <a:fillRef idx="1">
+            <a:schemeClr val="accent1"/>
+          </a:fillRef>
+          <a:effectRef idx="0">
+            <a:schemeClr val="accent1"/>
+          </a:effectRef>
+          <a:fontRef idx="minor">
+            <a:schemeClr val="lt1"/>
+          </a:fontRef>
+        </p:style>
+        <p:txBody>
+          <a:bodyPr rtlCol="0" anchor="ctr"/>
+          <a:lstStyle/>
+          <a:p>
+            <a:pPr algn="ctr"/>
+            <a:endParaRPr lang="en-US"/>
+          </a:p>
+        </p:txBody>
+      </p:sp>
+      <p:sp>
+        <p:nvSpPr>
+          <p:cNvPr id="17" name="Down Arrow 16"/>
+          <p:cNvSpPr/>
+          <p:nvPr/>
+        </p:nvSpPr>
+        <p:spPr>
+          <a:xfrm rot="13938389">
+            <a:off x="9642018" y="4382895"/>
+            <a:ext cx="418085" cy="362607"/>
+          </a:xfrm>
+          <a:prstGeom prst="downArrow">
+            <a:avLst/>
+          </a:prstGeom>
+        </p:spPr>
+        <p:style>
+          <a:lnRef idx="2">
+            <a:schemeClr val="accent1">
+              <a:shade val="50000"/>
+            </a:schemeClr>
+          </a:lnRef>
+          <a:fillRef idx="1">
+            <a:schemeClr val="accent1"/>
+          </a:fillRef>
+          <a:effectRef idx="0">
+            <a:schemeClr val="accent1"/>
+          </a:effectRef>
+          <a:fontRef idx="minor">
+            <a:schemeClr val="lt1"/>
+          </a:fontRef>
+        </p:style>
+        <p:txBody>
+          <a:bodyPr rtlCol="0" anchor="ctr"/>
+          <a:lstStyle/>
+          <a:p>
+            <a:pPr algn="ctr"/>
+            <a:endParaRPr lang="en-US"/>
+          </a:p>
+        </p:txBody>
+      </p:sp>
+      <p:pic>
+        <p:nvPicPr>
+          <p:cNvPr id="18" name="Picture 17"/>
+          <p:cNvPicPr>
+            <a:picLocks noChangeAspect="1"/>
+          </p:cNvPicPr>
+          <p:nvPr/>
+        </p:nvPicPr>
+        <p:blipFill>
+          <a:blip r:embed="rId8">
+            <a:extLst>
+              <a:ext uri="{28A0092B-C50C-407E-A947-70E740481C1C}">
+                <a14:useLocalDpi xmlns:a14="http://schemas.microsoft.com/office/drawing/2010/main" val="0"/>
+              </a:ext>
+            </a:extLst>
+          </a:blip>
+          <a:stretch>
+            <a:fillRect/>
+          </a:stretch>
+        </p:blipFill>
+        <p:spPr>
+          <a:xfrm>
+            <a:off x="4912272" y="1588342"/>
+            <a:ext cx="2443655" cy="1219200"/>
+          </a:xfrm>
+          <a:prstGeom prst="rect">
+            <a:avLst/>
+          </a:prstGeom>
+        </p:spPr>
+      </p:pic>
+      <p:pic>
+        <p:nvPicPr>
+          <p:cNvPr id="19" name="Picture 18"/>
+          <p:cNvPicPr>
+            <a:picLocks noChangeAspect="1"/>
+          </p:cNvPicPr>
+          <p:nvPr/>
+        </p:nvPicPr>
+        <p:blipFill>
+          <a:blip r:embed="rId6">
+            <a:extLst>
+              <a:ext uri="{28A0092B-C50C-407E-A947-70E740481C1C}">
+                <a14:useLocalDpi xmlns:a14="http://schemas.microsoft.com/office/drawing/2010/main" val="0"/>
+              </a:ext>
+            </a:extLst>
+          </a:blip>
+          <a:stretch>
+            <a:fillRect/>
+          </a:stretch>
+        </p:blipFill>
+        <p:spPr>
+          <a:xfrm>
+            <a:off x="9473738" y="3084060"/>
+            <a:ext cx="766149" cy="766149"/>
+          </a:xfrm>
+          <a:prstGeom prst="rect">
+            <a:avLst/>
+          </a:prstGeom>
+        </p:spPr>
+      </p:pic>
+      <p:pic>
+        <p:nvPicPr>
+          <p:cNvPr id="20" name="Picture 19"/>
+          <p:cNvPicPr>
+            <a:picLocks noChangeAspect="1"/>
+          </p:cNvPicPr>
+          <p:nvPr/>
+        </p:nvPicPr>
+        <p:blipFill>
+          <a:blip r:embed="rId6">
+            <a:extLst>
+              <a:ext uri="{28A0092B-C50C-407E-A947-70E740481C1C}">
+                <a14:useLocalDpi xmlns:a14="http://schemas.microsoft.com/office/drawing/2010/main" val="0"/>
+              </a:ext>
+            </a:extLst>
+          </a:blip>
+          <a:stretch>
+            <a:fillRect/>
+          </a:stretch>
+        </p:blipFill>
+        <p:spPr>
+          <a:xfrm>
+            <a:off x="10587835" y="3490750"/>
+            <a:ext cx="766149" cy="766149"/>
+          </a:xfrm>
+          <a:prstGeom prst="rect">
+            <a:avLst/>
+          </a:prstGeom>
+        </p:spPr>
+      </p:pic>
+      <p:pic>
+        <p:nvPicPr>
+          <p:cNvPr id="21" name="Picture 20"/>
+          <p:cNvPicPr>
+            <a:picLocks noChangeAspect="1"/>
+          </p:cNvPicPr>
+          <p:nvPr/>
+        </p:nvPicPr>
+        <p:blipFill>
+          <a:blip r:embed="rId6">
+            <a:extLst>
+              <a:ext uri="{28A0092B-C50C-407E-A947-70E740481C1C}">
+                <a14:useLocalDpi xmlns:a14="http://schemas.microsoft.com/office/drawing/2010/main" val="0"/>
+              </a:ext>
+            </a:extLst>
+          </a:blip>
+          <a:stretch>
+            <a:fillRect/>
+          </a:stretch>
+        </p:blipFill>
+        <p:spPr>
+          <a:xfrm>
+            <a:off x="10715817" y="4322693"/>
+            <a:ext cx="766149" cy="766149"/>
+          </a:xfrm>
+          <a:prstGeom prst="rect">
+            <a:avLst/>
+          </a:prstGeom>
+        </p:spPr>
+      </p:pic>
+      <p:pic>
+        <p:nvPicPr>
+          <p:cNvPr id="22" name="Picture 21"/>
+          <p:cNvPicPr>
+            <a:picLocks noChangeAspect="1"/>
+          </p:cNvPicPr>
+          <p:nvPr/>
+        </p:nvPicPr>
+        <p:blipFill>
+          <a:blip r:embed="rId6">
+            <a:extLst>
+              <a:ext uri="{28A0092B-C50C-407E-A947-70E740481C1C}">
+                <a14:useLocalDpi xmlns:a14="http://schemas.microsoft.com/office/drawing/2010/main" val="0"/>
+              </a:ext>
+            </a:extLst>
+          </a:blip>
+          <a:stretch>
+            <a:fillRect/>
+          </a:stretch>
+        </p:blipFill>
+        <p:spPr>
+          <a:xfrm>
+            <a:off x="10372407" y="2361258"/>
+            <a:ext cx="766149" cy="766149"/>
+          </a:xfrm>
+          <a:prstGeom prst="rect">
+            <a:avLst/>
+          </a:prstGeom>
+        </p:spPr>
+      </p:pic>
     </p:spTree>
     <p:extLst>
       <p:ext uri="{BB962C8B-B14F-4D97-AF65-F5344CB8AC3E}">
-        <p14:creationId xmlns:p14="http://schemas.microsoft.com/office/powerpoint/2010/main" val="1067749067"/>
+        <p14:creationId xmlns:p14="http://schemas.microsoft.com/office/powerpoint/2010/main" val="2565080165"/>
       </p:ext>
     </p:extLst>
   </p:cSld>
@@ -18184,9 +19967,764 @@
   <p:timing>
     <p:tnLst>
       <p:par>
-        <p:cTn id="1" dur="indefinite" restart="never" nodeType="tmRoot"/>
+        <p:cTn id="1" dur="indefinite" restart="never" nodeType="tmRoot">
+          <p:childTnLst>
+            <p:seq concurrent="1" nextAc="seek">
+              <p:cTn id="2" dur="indefinite" nodeType="mainSeq">
+                <p:childTnLst>
+                  <p:par>
+                    <p:cTn id="3" fill="hold">
+                      <p:stCondLst>
+                        <p:cond delay="indefinite"/>
+                      </p:stCondLst>
+                      <p:childTnLst>
+                        <p:par>
+                          <p:cTn id="4" fill="hold">
+                            <p:stCondLst>
+                              <p:cond delay="0"/>
+                            </p:stCondLst>
+                            <p:childTnLst>
+                              <p:par>
+                                <p:cTn id="5" presetID="2" presetClass="entr" presetSubtype="4" fill="hold" nodeType="clickEffect">
+                                  <p:stCondLst>
+                                    <p:cond delay="0"/>
+                                  </p:stCondLst>
+                                  <p:childTnLst>
+                                    <p:set>
+                                      <p:cBhvr>
+                                        <p:cTn id="6" dur="1" fill="hold">
+                                          <p:stCondLst>
+                                            <p:cond delay="0"/>
+                                          </p:stCondLst>
+                                        </p:cTn>
+                                        <p:tgtEl>
+                                          <p:spTgt spid="4"/>
+                                        </p:tgtEl>
+                                        <p:attrNameLst>
+                                          <p:attrName>style.visibility</p:attrName>
+                                        </p:attrNameLst>
+                                      </p:cBhvr>
+                                      <p:to>
+                                        <p:strVal val="visible"/>
+                                      </p:to>
+                                    </p:set>
+                                    <p:anim calcmode="lin" valueType="num">
+                                      <p:cBhvr additive="base">
+                                        <p:cTn id="7" dur="500" fill="hold"/>
+                                        <p:tgtEl>
+                                          <p:spTgt spid="4"/>
+                                        </p:tgtEl>
+                                        <p:attrNameLst>
+                                          <p:attrName>ppt_x</p:attrName>
+                                        </p:attrNameLst>
+                                      </p:cBhvr>
+                                      <p:tavLst>
+                                        <p:tav tm="0">
+                                          <p:val>
+                                            <p:strVal val="#ppt_x"/>
+                                          </p:val>
+                                        </p:tav>
+                                        <p:tav tm="100000">
+                                          <p:val>
+                                            <p:strVal val="#ppt_x"/>
+                                          </p:val>
+                                        </p:tav>
+                                      </p:tavLst>
+                                    </p:anim>
+                                    <p:anim calcmode="lin" valueType="num">
+                                      <p:cBhvr additive="base">
+                                        <p:cTn id="8" dur="500" fill="hold"/>
+                                        <p:tgtEl>
+                                          <p:spTgt spid="4"/>
+                                        </p:tgtEl>
+                                        <p:attrNameLst>
+                                          <p:attrName>ppt_y</p:attrName>
+                                        </p:attrNameLst>
+                                      </p:cBhvr>
+                                      <p:tavLst>
+                                        <p:tav tm="0">
+                                          <p:val>
+                                            <p:strVal val="1+#ppt_h/2"/>
+                                          </p:val>
+                                        </p:tav>
+                                        <p:tav tm="100000">
+                                          <p:val>
+                                            <p:strVal val="#ppt_y"/>
+                                          </p:val>
+                                        </p:tav>
+                                      </p:tavLst>
+                                    </p:anim>
+                                  </p:childTnLst>
+                                </p:cTn>
+                              </p:par>
+                            </p:childTnLst>
+                          </p:cTn>
+                        </p:par>
+                      </p:childTnLst>
+                    </p:cTn>
+                  </p:par>
+                  <p:par>
+                    <p:cTn id="9" fill="hold">
+                      <p:stCondLst>
+                        <p:cond delay="indefinite"/>
+                      </p:stCondLst>
+                      <p:childTnLst>
+                        <p:par>
+                          <p:cTn id="10" fill="hold">
+                            <p:stCondLst>
+                              <p:cond delay="0"/>
+                            </p:stCondLst>
+                            <p:childTnLst>
+                              <p:par>
+                                <p:cTn id="11" presetID="10" presetClass="entr" presetSubtype="0" fill="hold" nodeType="clickEffect">
+                                  <p:stCondLst>
+                                    <p:cond delay="0"/>
+                                  </p:stCondLst>
+                                  <p:childTnLst>
+                                    <p:set>
+                                      <p:cBhvr>
+                                        <p:cTn id="12" dur="1" fill="hold">
+                                          <p:stCondLst>
+                                            <p:cond delay="0"/>
+                                          </p:stCondLst>
+                                        </p:cTn>
+                                        <p:tgtEl>
+                                          <p:spTgt spid="8"/>
+                                        </p:tgtEl>
+                                        <p:attrNameLst>
+                                          <p:attrName>style.visibility</p:attrName>
+                                        </p:attrNameLst>
+                                      </p:cBhvr>
+                                      <p:to>
+                                        <p:strVal val="visible"/>
+                                      </p:to>
+                                    </p:set>
+                                    <p:animEffect transition="in" filter="fade">
+                                      <p:cBhvr>
+                                        <p:cTn id="13" dur="500"/>
+                                        <p:tgtEl>
+                                          <p:spTgt spid="8"/>
+                                        </p:tgtEl>
+                                      </p:cBhvr>
+                                    </p:animEffect>
+                                  </p:childTnLst>
+                                </p:cTn>
+                              </p:par>
+                              <p:par>
+                                <p:cTn id="14" presetID="10" presetClass="entr" presetSubtype="0" fill="hold" grpId="0" nodeType="withEffect">
+                                  <p:stCondLst>
+                                    <p:cond delay="0"/>
+                                  </p:stCondLst>
+                                  <p:childTnLst>
+                                    <p:set>
+                                      <p:cBhvr>
+                                        <p:cTn id="15" dur="1" fill="hold">
+                                          <p:stCondLst>
+                                            <p:cond delay="0"/>
+                                          </p:stCondLst>
+                                        </p:cTn>
+                                        <p:tgtEl>
+                                          <p:spTgt spid="13"/>
+                                        </p:tgtEl>
+                                        <p:attrNameLst>
+                                          <p:attrName>style.visibility</p:attrName>
+                                        </p:attrNameLst>
+                                      </p:cBhvr>
+                                      <p:to>
+                                        <p:strVal val="visible"/>
+                                      </p:to>
+                                    </p:set>
+                                    <p:animEffect transition="in" filter="fade">
+                                      <p:cBhvr>
+                                        <p:cTn id="16" dur="500"/>
+                                        <p:tgtEl>
+                                          <p:spTgt spid="13"/>
+                                        </p:tgtEl>
+                                      </p:cBhvr>
+                                    </p:animEffect>
+                                  </p:childTnLst>
+                                </p:cTn>
+                              </p:par>
+                            </p:childTnLst>
+                          </p:cTn>
+                        </p:par>
+                      </p:childTnLst>
+                    </p:cTn>
+                  </p:par>
+                  <p:par>
+                    <p:cTn id="17" fill="hold">
+                      <p:stCondLst>
+                        <p:cond delay="indefinite"/>
+                      </p:stCondLst>
+                      <p:childTnLst>
+                        <p:par>
+                          <p:cTn id="18" fill="hold">
+                            <p:stCondLst>
+                              <p:cond delay="0"/>
+                            </p:stCondLst>
+                            <p:childTnLst>
+                              <p:par>
+                                <p:cTn id="19" presetID="10" presetClass="entr" presetSubtype="0" fill="hold" grpId="0" nodeType="clickEffect">
+                                  <p:stCondLst>
+                                    <p:cond delay="0"/>
+                                  </p:stCondLst>
+                                  <p:childTnLst>
+                                    <p:set>
+                                      <p:cBhvr>
+                                        <p:cTn id="20" dur="1" fill="hold">
+                                          <p:stCondLst>
+                                            <p:cond delay="0"/>
+                                          </p:stCondLst>
+                                        </p:cTn>
+                                        <p:tgtEl>
+                                          <p:spTgt spid="14"/>
+                                        </p:tgtEl>
+                                        <p:attrNameLst>
+                                          <p:attrName>style.visibility</p:attrName>
+                                        </p:attrNameLst>
+                                      </p:cBhvr>
+                                      <p:to>
+                                        <p:strVal val="visible"/>
+                                      </p:to>
+                                    </p:set>
+                                    <p:animEffect transition="in" filter="fade">
+                                      <p:cBhvr>
+                                        <p:cTn id="21" dur="500"/>
+                                        <p:tgtEl>
+                                          <p:spTgt spid="14"/>
+                                        </p:tgtEl>
+                                      </p:cBhvr>
+                                    </p:animEffect>
+                                  </p:childTnLst>
+                                </p:cTn>
+                              </p:par>
+                              <p:par>
+                                <p:cTn id="22" presetID="10" presetClass="entr" presetSubtype="0" fill="hold" nodeType="withEffect">
+                                  <p:stCondLst>
+                                    <p:cond delay="0"/>
+                                  </p:stCondLst>
+                                  <p:childTnLst>
+                                    <p:set>
+                                      <p:cBhvr>
+                                        <p:cTn id="23" dur="1" fill="hold">
+                                          <p:stCondLst>
+                                            <p:cond delay="0"/>
+                                          </p:stCondLst>
+                                        </p:cTn>
+                                        <p:tgtEl>
+                                          <p:spTgt spid="9"/>
+                                        </p:tgtEl>
+                                        <p:attrNameLst>
+                                          <p:attrName>style.visibility</p:attrName>
+                                        </p:attrNameLst>
+                                      </p:cBhvr>
+                                      <p:to>
+                                        <p:strVal val="visible"/>
+                                      </p:to>
+                                    </p:set>
+                                    <p:animEffect transition="in" filter="fade">
+                                      <p:cBhvr>
+                                        <p:cTn id="24" dur="500"/>
+                                        <p:tgtEl>
+                                          <p:spTgt spid="9"/>
+                                        </p:tgtEl>
+                                      </p:cBhvr>
+                                    </p:animEffect>
+                                  </p:childTnLst>
+                                </p:cTn>
+                              </p:par>
+                            </p:childTnLst>
+                          </p:cTn>
+                        </p:par>
+                      </p:childTnLst>
+                    </p:cTn>
+                  </p:par>
+                  <p:par>
+                    <p:cTn id="25" fill="hold">
+                      <p:stCondLst>
+                        <p:cond delay="indefinite"/>
+                      </p:stCondLst>
+                      <p:childTnLst>
+                        <p:par>
+                          <p:cTn id="26" fill="hold">
+                            <p:stCondLst>
+                              <p:cond delay="0"/>
+                            </p:stCondLst>
+                            <p:childTnLst>
+                              <p:par>
+                                <p:cTn id="27" presetID="10" presetClass="entr" presetSubtype="0" fill="hold" grpId="0" nodeType="clickEffect">
+                                  <p:stCondLst>
+                                    <p:cond delay="0"/>
+                                  </p:stCondLst>
+                                  <p:childTnLst>
+                                    <p:set>
+                                      <p:cBhvr>
+                                        <p:cTn id="28" dur="1" fill="hold">
+                                          <p:stCondLst>
+                                            <p:cond delay="0"/>
+                                          </p:stCondLst>
+                                        </p:cTn>
+                                        <p:tgtEl>
+                                          <p:spTgt spid="16"/>
+                                        </p:tgtEl>
+                                        <p:attrNameLst>
+                                          <p:attrName>style.visibility</p:attrName>
+                                        </p:attrNameLst>
+                                      </p:cBhvr>
+                                      <p:to>
+                                        <p:strVal val="visible"/>
+                                      </p:to>
+                                    </p:set>
+                                    <p:animEffect transition="in" filter="fade">
+                                      <p:cBhvr>
+                                        <p:cTn id="29" dur="500"/>
+                                        <p:tgtEl>
+                                          <p:spTgt spid="16"/>
+                                        </p:tgtEl>
+                                      </p:cBhvr>
+                                    </p:animEffect>
+                                  </p:childTnLst>
+                                </p:cTn>
+                              </p:par>
+                              <p:par>
+                                <p:cTn id="30" presetID="10" presetClass="entr" presetSubtype="0" fill="hold" nodeType="withEffect">
+                                  <p:stCondLst>
+                                    <p:cond delay="0"/>
+                                  </p:stCondLst>
+                                  <p:childTnLst>
+                                    <p:set>
+                                      <p:cBhvr>
+                                        <p:cTn id="31" dur="1" fill="hold">
+                                          <p:stCondLst>
+                                            <p:cond delay="0"/>
+                                          </p:stCondLst>
+                                        </p:cTn>
+                                        <p:tgtEl>
+                                          <p:spTgt spid="10"/>
+                                        </p:tgtEl>
+                                        <p:attrNameLst>
+                                          <p:attrName>style.visibility</p:attrName>
+                                        </p:attrNameLst>
+                                      </p:cBhvr>
+                                      <p:to>
+                                        <p:strVal val="visible"/>
+                                      </p:to>
+                                    </p:set>
+                                    <p:animEffect transition="in" filter="fade">
+                                      <p:cBhvr>
+                                        <p:cTn id="32" dur="500"/>
+                                        <p:tgtEl>
+                                          <p:spTgt spid="10"/>
+                                        </p:tgtEl>
+                                      </p:cBhvr>
+                                    </p:animEffect>
+                                  </p:childTnLst>
+                                </p:cTn>
+                              </p:par>
+                            </p:childTnLst>
+                          </p:cTn>
+                        </p:par>
+                      </p:childTnLst>
+                    </p:cTn>
+                  </p:par>
+                  <p:par>
+                    <p:cTn id="33" fill="hold">
+                      <p:stCondLst>
+                        <p:cond delay="indefinite"/>
+                      </p:stCondLst>
+                      <p:childTnLst>
+                        <p:par>
+                          <p:cTn id="34" fill="hold">
+                            <p:stCondLst>
+                              <p:cond delay="0"/>
+                            </p:stCondLst>
+                            <p:childTnLst>
+                              <p:par>
+                                <p:cTn id="35" presetID="10" presetClass="entr" presetSubtype="0" fill="hold" grpId="0" nodeType="clickEffect">
+                                  <p:stCondLst>
+                                    <p:cond delay="0"/>
+                                  </p:stCondLst>
+                                  <p:childTnLst>
+                                    <p:set>
+                                      <p:cBhvr>
+                                        <p:cTn id="36" dur="1" fill="hold">
+                                          <p:stCondLst>
+                                            <p:cond delay="0"/>
+                                          </p:stCondLst>
+                                        </p:cTn>
+                                        <p:tgtEl>
+                                          <p:spTgt spid="12"/>
+                                        </p:tgtEl>
+                                        <p:attrNameLst>
+                                          <p:attrName>style.visibility</p:attrName>
+                                        </p:attrNameLst>
+                                      </p:cBhvr>
+                                      <p:to>
+                                        <p:strVal val="visible"/>
+                                      </p:to>
+                                    </p:set>
+                                    <p:animEffect transition="in" filter="fade">
+                                      <p:cBhvr>
+                                        <p:cTn id="37" dur="500"/>
+                                        <p:tgtEl>
+                                          <p:spTgt spid="12"/>
+                                        </p:tgtEl>
+                                      </p:cBhvr>
+                                    </p:animEffect>
+                                  </p:childTnLst>
+                                </p:cTn>
+                              </p:par>
+                              <p:par>
+                                <p:cTn id="38" presetID="10" presetClass="entr" presetSubtype="0" fill="hold" nodeType="withEffect">
+                                  <p:stCondLst>
+                                    <p:cond delay="0"/>
+                                  </p:stCondLst>
+                                  <p:childTnLst>
+                                    <p:set>
+                                      <p:cBhvr>
+                                        <p:cTn id="39" dur="1" fill="hold">
+                                          <p:stCondLst>
+                                            <p:cond delay="0"/>
+                                          </p:stCondLst>
+                                        </p:cTn>
+                                        <p:tgtEl>
+                                          <p:spTgt spid="11"/>
+                                        </p:tgtEl>
+                                        <p:attrNameLst>
+                                          <p:attrName>style.visibility</p:attrName>
+                                        </p:attrNameLst>
+                                      </p:cBhvr>
+                                      <p:to>
+                                        <p:strVal val="visible"/>
+                                      </p:to>
+                                    </p:set>
+                                    <p:animEffect transition="in" filter="fade">
+                                      <p:cBhvr>
+                                        <p:cTn id="40" dur="500"/>
+                                        <p:tgtEl>
+                                          <p:spTgt spid="11"/>
+                                        </p:tgtEl>
+                                      </p:cBhvr>
+                                    </p:animEffect>
+                                  </p:childTnLst>
+                                </p:cTn>
+                              </p:par>
+                            </p:childTnLst>
+                          </p:cTn>
+                        </p:par>
+                      </p:childTnLst>
+                    </p:cTn>
+                  </p:par>
+                  <p:par>
+                    <p:cTn id="41" fill="hold">
+                      <p:stCondLst>
+                        <p:cond delay="indefinite"/>
+                      </p:stCondLst>
+                      <p:childTnLst>
+                        <p:par>
+                          <p:cTn id="42" fill="hold">
+                            <p:stCondLst>
+                              <p:cond delay="0"/>
+                            </p:stCondLst>
+                            <p:childTnLst>
+                              <p:par>
+                                <p:cTn id="43" presetID="10" presetClass="entr" presetSubtype="0" fill="hold" nodeType="clickEffect">
+                                  <p:stCondLst>
+                                    <p:cond delay="0"/>
+                                  </p:stCondLst>
+                                  <p:childTnLst>
+                                    <p:set>
+                                      <p:cBhvr>
+                                        <p:cTn id="44" dur="1" fill="hold">
+                                          <p:stCondLst>
+                                            <p:cond delay="0"/>
+                                          </p:stCondLst>
+                                        </p:cTn>
+                                        <p:tgtEl>
+                                          <p:spTgt spid="18"/>
+                                        </p:tgtEl>
+                                        <p:attrNameLst>
+                                          <p:attrName>style.visibility</p:attrName>
+                                        </p:attrNameLst>
+                                      </p:cBhvr>
+                                      <p:to>
+                                        <p:strVal val="visible"/>
+                                      </p:to>
+                                    </p:set>
+                                    <p:animEffect transition="in" filter="fade">
+                                      <p:cBhvr>
+                                        <p:cTn id="45" dur="500"/>
+                                        <p:tgtEl>
+                                          <p:spTgt spid="18"/>
+                                        </p:tgtEl>
+                                      </p:cBhvr>
+                                    </p:animEffect>
+                                  </p:childTnLst>
+                                </p:cTn>
+                              </p:par>
+                              <p:par>
+                                <p:cTn id="46" presetID="10" presetClass="entr" presetSubtype="0" fill="hold" grpId="0" nodeType="withEffect">
+                                  <p:stCondLst>
+                                    <p:cond delay="0"/>
+                                  </p:stCondLst>
+                                  <p:childTnLst>
+                                    <p:set>
+                                      <p:cBhvr>
+                                        <p:cTn id="47" dur="1" fill="hold">
+                                          <p:stCondLst>
+                                            <p:cond delay="0"/>
+                                          </p:stCondLst>
+                                        </p:cTn>
+                                        <p:tgtEl>
+                                          <p:spTgt spid="15"/>
+                                        </p:tgtEl>
+                                        <p:attrNameLst>
+                                          <p:attrName>style.visibility</p:attrName>
+                                        </p:attrNameLst>
+                                      </p:cBhvr>
+                                      <p:to>
+                                        <p:strVal val="visible"/>
+                                      </p:to>
+                                    </p:set>
+                                    <p:animEffect transition="in" filter="fade">
+                                      <p:cBhvr>
+                                        <p:cTn id="48" dur="500"/>
+                                        <p:tgtEl>
+                                          <p:spTgt spid="15"/>
+                                        </p:tgtEl>
+                                      </p:cBhvr>
+                                    </p:animEffect>
+                                  </p:childTnLst>
+                                </p:cTn>
+                              </p:par>
+                            </p:childTnLst>
+                          </p:cTn>
+                        </p:par>
+                      </p:childTnLst>
+                    </p:cTn>
+                  </p:par>
+                  <p:par>
+                    <p:cTn id="49" fill="hold">
+                      <p:stCondLst>
+                        <p:cond delay="indefinite"/>
+                      </p:stCondLst>
+                      <p:childTnLst>
+                        <p:par>
+                          <p:cTn id="50" fill="hold">
+                            <p:stCondLst>
+                              <p:cond delay="0"/>
+                            </p:stCondLst>
+                            <p:childTnLst>
+                              <p:par>
+                                <p:cTn id="51" presetID="10" presetClass="entr" presetSubtype="0" fill="hold" grpId="0" nodeType="clickEffect">
+                                  <p:stCondLst>
+                                    <p:cond delay="0"/>
+                                  </p:stCondLst>
+                                  <p:childTnLst>
+                                    <p:set>
+                                      <p:cBhvr>
+                                        <p:cTn id="52" dur="1" fill="hold">
+                                          <p:stCondLst>
+                                            <p:cond delay="0"/>
+                                          </p:stCondLst>
+                                        </p:cTn>
+                                        <p:tgtEl>
+                                          <p:spTgt spid="17"/>
+                                        </p:tgtEl>
+                                        <p:attrNameLst>
+                                          <p:attrName>style.visibility</p:attrName>
+                                        </p:attrNameLst>
+                                      </p:cBhvr>
+                                      <p:to>
+                                        <p:strVal val="visible"/>
+                                      </p:to>
+                                    </p:set>
+                                    <p:animEffect transition="in" filter="fade">
+                                      <p:cBhvr>
+                                        <p:cTn id="53" dur="500"/>
+                                        <p:tgtEl>
+                                          <p:spTgt spid="17"/>
+                                        </p:tgtEl>
+                                      </p:cBhvr>
+                                    </p:animEffect>
+                                  </p:childTnLst>
+                                </p:cTn>
+                              </p:par>
+                              <p:par>
+                                <p:cTn id="54" presetID="10" presetClass="entr" presetSubtype="0" fill="hold" nodeType="withEffect">
+                                  <p:stCondLst>
+                                    <p:cond delay="0"/>
+                                  </p:stCondLst>
+                                  <p:childTnLst>
+                                    <p:set>
+                                      <p:cBhvr>
+                                        <p:cTn id="55" dur="1" fill="hold">
+                                          <p:stCondLst>
+                                            <p:cond delay="0"/>
+                                          </p:stCondLst>
+                                        </p:cTn>
+                                        <p:tgtEl>
+                                          <p:spTgt spid="20"/>
+                                        </p:tgtEl>
+                                        <p:attrNameLst>
+                                          <p:attrName>style.visibility</p:attrName>
+                                        </p:attrNameLst>
+                                      </p:cBhvr>
+                                      <p:to>
+                                        <p:strVal val="visible"/>
+                                      </p:to>
+                                    </p:set>
+                                    <p:animEffect transition="in" filter="fade">
+                                      <p:cBhvr>
+                                        <p:cTn id="56" dur="500"/>
+                                        <p:tgtEl>
+                                          <p:spTgt spid="20"/>
+                                        </p:tgtEl>
+                                      </p:cBhvr>
+                                    </p:animEffect>
+                                  </p:childTnLst>
+                                </p:cTn>
+                              </p:par>
+                              <p:par>
+                                <p:cTn id="57" presetID="10" presetClass="entr" presetSubtype="0" fill="hold" nodeType="withEffect">
+                                  <p:stCondLst>
+                                    <p:cond delay="0"/>
+                                  </p:stCondLst>
+                                  <p:childTnLst>
+                                    <p:set>
+                                      <p:cBhvr>
+                                        <p:cTn id="58" dur="1" fill="hold">
+                                          <p:stCondLst>
+                                            <p:cond delay="0"/>
+                                          </p:stCondLst>
+                                        </p:cTn>
+                                        <p:tgtEl>
+                                          <p:spTgt spid="19"/>
+                                        </p:tgtEl>
+                                        <p:attrNameLst>
+                                          <p:attrName>style.visibility</p:attrName>
+                                        </p:attrNameLst>
+                                      </p:cBhvr>
+                                      <p:to>
+                                        <p:strVal val="visible"/>
+                                      </p:to>
+                                    </p:set>
+                                    <p:animEffect transition="in" filter="fade">
+                                      <p:cBhvr>
+                                        <p:cTn id="59" dur="500"/>
+                                        <p:tgtEl>
+                                          <p:spTgt spid="19"/>
+                                        </p:tgtEl>
+                                      </p:cBhvr>
+                                    </p:animEffect>
+                                  </p:childTnLst>
+                                </p:cTn>
+                              </p:par>
+                              <p:par>
+                                <p:cTn id="60" presetID="10" presetClass="entr" presetSubtype="0" fill="hold" nodeType="withEffect">
+                                  <p:stCondLst>
+                                    <p:cond delay="0"/>
+                                  </p:stCondLst>
+                                  <p:childTnLst>
+                                    <p:set>
+                                      <p:cBhvr>
+                                        <p:cTn id="61" dur="1" fill="hold">
+                                          <p:stCondLst>
+                                            <p:cond delay="0"/>
+                                          </p:stCondLst>
+                                        </p:cTn>
+                                        <p:tgtEl>
+                                          <p:spTgt spid="22"/>
+                                        </p:tgtEl>
+                                        <p:attrNameLst>
+                                          <p:attrName>style.visibility</p:attrName>
+                                        </p:attrNameLst>
+                                      </p:cBhvr>
+                                      <p:to>
+                                        <p:strVal val="visible"/>
+                                      </p:to>
+                                    </p:set>
+                                    <p:animEffect transition="in" filter="fade">
+                                      <p:cBhvr>
+                                        <p:cTn id="62" dur="500"/>
+                                        <p:tgtEl>
+                                          <p:spTgt spid="22"/>
+                                        </p:tgtEl>
+                                      </p:cBhvr>
+                                    </p:animEffect>
+                                  </p:childTnLst>
+                                </p:cTn>
+                              </p:par>
+                              <p:par>
+                                <p:cTn id="63" presetID="10" presetClass="entr" presetSubtype="0" fill="hold" nodeType="withEffect">
+                                  <p:stCondLst>
+                                    <p:cond delay="0"/>
+                                  </p:stCondLst>
+                                  <p:childTnLst>
+                                    <p:set>
+                                      <p:cBhvr>
+                                        <p:cTn id="64" dur="1" fill="hold">
+                                          <p:stCondLst>
+                                            <p:cond delay="0"/>
+                                          </p:stCondLst>
+                                        </p:cTn>
+                                        <p:tgtEl>
+                                          <p:spTgt spid="21"/>
+                                        </p:tgtEl>
+                                        <p:attrNameLst>
+                                          <p:attrName>style.visibility</p:attrName>
+                                        </p:attrNameLst>
+                                      </p:cBhvr>
+                                      <p:to>
+                                        <p:strVal val="visible"/>
+                                      </p:to>
+                                    </p:set>
+                                    <p:animEffect transition="in" filter="fade">
+                                      <p:cBhvr>
+                                        <p:cTn id="65" dur="500"/>
+                                        <p:tgtEl>
+                                          <p:spTgt spid="21"/>
+                                        </p:tgtEl>
+                                      </p:cBhvr>
+                                    </p:animEffect>
+                                  </p:childTnLst>
+                                </p:cTn>
+                              </p:par>
+                            </p:childTnLst>
+                          </p:cTn>
+                        </p:par>
+                      </p:childTnLst>
+                    </p:cTn>
+                  </p:par>
+                </p:childTnLst>
+              </p:cTn>
+              <p:prevCondLst>
+                <p:cond evt="onPrev" delay="0">
+                  <p:tgtEl>
+                    <p:sldTgt/>
+                  </p:tgtEl>
+                </p:cond>
+              </p:prevCondLst>
+              <p:nextCondLst>
+                <p:cond evt="onNext" delay="0">
+                  <p:tgtEl>
+                    <p:sldTgt/>
+                  </p:tgtEl>
+                </p:cond>
+              </p:nextCondLst>
+            </p:seq>
+          </p:childTnLst>
+        </p:cTn>
       </p:par>
     </p:tnLst>
+    <p:bldLst>
+      <p:bldP spid="12" grpId="0" animBg="1"/>
+      <p:bldP spid="13" grpId="0" animBg="1"/>
+      <p:bldP spid="14" grpId="0" animBg="1"/>
+      <p:bldP spid="15" grpId="0" animBg="1"/>
+      <p:bldP spid="16" grpId="0" animBg="1"/>
+      <p:bldP spid="17" grpId="0" animBg="1"/>
+    </p:bldLst>
   </p:timing>
 </p:sld>
 </file>
@@ -18216,8 +20754,8 @@
         </p:nvSpPr>
         <p:spPr>
           <a:xfrm>
-            <a:off x="2946769" y="2900937"/>
-            <a:ext cx="6537367" cy="707886"/>
+            <a:off x="1474077" y="1190297"/>
+            <a:ext cx="3898824" cy="523220"/>
           </a:xfrm>
           <a:prstGeom prst="rect">
             <a:avLst/>
@@ -18231,76 +20769,246 @@
           <a:lstStyle/>
           <a:p>
             <a:r>
-              <a:rPr lang="en-US" sz="4000" smtClean="0">
-                <a:latin typeface="Times New Roman" panose="02020603050405020304" pitchFamily="18" charset="0"/>
-                <a:cs typeface="Times New Roman" panose="02020603050405020304" pitchFamily="18" charset="0"/>
-              </a:rPr>
-              <a:t>2. Đối </a:t>
-            </a:r>
-            <a:r>
-              <a:rPr lang="en-US" sz="4000" dirty="0" err="1">
-                <a:latin typeface="Times New Roman" panose="02020603050405020304" pitchFamily="18" charset="0"/>
-                <a:cs typeface="Times New Roman" panose="02020603050405020304" pitchFamily="18" charset="0"/>
-              </a:rPr>
-              <a:t>tượng</a:t>
-            </a:r>
-            <a:r>
-              <a:rPr lang="en-US" sz="4000" dirty="0">
+              <a:rPr lang="en-US" sz="2800" smtClean="0">
+                <a:latin typeface="Times New Roman" panose="02020603050405020304" pitchFamily="18" charset="0"/>
+                <a:cs typeface="Times New Roman" panose="02020603050405020304" pitchFamily="18" charset="0"/>
+              </a:rPr>
+              <a:t>c.  Mục </a:t>
+            </a:r>
+            <a:r>
+              <a:rPr lang="en-US" sz="2800" dirty="0" err="1">
+                <a:latin typeface="Times New Roman" panose="02020603050405020304" pitchFamily="18" charset="0"/>
+                <a:cs typeface="Times New Roman" panose="02020603050405020304" pitchFamily="18" charset="0"/>
+              </a:rPr>
+              <a:t>đích</a:t>
+            </a:r>
+            <a:r>
+              <a:rPr lang="en-US" sz="2800" dirty="0">
                 <a:latin typeface="Times New Roman" panose="02020603050405020304" pitchFamily="18" charset="0"/>
                 <a:cs typeface="Times New Roman" panose="02020603050405020304" pitchFamily="18" charset="0"/>
               </a:rPr>
               <a:t> </a:t>
             </a:r>
             <a:r>
-              <a:rPr lang="en-US" sz="4000" dirty="0" err="1">
-                <a:latin typeface="Times New Roman" panose="02020603050405020304" pitchFamily="18" charset="0"/>
-                <a:cs typeface="Times New Roman" panose="02020603050405020304" pitchFamily="18" charset="0"/>
-              </a:rPr>
-              <a:t>sử</a:t>
-            </a:r>
-            <a:r>
-              <a:rPr lang="en-US" sz="4000" dirty="0">
+              <a:rPr lang="en-US" sz="2800" dirty="0" err="1">
+                <a:latin typeface="Times New Roman" panose="02020603050405020304" pitchFamily="18" charset="0"/>
+                <a:cs typeface="Times New Roman" panose="02020603050405020304" pitchFamily="18" charset="0"/>
+              </a:rPr>
+              <a:t>của</a:t>
+            </a:r>
+            <a:r>
+              <a:rPr lang="en-US" sz="2800" dirty="0">
                 <a:latin typeface="Times New Roman" panose="02020603050405020304" pitchFamily="18" charset="0"/>
                 <a:cs typeface="Times New Roman" panose="02020603050405020304" pitchFamily="18" charset="0"/>
               </a:rPr>
               <a:t> </a:t>
             </a:r>
             <a:r>
-              <a:rPr lang="en-US" sz="4000" dirty="0" err="1">
-                <a:latin typeface="Times New Roman" panose="02020603050405020304" pitchFamily="18" charset="0"/>
-                <a:cs typeface="Times New Roman" panose="02020603050405020304" pitchFamily="18" charset="0"/>
-              </a:rPr>
-              <a:t>dụng</a:t>
-            </a:r>
-            <a:r>
-              <a:rPr lang="en-US" sz="4000" dirty="0">
+              <a:rPr lang="en-US" sz="2800" dirty="0" err="1">
+                <a:latin typeface="Times New Roman" panose="02020603050405020304" pitchFamily="18" charset="0"/>
+                <a:cs typeface="Times New Roman" panose="02020603050405020304" pitchFamily="18" charset="0"/>
+              </a:rPr>
+              <a:t>hệ</a:t>
+            </a:r>
+            <a:r>
+              <a:rPr lang="en-US" sz="2800" dirty="0">
                 <a:latin typeface="Times New Roman" panose="02020603050405020304" pitchFamily="18" charset="0"/>
                 <a:cs typeface="Times New Roman" panose="02020603050405020304" pitchFamily="18" charset="0"/>
               </a:rPr>
               <a:t> </a:t>
             </a:r>
             <a:r>
-              <a:rPr lang="en-US" sz="4000" dirty="0" err="1">
-                <a:latin typeface="Times New Roman" panose="02020603050405020304" pitchFamily="18" charset="0"/>
-                <a:cs typeface="Times New Roman" panose="02020603050405020304" pitchFamily="18" charset="0"/>
-              </a:rPr>
-              <a:t>hệ</a:t>
-            </a:r>
-            <a:r>
-              <a:rPr lang="en-US" sz="4000" dirty="0">
+              <a:rPr lang="en-US" sz="2800" dirty="0" err="1">
+                <a:latin typeface="Times New Roman" panose="02020603050405020304" pitchFamily="18" charset="0"/>
+                <a:cs typeface="Times New Roman" panose="02020603050405020304" pitchFamily="18" charset="0"/>
+              </a:rPr>
+              <a:t>thống</a:t>
+            </a:r>
+            <a:endParaRPr lang="en-US" sz="2800" dirty="0">
+              <a:latin typeface="Times New Roman" panose="02020603050405020304" pitchFamily="18" charset="0"/>
+              <a:cs typeface="Times New Roman" panose="02020603050405020304" pitchFamily="18" charset="0"/>
+            </a:endParaRPr>
+          </a:p>
+        </p:txBody>
+      </p:sp>
+      <p:sp>
+        <p:nvSpPr>
+          <p:cNvPr id="2" name="TextBox 1"/>
+          <p:cNvSpPr txBox="1"/>
+          <p:nvPr/>
+        </p:nvSpPr>
+        <p:spPr>
+          <a:xfrm>
+            <a:off x="1474077" y="2159876"/>
+            <a:ext cx="9427779" cy="2677656"/>
+          </a:xfrm>
+          <a:prstGeom prst="rect">
+            <a:avLst/>
+          </a:prstGeom>
+          <a:noFill/>
+        </p:spPr>
+        <p:txBody>
+          <a:bodyPr wrap="square" rtlCol="0">
+            <a:spAutoFit/>
+          </a:bodyPr>
+          <a:lstStyle/>
+          <a:p>
+            <a:r>
+              <a:rPr lang="en-US" sz="2800" smtClean="0">
+                <a:latin typeface="Times New Roman" panose="02020603050405020304" pitchFamily="18" charset="0"/>
+                <a:cs typeface="Times New Roman" panose="02020603050405020304" pitchFamily="18" charset="0"/>
+              </a:rPr>
+              <a:t>Tạo ra website có thể:</a:t>
+            </a:r>
+          </a:p>
+          <a:p>
+            <a:pPr marL="457200" lvl="0" indent="-457200">
+              <a:buFont typeface="Wingdings" panose="05000000000000000000" pitchFamily="2" charset="2"/>
+              <a:buChar char="ü"/>
+            </a:pPr>
+            <a:r>
+              <a:rPr lang="en-US" sz="2800" smtClean="0">
+                <a:latin typeface="Times New Roman" panose="02020603050405020304" pitchFamily="18" charset="0"/>
+                <a:cs typeface="Times New Roman" panose="02020603050405020304" pitchFamily="18" charset="0"/>
+              </a:rPr>
+              <a:t>Tạo </a:t>
+            </a:r>
+            <a:r>
+              <a:rPr lang="en-US" sz="2800">
+                <a:latin typeface="Times New Roman" panose="02020603050405020304" pitchFamily="18" charset="0"/>
+                <a:cs typeface="Times New Roman" panose="02020603050405020304" pitchFamily="18" charset="0"/>
+              </a:rPr>
+              <a:t>mới, quản lý, thống </a:t>
+            </a:r>
+            <a:r>
+              <a:rPr lang="en-US" sz="2800" smtClean="0">
+                <a:latin typeface="Times New Roman" panose="02020603050405020304" pitchFamily="18" charset="0"/>
+                <a:cs typeface="Times New Roman" panose="02020603050405020304" pitchFamily="18" charset="0"/>
+              </a:rPr>
+              <a:t>kê </a:t>
+            </a:r>
+            <a:r>
+              <a:rPr lang="en-US" sz="2800">
+                <a:latin typeface="Times New Roman" panose="02020603050405020304" pitchFamily="18" charset="0"/>
+                <a:cs typeface="Times New Roman" panose="02020603050405020304" pitchFamily="18" charset="0"/>
+              </a:rPr>
+              <a:t>công việc trong dự án </a:t>
+            </a:r>
+            <a:r>
+              <a:rPr lang="en-US" sz="2800" smtClean="0">
+                <a:latin typeface="Times New Roman" panose="02020603050405020304" pitchFamily="18" charset="0"/>
+                <a:cs typeface="Times New Roman" panose="02020603050405020304" pitchFamily="18" charset="0"/>
+              </a:rPr>
+              <a:t>nhanh </a:t>
+            </a:r>
+            <a:r>
+              <a:rPr lang="en-US" sz="2800">
+                <a:latin typeface="Times New Roman" panose="02020603050405020304" pitchFamily="18" charset="0"/>
+                <a:cs typeface="Times New Roman" panose="02020603050405020304" pitchFamily="18" charset="0"/>
+              </a:rPr>
+              <a:t>chóng, chính xác, đồng bộ và đầy đủ thông tin.</a:t>
+            </a:r>
+          </a:p>
+          <a:p>
+            <a:pPr marL="457200" lvl="0" indent="-457200">
+              <a:buFont typeface="Wingdings" panose="05000000000000000000" pitchFamily="2" charset="2"/>
+              <a:buChar char="ü"/>
+            </a:pPr>
+            <a:r>
+              <a:rPr lang="en-US" sz="2800">
+                <a:latin typeface="Times New Roman" panose="02020603050405020304" pitchFamily="18" charset="0"/>
+                <a:cs typeface="Times New Roman" panose="02020603050405020304" pitchFamily="18" charset="0"/>
+              </a:rPr>
+              <a:t>C</a:t>
+            </a:r>
+            <a:r>
+              <a:rPr lang="en-US" sz="2800" smtClean="0">
+                <a:latin typeface="Times New Roman" panose="02020603050405020304" pitchFamily="18" charset="0"/>
+                <a:cs typeface="Times New Roman" panose="02020603050405020304" pitchFamily="18" charset="0"/>
+              </a:rPr>
+              <a:t>ác </a:t>
+            </a:r>
+            <a:r>
+              <a:rPr lang="en-US" sz="2800">
+                <a:latin typeface="Times New Roman" panose="02020603050405020304" pitchFamily="18" charset="0"/>
+                <a:cs typeface="Times New Roman" panose="02020603050405020304" pitchFamily="18" charset="0"/>
+              </a:rPr>
+              <a:t>thành viên tham gia dự án có thể quản lý thời gian thực </a:t>
+            </a:r>
+            <a:r>
+              <a:rPr lang="en-US" sz="2800" smtClean="0">
+                <a:latin typeface="Times New Roman" panose="02020603050405020304" pitchFamily="18" charset="0"/>
+                <a:cs typeface="Times New Roman" panose="02020603050405020304" pitchFamily="18" charset="0"/>
+              </a:rPr>
+              <a:t>hiện </a:t>
+            </a:r>
+            <a:r>
+              <a:rPr lang="en-US" sz="2800">
+                <a:latin typeface="Times New Roman" panose="02020603050405020304" pitchFamily="18" charset="0"/>
+                <a:cs typeface="Times New Roman" panose="02020603050405020304" pitchFamily="18" charset="0"/>
+              </a:rPr>
+              <a:t>công việc của mình</a:t>
+            </a:r>
+            <a:r>
+              <a:rPr lang="en-US" sz="2800" smtClean="0">
+                <a:latin typeface="Times New Roman" panose="02020603050405020304" pitchFamily="18" charset="0"/>
+                <a:cs typeface="Times New Roman" panose="02020603050405020304" pitchFamily="18" charset="0"/>
+              </a:rPr>
+              <a:t>.</a:t>
+            </a:r>
+            <a:endParaRPr lang="en-US" sz="2800">
+              <a:latin typeface="Times New Roman" panose="02020603050405020304" pitchFamily="18" charset="0"/>
+              <a:cs typeface="Times New Roman" panose="02020603050405020304" pitchFamily="18" charset="0"/>
+            </a:endParaRPr>
+          </a:p>
+          <a:p>
+            <a:r>
+              <a:rPr lang="en-US" sz="2800" smtClean="0">
                 <a:latin typeface="Times New Roman" panose="02020603050405020304" pitchFamily="18" charset="0"/>
                 <a:cs typeface="Times New Roman" panose="02020603050405020304" pitchFamily="18" charset="0"/>
               </a:rPr>
               <a:t> </a:t>
             </a:r>
-            <a:r>
-              <a:rPr lang="en-US" sz="4000" dirty="0" err="1">
-                <a:latin typeface="Times New Roman" panose="02020603050405020304" pitchFamily="18" charset="0"/>
-                <a:cs typeface="Times New Roman" panose="02020603050405020304" pitchFamily="18" charset="0"/>
-              </a:rPr>
-              <a:t>thống</a:t>
-            </a:r>
-            <a:endParaRPr lang="en-US" sz="4000" dirty="0">
+            <a:endParaRPr lang="en-US" sz="2800">
+              <a:latin typeface="Times New Roman" panose="02020603050405020304" pitchFamily="18" charset="0"/>
+              <a:cs typeface="Times New Roman" panose="02020603050405020304" pitchFamily="18" charset="0"/>
+            </a:endParaRPr>
+          </a:p>
+        </p:txBody>
+      </p:sp>
+      <p:sp>
+        <p:nvSpPr>
+          <p:cNvPr id="3" name="Rectangle 2"/>
+          <p:cNvSpPr/>
+          <p:nvPr/>
+        </p:nvSpPr>
+        <p:spPr>
+          <a:xfrm>
+            <a:off x="1372741" y="220718"/>
+            <a:ext cx="4976042" cy="523220"/>
+          </a:xfrm>
+          <a:prstGeom prst="rect">
+            <a:avLst/>
+          </a:prstGeom>
+        </p:spPr>
+        <p:txBody>
+          <a:bodyPr wrap="none">
+            <a:spAutoFit/>
+          </a:bodyPr>
+          <a:lstStyle/>
+          <a:p>
+            <a:pPr marL="514350" indent="-514350">
+              <a:buFont typeface="+mj-lt"/>
+              <a:buAutoNum type="arabicPeriod"/>
+            </a:pPr>
+            <a:r>
+              <a:rPr lang="en-US" sz="2800">
+                <a:latin typeface="Times New Roman" panose="02020603050405020304" pitchFamily="18" charset="0"/>
+                <a:cs typeface="Times New Roman" panose="02020603050405020304" pitchFamily="18" charset="0"/>
+              </a:rPr>
+              <a:t>Giới thiệu tổng quan về đề tài</a:t>
+            </a:r>
+            <a:endParaRPr lang="en-US" sz="2800" dirty="0">
               <a:latin typeface="Times New Roman" panose="02020603050405020304" pitchFamily="18" charset="0"/>
               <a:cs typeface="Times New Roman" panose="02020603050405020304" pitchFamily="18" charset="0"/>
             </a:endParaRPr>
@@ -18310,7 +21018,7 @@
     </p:spTree>
     <p:extLst>
       <p:ext uri="{BB962C8B-B14F-4D97-AF65-F5344CB8AC3E}">
-        <p14:creationId xmlns:p14="http://schemas.microsoft.com/office/powerpoint/2010/main" val="2785266025"/>
+        <p14:creationId xmlns:p14="http://schemas.microsoft.com/office/powerpoint/2010/main" val="1067749067"/>
       </p:ext>
     </p:extLst>
   </p:cSld>
@@ -18352,8 +21060,8 @@
         </p:nvSpPr>
         <p:spPr>
           <a:xfrm>
-            <a:off x="1427710" y="541421"/>
-            <a:ext cx="4818948" cy="523220"/>
+            <a:off x="2946769" y="2900937"/>
+            <a:ext cx="6537367" cy="707886"/>
           </a:xfrm>
           <a:prstGeom prst="rect">
             <a:avLst/>
@@ -18367,475 +21075,76 @@
           <a:lstStyle/>
           <a:p>
             <a:r>
-              <a:rPr lang="en-US" sz="2800" b="1" smtClean="0">
+              <a:rPr lang="en-US" sz="4000" smtClean="0">
                 <a:latin typeface="Times New Roman" panose="02020603050405020304" pitchFamily="18" charset="0"/>
                 <a:cs typeface="Times New Roman" panose="02020603050405020304" pitchFamily="18" charset="0"/>
               </a:rPr>
               <a:t>2. Đối </a:t>
             </a:r>
             <a:r>
-              <a:rPr lang="en-US" sz="2800" b="1" dirty="0" err="1">
+              <a:rPr lang="en-US" sz="4000" dirty="0" err="1">
                 <a:latin typeface="Times New Roman" panose="02020603050405020304" pitchFamily="18" charset="0"/>
                 <a:cs typeface="Times New Roman" panose="02020603050405020304" pitchFamily="18" charset="0"/>
               </a:rPr>
               <a:t>tượng</a:t>
             </a:r>
             <a:r>
-              <a:rPr lang="en-US" sz="2800" b="1" dirty="0">
+              <a:rPr lang="en-US" sz="4000" dirty="0">
                 <a:latin typeface="Times New Roman" panose="02020603050405020304" pitchFamily="18" charset="0"/>
                 <a:cs typeface="Times New Roman" panose="02020603050405020304" pitchFamily="18" charset="0"/>
               </a:rPr>
               <a:t> </a:t>
             </a:r>
             <a:r>
-              <a:rPr lang="en-US" sz="2800" b="1" dirty="0" err="1">
+              <a:rPr lang="en-US" sz="4000" dirty="0" err="1">
                 <a:latin typeface="Times New Roman" panose="02020603050405020304" pitchFamily="18" charset="0"/>
                 <a:cs typeface="Times New Roman" panose="02020603050405020304" pitchFamily="18" charset="0"/>
               </a:rPr>
               <a:t>sử</a:t>
             </a:r>
             <a:r>
-              <a:rPr lang="en-US" sz="2800" b="1" dirty="0">
+              <a:rPr lang="en-US" sz="4000" dirty="0">
                 <a:latin typeface="Times New Roman" panose="02020603050405020304" pitchFamily="18" charset="0"/>
                 <a:cs typeface="Times New Roman" panose="02020603050405020304" pitchFamily="18" charset="0"/>
               </a:rPr>
               <a:t> </a:t>
             </a:r>
             <a:r>
-              <a:rPr lang="en-US" sz="2800" b="1" dirty="0" err="1">
+              <a:rPr lang="en-US" sz="4000" dirty="0" err="1">
                 <a:latin typeface="Times New Roman" panose="02020603050405020304" pitchFamily="18" charset="0"/>
                 <a:cs typeface="Times New Roman" panose="02020603050405020304" pitchFamily="18" charset="0"/>
               </a:rPr>
               <a:t>dụng</a:t>
             </a:r>
             <a:r>
-              <a:rPr lang="en-US" sz="2800" b="1" dirty="0">
+              <a:rPr lang="en-US" sz="4000" dirty="0">
                 <a:latin typeface="Times New Roman" panose="02020603050405020304" pitchFamily="18" charset="0"/>
                 <a:cs typeface="Times New Roman" panose="02020603050405020304" pitchFamily="18" charset="0"/>
               </a:rPr>
               <a:t> </a:t>
             </a:r>
             <a:r>
-              <a:rPr lang="en-US" sz="2800" b="1" dirty="0" err="1">
+              <a:rPr lang="en-US" sz="4000" dirty="0" err="1">
                 <a:latin typeface="Times New Roman" panose="02020603050405020304" pitchFamily="18" charset="0"/>
                 <a:cs typeface="Times New Roman" panose="02020603050405020304" pitchFamily="18" charset="0"/>
               </a:rPr>
               <a:t>hệ</a:t>
             </a:r>
             <a:r>
-              <a:rPr lang="en-US" sz="2800" b="1" dirty="0">
+              <a:rPr lang="en-US" sz="4000" dirty="0">
                 <a:latin typeface="Times New Roman" panose="02020603050405020304" pitchFamily="18" charset="0"/>
                 <a:cs typeface="Times New Roman" panose="02020603050405020304" pitchFamily="18" charset="0"/>
               </a:rPr>
               <a:t> </a:t>
             </a:r>
             <a:r>
-              <a:rPr lang="en-US" sz="2800" b="1" dirty="0" err="1">
+              <a:rPr lang="en-US" sz="4000" dirty="0" err="1">
                 <a:latin typeface="Times New Roman" panose="02020603050405020304" pitchFamily="18" charset="0"/>
                 <a:cs typeface="Times New Roman" panose="02020603050405020304" pitchFamily="18" charset="0"/>
               </a:rPr>
               <a:t>thống</a:t>
             </a:r>
-            <a:endParaRPr lang="en-US" sz="2800" b="1" dirty="0">
-              <a:latin typeface="Times New Roman" panose="02020603050405020304" pitchFamily="18" charset="0"/>
-              <a:cs typeface="Times New Roman" panose="02020603050405020304" pitchFamily="18" charset="0"/>
-            </a:endParaRPr>
-          </a:p>
-        </p:txBody>
-      </p:sp>
-      <p:sp>
-        <p:nvSpPr>
-          <p:cNvPr id="5" name="TextBox 4"/>
-          <p:cNvSpPr txBox="1"/>
-          <p:nvPr/>
-        </p:nvSpPr>
-        <p:spPr>
-          <a:xfrm>
-            <a:off x="1427710" y="2065422"/>
-            <a:ext cx="6926833" cy="1815882"/>
-          </a:xfrm>
-          <a:prstGeom prst="rect">
-            <a:avLst/>
-          </a:prstGeom>
-          <a:noFill/>
-        </p:spPr>
-        <p:txBody>
-          <a:bodyPr wrap="none" rtlCol="0">
-            <a:spAutoFit/>
-          </a:bodyPr>
-          <a:lstStyle/>
-          <a:p>
-            <a:pPr marL="285750" indent="-285750">
-              <a:buFont typeface="Arial" panose="020B0604020202020204" pitchFamily="34" charset="0"/>
-              <a:buChar char="•"/>
-            </a:pPr>
-            <a:r>
-              <a:rPr lang="en-US" sz="2800" b="1" dirty="0">
-                <a:latin typeface="Times New Roman" panose="02020603050405020304" pitchFamily="18" charset="0"/>
-                <a:cs typeface="Times New Roman" panose="02020603050405020304" pitchFamily="18" charset="0"/>
-              </a:rPr>
-              <a:t>Admin</a:t>
-            </a:r>
-            <a:r>
-              <a:rPr lang="en-US" sz="2800" dirty="0">
-                <a:latin typeface="Times New Roman" panose="02020603050405020304" pitchFamily="18" charset="0"/>
-                <a:cs typeface="Times New Roman" panose="02020603050405020304" pitchFamily="18" charset="0"/>
-              </a:rPr>
-              <a:t>: </a:t>
-            </a:r>
-            <a:r>
-              <a:rPr lang="en-US" sz="2800" dirty="0" err="1">
-                <a:latin typeface="Times New Roman" panose="02020603050405020304" pitchFamily="18" charset="0"/>
-                <a:cs typeface="Times New Roman" panose="02020603050405020304" pitchFamily="18" charset="0"/>
-              </a:rPr>
-              <a:t>Là</a:t>
-            </a:r>
-            <a:r>
-              <a:rPr lang="en-US" sz="2800" dirty="0">
-                <a:latin typeface="Times New Roman" panose="02020603050405020304" pitchFamily="18" charset="0"/>
-                <a:cs typeface="Times New Roman" panose="02020603050405020304" pitchFamily="18" charset="0"/>
-              </a:rPr>
-              <a:t> </a:t>
-            </a:r>
-            <a:r>
-              <a:rPr lang="en-US" sz="2800" dirty="0" err="1">
-                <a:latin typeface="Times New Roman" panose="02020603050405020304" pitchFamily="18" charset="0"/>
-                <a:cs typeface="Times New Roman" panose="02020603050405020304" pitchFamily="18" charset="0"/>
-              </a:rPr>
-              <a:t>những</a:t>
-            </a:r>
-            <a:r>
-              <a:rPr lang="en-US" sz="2800" dirty="0">
-                <a:latin typeface="Times New Roman" panose="02020603050405020304" pitchFamily="18" charset="0"/>
-                <a:cs typeface="Times New Roman" panose="02020603050405020304" pitchFamily="18" charset="0"/>
-              </a:rPr>
-              <a:t> </a:t>
-            </a:r>
-            <a:r>
-              <a:rPr lang="en-US" sz="2800" dirty="0" err="1">
-                <a:latin typeface="Times New Roman" panose="02020603050405020304" pitchFamily="18" charset="0"/>
-                <a:cs typeface="Times New Roman" panose="02020603050405020304" pitchFamily="18" charset="0"/>
-              </a:rPr>
-              <a:t>người</a:t>
-            </a:r>
-            <a:r>
-              <a:rPr lang="en-US" sz="2800" dirty="0">
-                <a:latin typeface="Times New Roman" panose="02020603050405020304" pitchFamily="18" charset="0"/>
-                <a:cs typeface="Times New Roman" panose="02020603050405020304" pitchFamily="18" charset="0"/>
-              </a:rPr>
-              <a:t> </a:t>
-            </a:r>
-            <a:r>
-              <a:rPr lang="en-US" sz="2800" dirty="0" err="1">
-                <a:latin typeface="Times New Roman" panose="02020603050405020304" pitchFamily="18" charset="0"/>
-                <a:cs typeface="Times New Roman" panose="02020603050405020304" pitchFamily="18" charset="0"/>
-              </a:rPr>
-              <a:t>quản</a:t>
-            </a:r>
-            <a:r>
-              <a:rPr lang="en-US" sz="2800" dirty="0">
-                <a:latin typeface="Times New Roman" panose="02020603050405020304" pitchFamily="18" charset="0"/>
-                <a:cs typeface="Times New Roman" panose="02020603050405020304" pitchFamily="18" charset="0"/>
-              </a:rPr>
-              <a:t> </a:t>
-            </a:r>
-            <a:r>
-              <a:rPr lang="en-US" sz="2800" dirty="0" err="1">
-                <a:latin typeface="Times New Roman" panose="02020603050405020304" pitchFamily="18" charset="0"/>
-                <a:cs typeface="Times New Roman" panose="02020603050405020304" pitchFamily="18" charset="0"/>
-              </a:rPr>
-              <a:t>trị</a:t>
-            </a:r>
-            <a:r>
-              <a:rPr lang="en-US" sz="2800" dirty="0">
-                <a:latin typeface="Times New Roman" panose="02020603050405020304" pitchFamily="18" charset="0"/>
-                <a:cs typeface="Times New Roman" panose="02020603050405020304" pitchFamily="18" charset="0"/>
-              </a:rPr>
-              <a:t> </a:t>
-            </a:r>
-            <a:r>
-              <a:rPr lang="en-US" sz="2800" err="1">
-                <a:latin typeface="Times New Roman" panose="02020603050405020304" pitchFamily="18" charset="0"/>
-                <a:cs typeface="Times New Roman" panose="02020603050405020304" pitchFamily="18" charset="0"/>
-              </a:rPr>
-              <a:t>hệ</a:t>
-            </a:r>
-            <a:r>
-              <a:rPr lang="en-US" sz="2800">
-                <a:latin typeface="Times New Roman" panose="02020603050405020304" pitchFamily="18" charset="0"/>
-                <a:cs typeface="Times New Roman" panose="02020603050405020304" pitchFamily="18" charset="0"/>
-              </a:rPr>
-              <a:t> </a:t>
-            </a:r>
-            <a:r>
-              <a:rPr lang="en-US" sz="2800" smtClean="0">
-                <a:latin typeface="Times New Roman" panose="02020603050405020304" pitchFamily="18" charset="0"/>
-                <a:cs typeface="Times New Roman" panose="02020603050405020304" pitchFamily="18" charset="0"/>
-              </a:rPr>
-              <a:t>thống</a:t>
-            </a:r>
-            <a:endParaRPr lang="en-US" sz="2800" dirty="0">
-              <a:latin typeface="Times New Roman" panose="02020603050405020304" pitchFamily="18" charset="0"/>
-              <a:cs typeface="Times New Roman" panose="02020603050405020304" pitchFamily="18" charset="0"/>
-            </a:endParaRPr>
-          </a:p>
-          <a:p>
-            <a:pPr marL="285750" indent="-285750">
-              <a:buFont typeface="Arial" panose="020B0604020202020204" pitchFamily="34" charset="0"/>
-              <a:buChar char="•"/>
-            </a:pPr>
-            <a:r>
-              <a:rPr lang="en-US" sz="2800" b="1" smtClean="0">
-                <a:latin typeface="Times New Roman" panose="02020603050405020304" pitchFamily="18" charset="0"/>
-                <a:cs typeface="Times New Roman" panose="02020603050405020304" pitchFamily="18" charset="0"/>
-              </a:rPr>
-              <a:t>Project </a:t>
-            </a:r>
-            <a:r>
-              <a:rPr lang="en-US" sz="2800" b="1" dirty="0">
-                <a:latin typeface="Times New Roman" panose="02020603050405020304" pitchFamily="18" charset="0"/>
-                <a:cs typeface="Times New Roman" panose="02020603050405020304" pitchFamily="18" charset="0"/>
-              </a:rPr>
-              <a:t>Manager</a:t>
-            </a:r>
-            <a:r>
-              <a:rPr lang="en-US" sz="2800" dirty="0">
-                <a:latin typeface="Times New Roman" panose="02020603050405020304" pitchFamily="18" charset="0"/>
-                <a:cs typeface="Times New Roman" panose="02020603050405020304" pitchFamily="18" charset="0"/>
-              </a:rPr>
-              <a:t>: </a:t>
-            </a:r>
-            <a:r>
-              <a:rPr lang="en-US" sz="2800" dirty="0" err="1">
-                <a:latin typeface="Times New Roman" panose="02020603050405020304" pitchFamily="18" charset="0"/>
-                <a:cs typeface="Times New Roman" panose="02020603050405020304" pitchFamily="18" charset="0"/>
-              </a:rPr>
-              <a:t>Quản</a:t>
-            </a:r>
-            <a:r>
-              <a:rPr lang="en-US" sz="2800" dirty="0">
-                <a:latin typeface="Times New Roman" panose="02020603050405020304" pitchFamily="18" charset="0"/>
-                <a:cs typeface="Times New Roman" panose="02020603050405020304" pitchFamily="18" charset="0"/>
-              </a:rPr>
-              <a:t> </a:t>
-            </a:r>
-            <a:r>
-              <a:rPr lang="en-US" sz="2800" dirty="0" err="1">
-                <a:latin typeface="Times New Roman" panose="02020603050405020304" pitchFamily="18" charset="0"/>
-                <a:cs typeface="Times New Roman" panose="02020603050405020304" pitchFamily="18" charset="0"/>
-              </a:rPr>
-              <a:t>trị</a:t>
-            </a:r>
-            <a:r>
-              <a:rPr lang="en-US" sz="2800" dirty="0">
-                <a:latin typeface="Times New Roman" panose="02020603050405020304" pitchFamily="18" charset="0"/>
-                <a:cs typeface="Times New Roman" panose="02020603050405020304" pitchFamily="18" charset="0"/>
-              </a:rPr>
-              <a:t> </a:t>
-            </a:r>
-            <a:r>
-              <a:rPr lang="en-US" sz="2800" dirty="0" err="1">
-                <a:latin typeface="Times New Roman" panose="02020603050405020304" pitchFamily="18" charset="0"/>
-                <a:cs typeface="Times New Roman" panose="02020603050405020304" pitchFamily="18" charset="0"/>
-              </a:rPr>
-              <a:t>dự</a:t>
-            </a:r>
-            <a:r>
-              <a:rPr lang="en-US" sz="2800" dirty="0">
-                <a:latin typeface="Times New Roman" panose="02020603050405020304" pitchFamily="18" charset="0"/>
-                <a:cs typeface="Times New Roman" panose="02020603050405020304" pitchFamily="18" charset="0"/>
-              </a:rPr>
-              <a:t> </a:t>
-            </a:r>
-            <a:r>
-              <a:rPr lang="en-US" sz="2800" dirty="0" err="1">
-                <a:latin typeface="Times New Roman" panose="02020603050405020304" pitchFamily="18" charset="0"/>
-                <a:cs typeface="Times New Roman" panose="02020603050405020304" pitchFamily="18" charset="0"/>
-              </a:rPr>
-              <a:t>án</a:t>
-            </a:r>
-            <a:r>
-              <a:rPr lang="en-US" sz="2800" dirty="0">
-                <a:latin typeface="Times New Roman" panose="02020603050405020304" pitchFamily="18" charset="0"/>
-                <a:cs typeface="Times New Roman" panose="02020603050405020304" pitchFamily="18" charset="0"/>
-              </a:rPr>
-              <a:t> </a:t>
-            </a:r>
-            <a:r>
-              <a:rPr lang="en-US" sz="2800" err="1">
-                <a:latin typeface="Times New Roman" panose="02020603050405020304" pitchFamily="18" charset="0"/>
-                <a:cs typeface="Times New Roman" panose="02020603050405020304" pitchFamily="18" charset="0"/>
-              </a:rPr>
-              <a:t>phần</a:t>
-            </a:r>
-            <a:r>
-              <a:rPr lang="en-US" sz="2800">
-                <a:latin typeface="Times New Roman" panose="02020603050405020304" pitchFamily="18" charset="0"/>
-                <a:cs typeface="Times New Roman" panose="02020603050405020304" pitchFamily="18" charset="0"/>
-              </a:rPr>
-              <a:t> </a:t>
-            </a:r>
-            <a:r>
-              <a:rPr lang="en-US" sz="2800" smtClean="0">
-                <a:latin typeface="Times New Roman" panose="02020603050405020304" pitchFamily="18" charset="0"/>
-                <a:cs typeface="Times New Roman" panose="02020603050405020304" pitchFamily="18" charset="0"/>
-              </a:rPr>
-              <a:t>mềm</a:t>
-            </a:r>
-            <a:endParaRPr lang="en-US" sz="2800" dirty="0">
-              <a:latin typeface="Times New Roman" panose="02020603050405020304" pitchFamily="18" charset="0"/>
-              <a:cs typeface="Times New Roman" panose="02020603050405020304" pitchFamily="18" charset="0"/>
-            </a:endParaRPr>
-          </a:p>
-          <a:p>
-            <a:pPr marL="285750" indent="-285750">
-              <a:buFont typeface="Arial" panose="020B0604020202020204" pitchFamily="34" charset="0"/>
-              <a:buChar char="•"/>
-            </a:pPr>
-            <a:r>
-              <a:rPr lang="en-US" sz="2800" b="1" dirty="0">
-                <a:latin typeface="Times New Roman" panose="02020603050405020304" pitchFamily="18" charset="0"/>
-                <a:cs typeface="Times New Roman" panose="02020603050405020304" pitchFamily="18" charset="0"/>
-              </a:rPr>
-              <a:t>T</a:t>
-            </a:r>
-            <a:r>
-              <a:rPr lang="en-US" sz="2800" b="1" smtClean="0">
-                <a:latin typeface="Times New Roman" panose="02020603050405020304" pitchFamily="18" charset="0"/>
-                <a:cs typeface="Times New Roman" panose="02020603050405020304" pitchFamily="18" charset="0"/>
-              </a:rPr>
-              <a:t>eam </a:t>
-            </a:r>
-            <a:r>
-              <a:rPr lang="en-US" sz="2800" b="1" dirty="0">
-                <a:latin typeface="Times New Roman" panose="02020603050405020304" pitchFamily="18" charset="0"/>
-                <a:cs typeface="Times New Roman" panose="02020603050405020304" pitchFamily="18" charset="0"/>
-              </a:rPr>
-              <a:t>Lead</a:t>
-            </a:r>
-            <a:r>
-              <a:rPr lang="en-US" sz="2800" dirty="0">
-                <a:latin typeface="Times New Roman" panose="02020603050405020304" pitchFamily="18" charset="0"/>
-                <a:cs typeface="Times New Roman" panose="02020603050405020304" pitchFamily="18" charset="0"/>
-              </a:rPr>
-              <a:t>: </a:t>
-            </a:r>
-            <a:r>
-              <a:rPr lang="en-US" sz="2800" dirty="0" err="1">
-                <a:latin typeface="Times New Roman" panose="02020603050405020304" pitchFamily="18" charset="0"/>
-                <a:cs typeface="Times New Roman" panose="02020603050405020304" pitchFamily="18" charset="0"/>
-              </a:rPr>
-              <a:t>Trưởng</a:t>
-            </a:r>
-            <a:r>
-              <a:rPr lang="en-US" sz="2800" dirty="0">
-                <a:latin typeface="Times New Roman" panose="02020603050405020304" pitchFamily="18" charset="0"/>
-                <a:cs typeface="Times New Roman" panose="02020603050405020304" pitchFamily="18" charset="0"/>
-              </a:rPr>
-              <a:t> </a:t>
-            </a:r>
-            <a:r>
-              <a:rPr lang="en-US" sz="2800" err="1">
-                <a:latin typeface="Times New Roman" panose="02020603050405020304" pitchFamily="18" charset="0"/>
-                <a:cs typeface="Times New Roman" panose="02020603050405020304" pitchFamily="18" charset="0"/>
-              </a:rPr>
-              <a:t>nhóm</a:t>
-            </a:r>
-            <a:r>
-              <a:rPr lang="en-US" sz="2800">
-                <a:latin typeface="Times New Roman" panose="02020603050405020304" pitchFamily="18" charset="0"/>
-                <a:cs typeface="Times New Roman" panose="02020603050405020304" pitchFamily="18" charset="0"/>
-              </a:rPr>
-              <a:t> </a:t>
-            </a:r>
-            <a:endParaRPr lang="en-US" sz="2800" smtClean="0">
-              <a:latin typeface="Times New Roman" panose="02020603050405020304" pitchFamily="18" charset="0"/>
-              <a:cs typeface="Times New Roman" panose="02020603050405020304" pitchFamily="18" charset="0"/>
-            </a:endParaRPr>
-          </a:p>
-          <a:p>
-            <a:pPr marL="285750" indent="-285750">
-              <a:buFont typeface="Arial" panose="020B0604020202020204" pitchFamily="34" charset="0"/>
-              <a:buChar char="•"/>
-            </a:pPr>
-            <a:r>
-              <a:rPr lang="en-US" sz="2800" b="1" smtClean="0">
-                <a:latin typeface="Times New Roman" panose="02020603050405020304" pitchFamily="18" charset="0"/>
-                <a:cs typeface="Times New Roman" panose="02020603050405020304" pitchFamily="18" charset="0"/>
-              </a:rPr>
-              <a:t>Member</a:t>
-            </a:r>
-            <a:r>
-              <a:rPr lang="en-US" sz="2800" dirty="0">
-                <a:latin typeface="Times New Roman" panose="02020603050405020304" pitchFamily="18" charset="0"/>
-                <a:cs typeface="Times New Roman" panose="02020603050405020304" pitchFamily="18" charset="0"/>
-              </a:rPr>
-              <a:t>: </a:t>
-            </a:r>
-            <a:r>
-              <a:rPr lang="en-US" sz="2800" dirty="0" err="1">
-                <a:latin typeface="Times New Roman" panose="02020603050405020304" pitchFamily="18" charset="0"/>
-                <a:cs typeface="Times New Roman" panose="02020603050405020304" pitchFamily="18" charset="0"/>
-              </a:rPr>
-              <a:t>Thành</a:t>
-            </a:r>
-            <a:r>
-              <a:rPr lang="en-US" sz="2800" dirty="0">
-                <a:latin typeface="Times New Roman" panose="02020603050405020304" pitchFamily="18" charset="0"/>
-                <a:cs typeface="Times New Roman" panose="02020603050405020304" pitchFamily="18" charset="0"/>
-              </a:rPr>
-              <a:t> </a:t>
-            </a:r>
-            <a:r>
-              <a:rPr lang="en-US" sz="2800" dirty="0" err="1">
-                <a:latin typeface="Times New Roman" panose="02020603050405020304" pitchFamily="18" charset="0"/>
-                <a:cs typeface="Times New Roman" panose="02020603050405020304" pitchFamily="18" charset="0"/>
-              </a:rPr>
-              <a:t>viên</a:t>
-            </a:r>
-            <a:r>
-              <a:rPr lang="en-US" sz="2800" dirty="0">
-                <a:latin typeface="Times New Roman" panose="02020603050405020304" pitchFamily="18" charset="0"/>
-                <a:cs typeface="Times New Roman" panose="02020603050405020304" pitchFamily="18" charset="0"/>
-              </a:rPr>
-              <a:t> </a:t>
-            </a:r>
-            <a:r>
-              <a:rPr lang="en-US" sz="2800" dirty="0" err="1">
-                <a:latin typeface="Times New Roman" panose="02020603050405020304" pitchFamily="18" charset="0"/>
-                <a:cs typeface="Times New Roman" panose="02020603050405020304" pitchFamily="18" charset="0"/>
-              </a:rPr>
-              <a:t>trong</a:t>
-            </a:r>
-            <a:r>
-              <a:rPr lang="en-US" sz="2800" dirty="0">
-                <a:latin typeface="Times New Roman" panose="02020603050405020304" pitchFamily="18" charset="0"/>
-                <a:cs typeface="Times New Roman" panose="02020603050405020304" pitchFamily="18" charset="0"/>
-              </a:rPr>
-              <a:t> </a:t>
-            </a:r>
-            <a:r>
-              <a:rPr lang="en-US" sz="2800" dirty="0" err="1">
-                <a:latin typeface="Times New Roman" panose="02020603050405020304" pitchFamily="18" charset="0"/>
-                <a:cs typeface="Times New Roman" panose="02020603050405020304" pitchFamily="18" charset="0"/>
-              </a:rPr>
-              <a:t>dự</a:t>
-            </a:r>
-            <a:r>
-              <a:rPr lang="en-US" sz="2800" dirty="0">
-                <a:latin typeface="Times New Roman" panose="02020603050405020304" pitchFamily="18" charset="0"/>
-                <a:cs typeface="Times New Roman" panose="02020603050405020304" pitchFamily="18" charset="0"/>
-              </a:rPr>
-              <a:t> </a:t>
-            </a:r>
-            <a:r>
-              <a:rPr lang="en-US" sz="2800" dirty="0" err="1">
-                <a:latin typeface="Times New Roman" panose="02020603050405020304" pitchFamily="18" charset="0"/>
-                <a:cs typeface="Times New Roman" panose="02020603050405020304" pitchFamily="18" charset="0"/>
-              </a:rPr>
-              <a:t>án</a:t>
-            </a:r>
-            <a:endParaRPr lang="en-US" sz="2800" dirty="0">
+            <a:endParaRPr lang="en-US" sz="4000" dirty="0">
               <a:latin typeface="Times New Roman" panose="02020603050405020304" pitchFamily="18" charset="0"/>
               <a:cs typeface="Times New Roman" panose="02020603050405020304" pitchFamily="18" charset="0"/>
             </a:endParaRPr>
@@ -18845,7 +21154,7 @@
     </p:spTree>
     <p:extLst>
       <p:ext uri="{BB962C8B-B14F-4D97-AF65-F5344CB8AC3E}">
-        <p14:creationId xmlns:p14="http://schemas.microsoft.com/office/powerpoint/2010/main" val="2715403382"/>
+        <p14:creationId xmlns:p14="http://schemas.microsoft.com/office/powerpoint/2010/main" val="2785266025"/>
       </p:ext>
     </p:extLst>
   </p:cSld>
